--- a/Git基本操作一覧.pptx
+++ b/Git基本操作一覧.pptx
@@ -5,7 +5,7 @@
     <p:sldMasterId id="2147483648" r:id="rId1"/>
   </p:sldMasterIdLst>
   <p:sldIdLst>
-    <p:sldId id="256" r:id="rId2"/>
+    <p:sldId id="258" r:id="rId2"/>
     <p:sldId id="257" r:id="rId3"/>
   </p:sldIdLst>
   <p:sldSz cx="12192000" cy="6858000"/>
@@ -3615,86 +3615,6 @@
           <p:cNvPr id="2" name="タイトル 1">
             <a:extLst>
               <a:ext uri="{FF2B5EF4-FFF2-40B4-BE49-F238E27FC236}">
-                <a16:creationId xmlns:a16="http://schemas.microsoft.com/office/drawing/2014/main" id="{1170E2D0-968D-C306-2422-4539C4392BAD}"/>
-              </a:ext>
-            </a:extLst>
-          </p:cNvPr>
-          <p:cNvSpPr>
-            <a:spLocks noGrp="1"/>
-          </p:cNvSpPr>
-          <p:nvPr>
-            <p:ph type="ctrTitle"/>
-          </p:nvPr>
-        </p:nvSpPr>
-        <p:spPr/>
-        <p:txBody>
-          <a:bodyPr/>
-          <a:lstStyle/>
-          <a:p>
-            <a:endParaRPr kumimoji="1" lang="ja-JP" altLang="en-US"/>
-          </a:p>
-        </p:txBody>
-      </p:sp>
-      <p:sp>
-        <p:nvSpPr>
-          <p:cNvPr id="3" name="字幕 2">
-            <a:extLst>
-              <a:ext uri="{FF2B5EF4-FFF2-40B4-BE49-F238E27FC236}">
-                <a16:creationId xmlns:a16="http://schemas.microsoft.com/office/drawing/2014/main" id="{2B9FF65F-A58E-BF66-AE46-A65CEDF7C773}"/>
-              </a:ext>
-            </a:extLst>
-          </p:cNvPr>
-          <p:cNvSpPr>
-            <a:spLocks noGrp="1"/>
-          </p:cNvSpPr>
-          <p:nvPr>
-            <p:ph type="subTitle" idx="1"/>
-          </p:nvPr>
-        </p:nvSpPr>
-        <p:spPr/>
-        <p:txBody>
-          <a:bodyPr/>
-          <a:lstStyle/>
-          <a:p>
-            <a:endParaRPr kumimoji="1" lang="ja-JP" altLang="en-US"/>
-          </a:p>
-        </p:txBody>
-      </p:sp>
-    </p:spTree>
-    <p:extLst>
-      <p:ext uri="{BB962C8B-B14F-4D97-AF65-F5344CB8AC3E}">
-        <p14:creationId xmlns:p14="http://schemas.microsoft.com/office/powerpoint/2010/main" val="2704507595"/>
-      </p:ext>
-    </p:extLst>
-  </p:cSld>
-  <p:clrMapOvr>
-    <a:masterClrMapping/>
-  </p:clrMapOvr>
-</p:sld>
-</file>
-
-<file path=ppt/slides/slide2.xml><?xml version="1.0" encoding="utf-8"?>
-<p:sld xmlns:a="http://schemas.openxmlformats.org/drawingml/2006/main" xmlns:r="http://schemas.openxmlformats.org/officeDocument/2006/relationships" xmlns:p="http://schemas.openxmlformats.org/presentationml/2006/main">
-  <p:cSld>
-    <p:spTree>
-      <p:nvGrpSpPr>
-        <p:cNvPr id="1" name=""/>
-        <p:cNvGrpSpPr/>
-        <p:nvPr/>
-      </p:nvGrpSpPr>
-      <p:grpSpPr>
-        <a:xfrm>
-          <a:off x="0" y="0"/>
-          <a:ext cx="0" cy="0"/>
-          <a:chOff x="0" y="0"/>
-          <a:chExt cx="0" cy="0"/>
-        </a:xfrm>
-      </p:grpSpPr>
-      <p:sp>
-        <p:nvSpPr>
-          <p:cNvPr id="2" name="タイトル 1">
-            <a:extLst>
-              <a:ext uri="{FF2B5EF4-FFF2-40B4-BE49-F238E27FC236}">
                 <a16:creationId xmlns:a16="http://schemas.microsoft.com/office/drawing/2014/main" id="{58D75F96-88C9-948D-DDBA-7B583F1789BB}"/>
               </a:ext>
             </a:extLst>
@@ -3760,14 +3680,14 @@
             <p:ph idx="1"/>
             <p:extLst>
               <p:ext uri="{D42A27DB-BD31-4B8C-83A1-F6EECF244321}">
-                <p14:modId xmlns:p14="http://schemas.microsoft.com/office/powerpoint/2010/main" val="3861259407"/>
+                <p14:modId xmlns:p14="http://schemas.microsoft.com/office/powerpoint/2010/main" val="748360388"/>
               </p:ext>
             </p:extLst>
           </p:nvPr>
         </p:nvGraphicFramePr>
         <p:xfrm>
-          <a:off x="656229" y="973541"/>
-          <a:ext cx="10515600" cy="3601720"/>
+          <a:off x="378724" y="937147"/>
+          <a:ext cx="11367449" cy="4790440"/>
         </p:xfrm>
         <a:graphic>
           <a:graphicData uri="http://schemas.openxmlformats.org/drawingml/2006/table">
@@ -3776,31 +3696,24 @@
                 <a:tableStyleId>{5C22544A-7EE6-4342-B048-85BDC9FD1C3A}</a:tableStyleId>
               </a:tblPr>
               <a:tblGrid>
-                <a:gridCol w="1140726">
+                <a:gridCol w="1531962">
                   <a:extLst>
                     <a:ext uri="{9D8B030D-6E8A-4147-A177-3AD203B41FA5}">
                       <a16:colId xmlns:a16="http://schemas.microsoft.com/office/drawing/2014/main" val="2407813582"/>
                     </a:ext>
                   </a:extLst>
                 </a:gridCol>
-                <a:gridCol w="1328382">
+                <a:gridCol w="1442113">
                   <a:extLst>
                     <a:ext uri="{9D8B030D-6E8A-4147-A177-3AD203B41FA5}">
                       <a16:colId xmlns:a16="http://schemas.microsoft.com/office/drawing/2014/main" val="1322666847"/>
                     </a:ext>
                   </a:extLst>
                 </a:gridCol>
-                <a:gridCol w="7178723">
+                <a:gridCol w="8393374">
                   <a:extLst>
                     <a:ext uri="{9D8B030D-6E8A-4147-A177-3AD203B41FA5}">
                       <a16:colId xmlns:a16="http://schemas.microsoft.com/office/drawing/2014/main" val="4179790636"/>
-                    </a:ext>
-                  </a:extLst>
-                </a:gridCol>
-                <a:gridCol w="867769">
-                  <a:extLst>
-                    <a:ext uri="{9D8B030D-6E8A-4147-A177-3AD203B41FA5}">
-                      <a16:colId xmlns:a16="http://schemas.microsoft.com/office/drawing/2014/main" val="3611267781"/>
                     </a:ext>
                   </a:extLst>
                 </a:gridCol>
@@ -3811,7 +3724,11 @@
                     <a:bodyPr/>
                     <a:lstStyle/>
                     <a:p>
-                      <a:endParaRPr kumimoji="1" lang="ja-JP" altLang="en-US"/>
+                      <a:pPr algn="ctr"/>
+                      <a:r>
+                        <a:rPr kumimoji="1" lang="ja-JP" altLang="en-US" dirty="0"/>
+                        <a:t>コマンド名</a:t>
+                      </a:r>
                     </a:p>
                   </a:txBody>
                   <a:tcPr/>
@@ -3821,7 +3738,11 @@
                     <a:bodyPr/>
                     <a:lstStyle/>
                     <a:p>
-                      <a:endParaRPr kumimoji="1" lang="ja-JP" altLang="en-US" dirty="0"/>
+                      <a:pPr algn="ctr"/>
+                      <a:r>
+                        <a:rPr kumimoji="1" lang="ja-JP" altLang="en-US" dirty="0"/>
+                        <a:t>読み方</a:t>
+                      </a:r>
                     </a:p>
                   </a:txBody>
                   <a:tcPr/>
@@ -3831,17 +3752,11 @@
                     <a:bodyPr/>
                     <a:lstStyle/>
                     <a:p>
-                      <a:endParaRPr kumimoji="1" lang="ja-JP" altLang="en-US"/>
-                    </a:p>
-                  </a:txBody>
-                  <a:tcPr/>
-                </a:tc>
-                <a:tc>
-                  <a:txBody>
-                    <a:bodyPr/>
-                    <a:lstStyle/>
-                    <a:p>
-                      <a:endParaRPr kumimoji="1" lang="ja-JP" altLang="en-US"/>
+                      <a:pPr algn="ctr"/>
+                      <a:r>
+                        <a:rPr kumimoji="1" lang="ja-JP" altLang="en-US" dirty="0"/>
+                        <a:t>説明</a:t>
+                      </a:r>
                     </a:p>
                   </a:txBody>
                   <a:tcPr/>
@@ -3903,18 +3818,8 @@
                       </a:r>
                       <a:r>
                         <a:rPr kumimoji="1" lang="ja-JP" altLang="en-US" dirty="0"/>
-                        <a:t>する</a:t>
+                        <a:t>するコマンド</a:t>
                       </a:r>
-                    </a:p>
-                  </a:txBody>
-                  <a:tcPr/>
-                </a:tc>
-                <a:tc>
-                  <a:txBody>
-                    <a:bodyPr/>
-                    <a:lstStyle/>
-                    <a:p>
-                      <a:endParaRPr kumimoji="1" lang="ja-JP" altLang="en-US"/>
                     </a:p>
                   </a:txBody>
                   <a:tcPr/>
@@ -3960,18 +3865,8 @@
                     <a:p>
                       <a:r>
                         <a:rPr kumimoji="1" lang="ja-JP" altLang="en-US" dirty="0"/>
-                        <a:t>変更内容を追加する、ファイルを追加する</a:t>
+                        <a:t>変更内容を追加する、ファイルを追加するコマンド。</a:t>
                       </a:r>
-                    </a:p>
-                  </a:txBody>
-                  <a:tcPr/>
-                </a:tc>
-                <a:tc>
-                  <a:txBody>
-                    <a:bodyPr/>
-                    <a:lstStyle/>
-                    <a:p>
-                      <a:endParaRPr kumimoji="1" lang="ja-JP" altLang="en-US"/>
                     </a:p>
                   </a:txBody>
                   <a:tcPr/>
@@ -4017,18 +3912,8 @@
                     <a:p>
                       <a:r>
                         <a:rPr kumimoji="1" lang="ja-JP" altLang="en-US" dirty="0"/>
-                        <a:t>変更内容をリポジトリに反映する</a:t>
+                        <a:t>変更内容をリポジトリに反映するコマンド。</a:t>
                       </a:r>
-                    </a:p>
-                  </a:txBody>
-                  <a:tcPr/>
-                </a:tc>
-                <a:tc>
-                  <a:txBody>
-                    <a:bodyPr/>
-                    <a:lstStyle/>
-                    <a:p>
-                      <a:endParaRPr kumimoji="1" lang="ja-JP" altLang="en-US"/>
                     </a:p>
                   </a:txBody>
                   <a:tcPr/>
@@ -4074,18 +3959,8 @@
                     <a:p>
                       <a:r>
                         <a:rPr kumimoji="1" lang="ja-JP" altLang="en-US" dirty="0"/>
-                        <a:t>ローカルリポジトリの変更内容をリモートリポジトリに反映する</a:t>
+                        <a:t>ローカルリポジトリの変更内容をリモートリポジトリに反映するコマンド。</a:t>
                       </a:r>
-                    </a:p>
-                  </a:txBody>
-                  <a:tcPr/>
-                </a:tc>
-                <a:tc>
-                  <a:txBody>
-                    <a:bodyPr/>
-                    <a:lstStyle/>
-                    <a:p>
-                      <a:endParaRPr kumimoji="1" lang="ja-JP" altLang="en-US"/>
                     </a:p>
                   </a:txBody>
                   <a:tcPr/>
@@ -4131,18 +4006,15 @@
                     <a:p>
                       <a:r>
                         <a:rPr kumimoji="1" lang="ja-JP" altLang="en-US" dirty="0"/>
-                        <a:t>リモートリポジトリの変更内容を取り込む</a:t>
+                        <a:t>リモートリポジトリの変更内容を取り込むコマンド。</a:t>
                       </a:r>
+                      <a:endParaRPr kumimoji="1" lang="en-US" altLang="ja-JP" dirty="0"/>
                     </a:p>
-                  </a:txBody>
-                  <a:tcPr/>
-                </a:tc>
-                <a:tc>
-                  <a:txBody>
-                    <a:bodyPr/>
-                    <a:lstStyle/>
                     <a:p>
-                      <a:endParaRPr kumimoji="1" lang="ja-JP" altLang="en-US"/>
+                      <a:r>
+                        <a:rPr kumimoji="1" lang="ja-JP" altLang="en-US" dirty="0"/>
+                        <a:t>フェッチとマージが同時に行われるようなイメージ。</a:t>
+                      </a:r>
                     </a:p>
                   </a:txBody>
                   <a:tcPr/>
@@ -4186,17 +4058,17 @@
                     <a:bodyPr/>
                     <a:lstStyle/>
                     <a:p>
-                      <a:endParaRPr kumimoji="1" lang="ja-JP" altLang="en-US" dirty="0"/>
+                      <a:r>
+                        <a:rPr kumimoji="1" lang="ja-JP" altLang="en-US" dirty="0"/>
+                        <a:t>他の作業者との作業内容を確認する場合に使用する操作。</a:t>
+                      </a:r>
+                      <a:endParaRPr kumimoji="1" lang="en-US" altLang="ja-JP" dirty="0"/>
                     </a:p>
-                  </a:txBody>
-                  <a:tcPr/>
-                </a:tc>
-                <a:tc>
-                  <a:txBody>
-                    <a:bodyPr/>
-                    <a:lstStyle/>
                     <a:p>
-                      <a:endParaRPr kumimoji="1" lang="ja-JP" altLang="en-US"/>
+                      <a:r>
+                        <a:rPr kumimoji="1" lang="ja-JP" altLang="en-US" dirty="0"/>
+                        <a:t>リモートリポジトリの変更をローカルリポジトリにダウンロードのみでワークツリーには反映されません。反映するには後述するマージを実行する必要があります。</a:t>
+                      </a:r>
                     </a:p>
                   </a:txBody>
                   <a:tcPr/>
@@ -4215,6 +4087,70 @@
                     <a:p>
                       <a:r>
                         <a:rPr kumimoji="1" lang="en-US" altLang="ja-JP" dirty="0"/>
+                        <a:t>merge</a:t>
+                      </a:r>
+                      <a:endParaRPr kumimoji="1" lang="ja-JP" altLang="en-US" dirty="0"/>
+                    </a:p>
+                  </a:txBody>
+                  <a:tcPr/>
+                </a:tc>
+                <a:tc>
+                  <a:txBody>
+                    <a:bodyPr/>
+                    <a:lstStyle/>
+                    <a:p>
+                      <a:r>
+                        <a:rPr kumimoji="1" lang="ja-JP" altLang="en-US" dirty="0"/>
+                        <a:t>マージ</a:t>
+                      </a:r>
+                    </a:p>
+                  </a:txBody>
+                  <a:tcPr/>
+                </a:tc>
+                <a:tc>
+                  <a:txBody>
+                    <a:bodyPr/>
+                    <a:lstStyle/>
+                    <a:p>
+                      <a:r>
+                        <a:rPr kumimoji="1" lang="ja-JP" altLang="en-US" dirty="0"/>
+                        <a:t>他の作業者の変更内容をリポジトリに取り込むコマンド。</a:t>
+                      </a:r>
+                    </a:p>
+                  </a:txBody>
+                  <a:tcPr/>
+                </a:tc>
+                <a:extLst>
+                  <a:ext uri="{0D108BD9-81ED-4DB2-BD59-A6C34878D82A}">
+                    <a16:rowId xmlns:a16="http://schemas.microsoft.com/office/drawing/2014/main" val="3633164901"/>
+                  </a:ext>
+                </a:extLst>
+              </a:tr>
+              <a:tr h="370840">
+                <a:tc>
+                  <a:txBody>
+                    <a:bodyPr/>
+                    <a:lstStyle/>
+                    <a:p>
+                      <a:pPr marL="0" marR="0" lvl="0" indent="0" algn="l" defTabSz="914400" rtl="0" eaLnBrk="1" fontAlgn="auto" latinLnBrk="0" hangingPunct="1">
+                        <a:lnSpc>
+                          <a:spcPct val="100000"/>
+                        </a:lnSpc>
+                        <a:spcBef>
+                          <a:spcPts val="0"/>
+                        </a:spcBef>
+                        <a:spcAft>
+                          <a:spcPts val="0"/>
+                        </a:spcAft>
+                        <a:buClrTx/>
+                        <a:buSzTx/>
+                        <a:buFontTx/>
+                        <a:buNone/>
+                        <a:tabLst/>
+                        <a:defRPr/>
+                      </a:pPr>
+                      <a:r>
+                        <a:rPr kumimoji="1" lang="en-US" altLang="ja-JP" dirty="0"/>
                         <a:t>rm</a:t>
                       </a:r>
                       <a:endParaRPr kumimoji="1" lang="ja-JP" altLang="en-US" dirty="0"/>
@@ -4227,7 +4163,10 @@
                     <a:bodyPr/>
                     <a:lstStyle/>
                     <a:p>
-                      <a:endParaRPr kumimoji="1" lang="ja-JP" altLang="en-US" dirty="0"/>
+                      <a:r>
+                        <a:rPr kumimoji="1" lang="ja-JP" altLang="en-US" dirty="0"/>
+                        <a:t>リムーブ</a:t>
+                      </a:r>
                     </a:p>
                   </a:txBody>
                   <a:tcPr/>
@@ -4237,24 +4176,17 @@
                     <a:bodyPr/>
                     <a:lstStyle/>
                     <a:p>
-                      <a:endParaRPr kumimoji="1" lang="ja-JP" altLang="en-US" dirty="0"/>
-                    </a:p>
-                  </a:txBody>
-                  <a:tcPr/>
-                </a:tc>
-                <a:tc>
-                  <a:txBody>
-                    <a:bodyPr/>
-                    <a:lstStyle/>
-                    <a:p>
-                      <a:endParaRPr kumimoji="1" lang="ja-JP" altLang="en-US" dirty="0"/>
+                      <a:r>
+                        <a:rPr kumimoji="1" lang="ja-JP" altLang="en-US" dirty="0"/>
+                        <a:t>ファイル・ディレクトリを削除することができるコマンド。</a:t>
+                      </a:r>
                     </a:p>
                   </a:txBody>
                   <a:tcPr/>
                 </a:tc>
                 <a:extLst>
                   <a:ext uri="{0D108BD9-81ED-4DB2-BD59-A6C34878D82A}">
-                    <a16:rowId xmlns:a16="http://schemas.microsoft.com/office/drawing/2014/main" val="3633164901"/>
+                    <a16:rowId xmlns:a16="http://schemas.microsoft.com/office/drawing/2014/main" val="3912707737"/>
                   </a:ext>
                 </a:extLst>
               </a:tr>
@@ -4291,17 +4223,10 @@
                     <a:bodyPr/>
                     <a:lstStyle/>
                     <a:p>
-                      <a:endParaRPr kumimoji="1" lang="ja-JP" altLang="en-US"/>
-                    </a:p>
-                  </a:txBody>
-                  <a:tcPr/>
-                </a:tc>
-                <a:tc>
-                  <a:txBody>
-                    <a:bodyPr/>
-                    <a:lstStyle/>
-                    <a:p>
-                      <a:endParaRPr kumimoji="1" lang="ja-JP" altLang="en-US" dirty="0"/>
+                      <a:r>
+                        <a:rPr kumimoji="1" lang="ja-JP" altLang="en-US" dirty="0"/>
+                        <a:t>作業ディレクトリの状態とステージングエリアの状態を表示するコマンド。</a:t>
+                      </a:r>
                     </a:p>
                   </a:txBody>
                   <a:tcPr/>
@@ -4316,6 +4241,592 @@
           </a:graphicData>
         </a:graphic>
       </p:graphicFrame>
+    </p:spTree>
+    <p:extLst>
+      <p:ext uri="{BB962C8B-B14F-4D97-AF65-F5344CB8AC3E}">
+        <p14:creationId xmlns:p14="http://schemas.microsoft.com/office/powerpoint/2010/main" val="2801542335"/>
+      </p:ext>
+    </p:extLst>
+  </p:cSld>
+  <p:clrMapOvr>
+    <a:masterClrMapping/>
+  </p:clrMapOvr>
+</p:sld>
+</file>
+
+<file path=ppt/slides/slide2.xml><?xml version="1.0" encoding="utf-8"?>
+<p:sld xmlns:a="http://schemas.openxmlformats.org/drawingml/2006/main" xmlns:r="http://schemas.openxmlformats.org/officeDocument/2006/relationships" xmlns:p="http://schemas.openxmlformats.org/presentationml/2006/main">
+  <p:cSld>
+    <p:spTree>
+      <p:nvGrpSpPr>
+        <p:cNvPr id="1" name=""/>
+        <p:cNvGrpSpPr/>
+        <p:nvPr/>
+      </p:nvGrpSpPr>
+      <p:grpSpPr>
+        <a:xfrm>
+          <a:off x="0" y="0"/>
+          <a:ext cx="0" cy="0"/>
+          <a:chOff x="0" y="0"/>
+          <a:chExt cx="0" cy="0"/>
+        </a:xfrm>
+      </p:grpSpPr>
+      <p:sp>
+        <p:nvSpPr>
+          <p:cNvPr id="2" name="タイトル 1">
+            <a:extLst>
+              <a:ext uri="{FF2B5EF4-FFF2-40B4-BE49-F238E27FC236}">
+                <a16:creationId xmlns:a16="http://schemas.microsoft.com/office/drawing/2014/main" id="{58D75F96-88C9-948D-DDBA-7B583F1789BB}"/>
+              </a:ext>
+            </a:extLst>
+          </p:cNvPr>
+          <p:cNvSpPr>
+            <a:spLocks noGrp="1"/>
+          </p:cNvSpPr>
+          <p:nvPr>
+            <p:ph type="title"/>
+          </p:nvPr>
+        </p:nvSpPr>
+        <p:spPr>
+          <a:xfrm>
+            <a:off x="0" y="0"/>
+            <a:ext cx="12192000" cy="681037"/>
+          </a:xfrm>
+          <a:solidFill>
+            <a:srgbClr val="3333FF"/>
+          </a:solidFill>
+        </p:spPr>
+        <p:txBody>
+          <a:bodyPr numCol="2">
+            <a:normAutofit fontScale="90000"/>
+          </a:bodyPr>
+          <a:lstStyle/>
+          <a:p>
+            <a:r>
+              <a:rPr lang="en-US" altLang="ja-JP" dirty="0">
+                <a:solidFill>
+                  <a:schemeClr val="bg1"/>
+                </a:solidFill>
+                <a:latin typeface="Meiryo UI" panose="020B0604030504040204" pitchFamily="50" charset="-128"/>
+                <a:ea typeface="Meiryo UI" panose="020B0604030504040204" pitchFamily="50" charset="-128"/>
+              </a:rPr>
+              <a:t>c</a:t>
+            </a:r>
+            <a:r>
+              <a:rPr kumimoji="1" lang="en-US" altLang="ja-JP" dirty="0">
+                <a:solidFill>
+                  <a:schemeClr val="bg1"/>
+                </a:solidFill>
+                <a:latin typeface="Meiryo UI" panose="020B0604030504040204" pitchFamily="50" charset="-128"/>
+                <a:ea typeface="Meiryo UI" panose="020B0604030504040204" pitchFamily="50" charset="-128"/>
+              </a:rPr>
+              <a:t>lone(</a:t>
+            </a:r>
+            <a:r>
+              <a:rPr kumimoji="1" lang="ja-JP" altLang="en-US" dirty="0">
+                <a:solidFill>
+                  <a:schemeClr val="bg1"/>
+                </a:solidFill>
+                <a:latin typeface="Meiryo UI" panose="020B0604030504040204" pitchFamily="50" charset="-128"/>
+                <a:ea typeface="Meiryo UI" panose="020B0604030504040204" pitchFamily="50" charset="-128"/>
+              </a:rPr>
+              <a:t>クローン</a:t>
+            </a:r>
+            <a:r>
+              <a:rPr kumimoji="1" lang="en-US" altLang="ja-JP" dirty="0">
+                <a:solidFill>
+                  <a:schemeClr val="bg1"/>
+                </a:solidFill>
+                <a:latin typeface="Meiryo UI" panose="020B0604030504040204" pitchFamily="50" charset="-128"/>
+                <a:ea typeface="Meiryo UI" panose="020B0604030504040204" pitchFamily="50" charset="-128"/>
+              </a:rPr>
+              <a:t>)</a:t>
+            </a:r>
+            <a:r>
+              <a:rPr kumimoji="1" lang="ja-JP" altLang="en-US" dirty="0">
+                <a:solidFill>
+                  <a:schemeClr val="bg1"/>
+                </a:solidFill>
+                <a:latin typeface="Meiryo UI" panose="020B0604030504040204" pitchFamily="50" charset="-128"/>
+                <a:ea typeface="Meiryo UI" panose="020B0604030504040204" pitchFamily="50" charset="-128"/>
+              </a:rPr>
+              <a:t>とは</a:t>
+            </a:r>
+          </a:p>
+        </p:txBody>
+      </p:sp>
+      <p:pic>
+        <p:nvPicPr>
+          <p:cNvPr id="1026" name="Picture 2" descr="ファイル, タイプ, light, db アイコン">
+            <a:extLst>
+              <a:ext uri="{FF2B5EF4-FFF2-40B4-BE49-F238E27FC236}">
+                <a16:creationId xmlns:a16="http://schemas.microsoft.com/office/drawing/2014/main" id="{DFECC89E-4A15-1856-2A30-3EAB1C31276C}"/>
+              </a:ext>
+            </a:extLst>
+          </p:cNvPr>
+          <p:cNvPicPr>
+            <a:picLocks noGrp="1" noChangeAspect="1" noChangeArrowheads="1"/>
+          </p:cNvPicPr>
+          <p:nvPr>
+            <p:ph idx="1"/>
+          </p:nvPr>
+        </p:nvPicPr>
+        <p:blipFill>
+          <a:blip r:embed="rId2">
+            <a:extLst>
+              <a:ext uri="{28A0092B-C50C-407E-A947-70E740481C1C}">
+                <a14:useLocalDpi xmlns:a14="http://schemas.microsoft.com/office/drawing/2010/main" val="0"/>
+              </a:ext>
+            </a:extLst>
+          </a:blip>
+          <a:srcRect/>
+          <a:stretch>
+            <a:fillRect/>
+          </a:stretch>
+        </p:blipFill>
+        <p:spPr bwMode="auto">
+          <a:xfrm>
+            <a:off x="6816830" y="1252028"/>
+            <a:ext cx="1450287" cy="1450287"/>
+          </a:xfrm>
+          <a:prstGeom prst="rect">
+            <a:avLst/>
+          </a:prstGeom>
+          <a:noFill/>
+          <a:extLst>
+            <a:ext uri="{909E8E84-426E-40DD-AFC4-6F175D3DCCD1}">
+              <a14:hiddenFill xmlns:a14="http://schemas.microsoft.com/office/drawing/2010/main">
+                <a:solidFill>
+                  <a:srgbClr val="FFFFFF"/>
+                </a:solidFill>
+              </a14:hiddenFill>
+            </a:ext>
+          </a:extLst>
+        </p:spPr>
+      </p:pic>
+      <p:pic>
+        <p:nvPicPr>
+          <p:cNvPr id="7" name="Picture 2" descr="ファイル, タイプ, light, db アイコン">
+            <a:extLst>
+              <a:ext uri="{FF2B5EF4-FFF2-40B4-BE49-F238E27FC236}">
+                <a16:creationId xmlns:a16="http://schemas.microsoft.com/office/drawing/2014/main" id="{E77EFBEF-06A9-8E77-A749-A3A7438CD123}"/>
+              </a:ext>
+            </a:extLst>
+          </p:cNvPr>
+          <p:cNvPicPr>
+            <a:picLocks noChangeAspect="1" noChangeArrowheads="1"/>
+          </p:cNvPicPr>
+          <p:nvPr/>
+        </p:nvPicPr>
+        <p:blipFill>
+          <a:blip r:embed="rId2">
+            <a:extLst>
+              <a:ext uri="{28A0092B-C50C-407E-A947-70E740481C1C}">
+                <a14:useLocalDpi xmlns:a14="http://schemas.microsoft.com/office/drawing/2010/main" val="0"/>
+              </a:ext>
+            </a:extLst>
+          </a:blip>
+          <a:srcRect/>
+          <a:stretch>
+            <a:fillRect/>
+          </a:stretch>
+        </p:blipFill>
+        <p:spPr bwMode="auto">
+          <a:xfrm>
+            <a:off x="2931648" y="3534772"/>
+            <a:ext cx="1450287" cy="1450287"/>
+          </a:xfrm>
+          <a:prstGeom prst="rect">
+            <a:avLst/>
+          </a:prstGeom>
+          <a:noFill/>
+          <a:extLst>
+            <a:ext uri="{909E8E84-426E-40DD-AFC4-6F175D3DCCD1}">
+              <a14:hiddenFill xmlns:a14="http://schemas.microsoft.com/office/drawing/2010/main">
+                <a:solidFill>
+                  <a:srgbClr val="FFFFFF"/>
+                </a:solidFill>
+              </a14:hiddenFill>
+            </a:ext>
+          </a:extLst>
+        </p:spPr>
+      </p:pic>
+      <p:pic>
+        <p:nvPicPr>
+          <p:cNvPr id="1032" name="Picture 8">
+            <a:extLst>
+              <a:ext uri="{FF2B5EF4-FFF2-40B4-BE49-F238E27FC236}">
+                <a16:creationId xmlns:a16="http://schemas.microsoft.com/office/drawing/2014/main" id="{0699FED0-2ED3-714A-7FAA-C524CE7B86CA}"/>
+              </a:ext>
+            </a:extLst>
+          </p:cNvPr>
+          <p:cNvPicPr>
+            <a:picLocks noChangeAspect="1" noChangeArrowheads="1"/>
+          </p:cNvPicPr>
+          <p:nvPr/>
+        </p:nvPicPr>
+        <p:blipFill>
+          <a:blip r:embed="rId3">
+            <a:extLst>
+              <a:ext uri="{28A0092B-C50C-407E-A947-70E740481C1C}">
+                <a14:useLocalDpi xmlns:a14="http://schemas.microsoft.com/office/drawing/2010/main" val="0"/>
+              </a:ext>
+            </a:extLst>
+          </a:blip>
+          <a:srcRect/>
+          <a:stretch>
+            <a:fillRect/>
+          </a:stretch>
+        </p:blipFill>
+        <p:spPr bwMode="auto">
+          <a:xfrm>
+            <a:off x="1519451" y="5020150"/>
+            <a:ext cx="1664411" cy="1674879"/>
+          </a:xfrm>
+          <a:prstGeom prst="rect">
+            <a:avLst/>
+          </a:prstGeom>
+          <a:noFill/>
+          <a:extLst>
+            <a:ext uri="{909E8E84-426E-40DD-AFC4-6F175D3DCCD1}">
+              <a14:hiddenFill xmlns:a14="http://schemas.microsoft.com/office/drawing/2010/main">
+                <a:solidFill>
+                  <a:srgbClr val="FFFFFF"/>
+                </a:solidFill>
+              </a14:hiddenFill>
+            </a:ext>
+          </a:extLst>
+        </p:spPr>
+      </p:pic>
+      <p:sp>
+        <p:nvSpPr>
+          <p:cNvPr id="8" name="正方形/長方形 7">
+            <a:extLst>
+              <a:ext uri="{FF2B5EF4-FFF2-40B4-BE49-F238E27FC236}">
+                <a16:creationId xmlns:a16="http://schemas.microsoft.com/office/drawing/2014/main" id="{794C7B4E-3D86-D1C7-42B0-1CC019DC5E2D}"/>
+              </a:ext>
+            </a:extLst>
+          </p:cNvPr>
+          <p:cNvSpPr/>
+          <p:nvPr/>
+        </p:nvSpPr>
+        <p:spPr>
+          <a:xfrm>
+            <a:off x="6372816" y="873458"/>
+            <a:ext cx="3057099" cy="3266364"/>
+          </a:xfrm>
+          <a:prstGeom prst="rect">
+            <a:avLst/>
+          </a:prstGeom>
+          <a:noFill/>
+          <a:ln w="28575">
+            <a:solidFill>
+              <a:schemeClr val="tx1">
+                <a:lumMod val="65000"/>
+                <a:lumOff val="35000"/>
+              </a:schemeClr>
+            </a:solidFill>
+            <a:prstDash val="sysDot"/>
+          </a:ln>
+        </p:spPr>
+        <p:style>
+          <a:lnRef idx="2">
+            <a:schemeClr val="accent1">
+              <a:shade val="50000"/>
+            </a:schemeClr>
+          </a:lnRef>
+          <a:fillRef idx="1">
+            <a:schemeClr val="accent1"/>
+          </a:fillRef>
+          <a:effectRef idx="0">
+            <a:schemeClr val="accent1"/>
+          </a:effectRef>
+          <a:fontRef idx="minor">
+            <a:schemeClr val="lt1"/>
+          </a:fontRef>
+        </p:style>
+        <p:txBody>
+          <a:bodyPr rtlCol="0" anchor="ctr"/>
+          <a:lstStyle/>
+          <a:p>
+            <a:pPr algn="ctr"/>
+            <a:endParaRPr kumimoji="1" lang="ja-JP" altLang="en-US"/>
+          </a:p>
+        </p:txBody>
+      </p:sp>
+      <p:pic>
+        <p:nvPicPr>
+          <p:cNvPr id="10" name="図 9">
+            <a:extLst>
+              <a:ext uri="{FF2B5EF4-FFF2-40B4-BE49-F238E27FC236}">
+                <a16:creationId xmlns:a16="http://schemas.microsoft.com/office/drawing/2014/main" id="{2DB771FD-B0AA-5645-EC4F-FB1BF9B9A759}"/>
+              </a:ext>
+            </a:extLst>
+          </p:cNvPr>
+          <p:cNvPicPr>
+            <a:picLocks noChangeAspect="1"/>
+          </p:cNvPicPr>
+          <p:nvPr/>
+        </p:nvPicPr>
+        <p:blipFill>
+          <a:blip r:embed="rId4"/>
+          <a:stretch>
+            <a:fillRect/>
+          </a:stretch>
+        </p:blipFill>
+        <p:spPr>
+          <a:xfrm>
+            <a:off x="8434657" y="1977172"/>
+            <a:ext cx="499386" cy="651373"/>
+          </a:xfrm>
+          <a:prstGeom prst="rect">
+            <a:avLst/>
+          </a:prstGeom>
+        </p:spPr>
+      </p:pic>
+      <p:pic>
+        <p:nvPicPr>
+          <p:cNvPr id="12" name="図 11">
+            <a:extLst>
+              <a:ext uri="{FF2B5EF4-FFF2-40B4-BE49-F238E27FC236}">
+                <a16:creationId xmlns:a16="http://schemas.microsoft.com/office/drawing/2014/main" id="{50BEC481-E745-BD73-2A10-40A13507FC4F}"/>
+              </a:ext>
+            </a:extLst>
+          </p:cNvPr>
+          <p:cNvPicPr>
+            <a:picLocks noChangeAspect="1"/>
+          </p:cNvPicPr>
+          <p:nvPr/>
+        </p:nvPicPr>
+        <p:blipFill>
+          <a:blip r:embed="rId5"/>
+          <a:stretch>
+            <a:fillRect/>
+          </a:stretch>
+        </p:blipFill>
+        <p:spPr>
+          <a:xfrm>
+            <a:off x="8434657" y="2655815"/>
+            <a:ext cx="499386" cy="659903"/>
+          </a:xfrm>
+          <a:prstGeom prst="rect">
+            <a:avLst/>
+          </a:prstGeom>
+        </p:spPr>
+      </p:pic>
+      <p:pic>
+        <p:nvPicPr>
+          <p:cNvPr id="1034" name="Picture 10" descr="Javascript アイコン 主要なプログラミング言語ベクトルアイコンイラスト - JavaScriptのベクターアート素材や画像を多数ご用意 -  iStock">
+            <a:extLst>
+              <a:ext uri="{FF2B5EF4-FFF2-40B4-BE49-F238E27FC236}">
+                <a16:creationId xmlns:a16="http://schemas.microsoft.com/office/drawing/2014/main" id="{4CE1C7BF-E0EE-873C-9DFF-1B07AD8C44FC}"/>
+              </a:ext>
+            </a:extLst>
+          </p:cNvPr>
+          <p:cNvPicPr>
+            <a:picLocks noChangeAspect="1" noChangeArrowheads="1"/>
+          </p:cNvPicPr>
+          <p:nvPr/>
+        </p:nvPicPr>
+        <p:blipFill>
+          <a:blip r:embed="rId6">
+            <a:extLst>
+              <a:ext uri="{28A0092B-C50C-407E-A947-70E740481C1C}">
+                <a14:useLocalDpi xmlns:a14="http://schemas.microsoft.com/office/drawing/2010/main" val="0"/>
+              </a:ext>
+            </a:extLst>
+          </a:blip>
+          <a:srcRect/>
+          <a:stretch>
+            <a:fillRect/>
+          </a:stretch>
+        </p:blipFill>
+        <p:spPr bwMode="auto">
+          <a:xfrm>
+            <a:off x="8434657" y="3342988"/>
+            <a:ext cx="499386" cy="602096"/>
+          </a:xfrm>
+          <a:prstGeom prst="rect">
+            <a:avLst/>
+          </a:prstGeom>
+          <a:noFill/>
+          <a:extLst>
+            <a:ext uri="{909E8E84-426E-40DD-AFC4-6F175D3DCCD1}">
+              <a14:hiddenFill xmlns:a14="http://schemas.microsoft.com/office/drawing/2010/main">
+                <a:solidFill>
+                  <a:srgbClr val="FFFFFF"/>
+                </a:solidFill>
+              </a14:hiddenFill>
+            </a:ext>
+          </a:extLst>
+        </p:spPr>
+      </p:pic>
+      <p:sp>
+        <p:nvSpPr>
+          <p:cNvPr id="15" name="四角形: 角を丸くする 14">
+            <a:extLst>
+              <a:ext uri="{FF2B5EF4-FFF2-40B4-BE49-F238E27FC236}">
+                <a16:creationId xmlns:a16="http://schemas.microsoft.com/office/drawing/2014/main" id="{B5A800B3-9164-811B-DDE2-FCF0893756FA}"/>
+              </a:ext>
+            </a:extLst>
+          </p:cNvPr>
+          <p:cNvSpPr/>
+          <p:nvPr/>
+        </p:nvSpPr>
+        <p:spPr>
+          <a:xfrm>
+            <a:off x="1378424" y="3534772"/>
+            <a:ext cx="1169158" cy="454925"/>
+          </a:xfrm>
+          <a:prstGeom prst="roundRect">
+            <a:avLst>
+              <a:gd name="adj" fmla="val 10356"/>
+            </a:avLst>
+          </a:prstGeom>
+          <a:solidFill>
+            <a:srgbClr val="3333FF"/>
+          </a:solidFill>
+        </p:spPr>
+        <p:style>
+          <a:lnRef idx="2">
+            <a:schemeClr val="accent1">
+              <a:shade val="50000"/>
+            </a:schemeClr>
+          </a:lnRef>
+          <a:fillRef idx="1">
+            <a:schemeClr val="accent1"/>
+          </a:fillRef>
+          <a:effectRef idx="0">
+            <a:schemeClr val="accent1"/>
+          </a:effectRef>
+          <a:fontRef idx="minor">
+            <a:schemeClr val="lt1"/>
+          </a:fontRef>
+        </p:style>
+        <p:txBody>
+          <a:bodyPr rtlCol="0" anchor="ctr"/>
+          <a:lstStyle/>
+          <a:p>
+            <a:pPr algn="ctr"/>
+            <a:r>
+              <a:rPr lang="ja-JP" altLang="en-US" dirty="0"/>
+              <a:t>ローカル</a:t>
+            </a:r>
+            <a:endParaRPr kumimoji="1" lang="ja-JP" altLang="en-US" dirty="0"/>
+          </a:p>
+        </p:txBody>
+      </p:sp>
+      <p:sp>
+        <p:nvSpPr>
+          <p:cNvPr id="16" name="四角形: 角を丸くする 15">
+            <a:extLst>
+              <a:ext uri="{FF2B5EF4-FFF2-40B4-BE49-F238E27FC236}">
+                <a16:creationId xmlns:a16="http://schemas.microsoft.com/office/drawing/2014/main" id="{B2025021-FB4C-7184-834B-E13B6F982591}"/>
+              </a:ext>
+            </a:extLst>
+          </p:cNvPr>
+          <p:cNvSpPr/>
+          <p:nvPr/>
+        </p:nvSpPr>
+        <p:spPr>
+          <a:xfrm>
+            <a:off x="6372816" y="819583"/>
+            <a:ext cx="1169158" cy="454925"/>
+          </a:xfrm>
+          <a:prstGeom prst="roundRect">
+            <a:avLst>
+              <a:gd name="adj" fmla="val 10356"/>
+            </a:avLst>
+          </a:prstGeom>
+          <a:solidFill>
+            <a:srgbClr val="3333FF"/>
+          </a:solidFill>
+        </p:spPr>
+        <p:style>
+          <a:lnRef idx="2">
+            <a:schemeClr val="accent1">
+              <a:shade val="50000"/>
+            </a:schemeClr>
+          </a:lnRef>
+          <a:fillRef idx="1">
+            <a:schemeClr val="accent1"/>
+          </a:fillRef>
+          <a:effectRef idx="0">
+            <a:schemeClr val="accent1"/>
+          </a:effectRef>
+          <a:fontRef idx="minor">
+            <a:schemeClr val="lt1"/>
+          </a:fontRef>
+        </p:style>
+        <p:txBody>
+          <a:bodyPr rtlCol="0" anchor="ctr"/>
+          <a:lstStyle/>
+          <a:p>
+            <a:pPr algn="ctr"/>
+            <a:r>
+              <a:rPr lang="ja-JP" altLang="en-US" dirty="0"/>
+              <a:t>リモート</a:t>
+            </a:r>
+            <a:endParaRPr kumimoji="1" lang="ja-JP" altLang="en-US" dirty="0"/>
+          </a:p>
+        </p:txBody>
+      </p:sp>
+      <p:sp>
+        <p:nvSpPr>
+          <p:cNvPr id="17" name="正方形/長方形 16">
+            <a:extLst>
+              <a:ext uri="{FF2B5EF4-FFF2-40B4-BE49-F238E27FC236}">
+                <a16:creationId xmlns:a16="http://schemas.microsoft.com/office/drawing/2014/main" id="{FCF86999-356A-C0F6-E991-1256CCEFA46E}"/>
+              </a:ext>
+            </a:extLst>
+          </p:cNvPr>
+          <p:cNvSpPr/>
+          <p:nvPr/>
+        </p:nvSpPr>
+        <p:spPr>
+          <a:xfrm>
+            <a:off x="1403099" y="3534772"/>
+            <a:ext cx="3057099" cy="3266364"/>
+          </a:xfrm>
+          <a:prstGeom prst="rect">
+            <a:avLst/>
+          </a:prstGeom>
+          <a:noFill/>
+          <a:ln w="28575">
+            <a:solidFill>
+              <a:schemeClr val="tx1">
+                <a:lumMod val="65000"/>
+                <a:lumOff val="35000"/>
+              </a:schemeClr>
+            </a:solidFill>
+            <a:prstDash val="sysDot"/>
+          </a:ln>
+        </p:spPr>
+        <p:style>
+          <a:lnRef idx="2">
+            <a:schemeClr val="accent1">
+              <a:shade val="50000"/>
+            </a:schemeClr>
+          </a:lnRef>
+          <a:fillRef idx="1">
+            <a:schemeClr val="accent1"/>
+          </a:fillRef>
+          <a:effectRef idx="0">
+            <a:schemeClr val="accent1"/>
+          </a:effectRef>
+          <a:fontRef idx="minor">
+            <a:schemeClr val="lt1"/>
+          </a:fontRef>
+        </p:style>
+        <p:txBody>
+          <a:bodyPr rtlCol="0" anchor="ctr"/>
+          <a:lstStyle/>
+          <a:p>
+            <a:pPr algn="ctr"/>
+            <a:endParaRPr kumimoji="1" lang="ja-JP" altLang="en-US"/>
+          </a:p>
+        </p:txBody>
+      </p:sp>
     </p:spTree>
     <p:extLst>
       <p:ext uri="{BB962C8B-B14F-4D97-AF65-F5344CB8AC3E}">

--- a/Git基本操作一覧.pptx
+++ b/Git基本操作一覧.pptx
@@ -3680,14 +3680,14 @@
             <p:ph idx="1"/>
             <p:extLst>
               <p:ext uri="{D42A27DB-BD31-4B8C-83A1-F6EECF244321}">
-                <p14:modId xmlns:p14="http://schemas.microsoft.com/office/powerpoint/2010/main" val="748360388"/>
+                <p14:modId xmlns:p14="http://schemas.microsoft.com/office/powerpoint/2010/main" val="259926439"/>
               </p:ext>
             </p:extLst>
           </p:nvPr>
         </p:nvGraphicFramePr>
         <p:xfrm>
-          <a:off x="378724" y="937147"/>
-          <a:ext cx="11367449" cy="4790440"/>
+          <a:off x="255891" y="1419367"/>
+          <a:ext cx="11654053" cy="4516120"/>
         </p:xfrm>
         <a:graphic>
           <a:graphicData uri="http://schemas.openxmlformats.org/drawingml/2006/table">
@@ -3696,21 +3696,21 @@
                 <a:tableStyleId>{5C22544A-7EE6-4342-B048-85BDC9FD1C3A}</a:tableStyleId>
               </a:tblPr>
               <a:tblGrid>
-                <a:gridCol w="1531962">
+                <a:gridCol w="1570587">
                   <a:extLst>
                     <a:ext uri="{9D8B030D-6E8A-4147-A177-3AD203B41FA5}">
                       <a16:colId xmlns:a16="http://schemas.microsoft.com/office/drawing/2014/main" val="2407813582"/>
                     </a:ext>
                   </a:extLst>
                 </a:gridCol>
-                <a:gridCol w="1442113">
+                <a:gridCol w="1408514">
                   <a:extLst>
                     <a:ext uri="{9D8B030D-6E8A-4147-A177-3AD203B41FA5}">
                       <a16:colId xmlns:a16="http://schemas.microsoft.com/office/drawing/2014/main" val="1322666847"/>
                     </a:ext>
                   </a:extLst>
                 </a:gridCol>
-                <a:gridCol w="8393374">
+                <a:gridCol w="8674952">
                   <a:extLst>
                     <a:ext uri="{9D8B030D-6E8A-4147-A177-3AD203B41FA5}">
                       <a16:colId xmlns:a16="http://schemas.microsoft.com/office/drawing/2014/main" val="4179790636"/>
@@ -3818,7 +3818,7 @@
                       </a:r>
                       <a:r>
                         <a:rPr kumimoji="1" lang="ja-JP" altLang="en-US" dirty="0"/>
-                        <a:t>するコマンド</a:t>
+                        <a:t>するコマンド。</a:t>
                       </a:r>
                     </a:p>
                   </a:txBody>
@@ -4386,7 +4386,7 @@
         </p:blipFill>
         <p:spPr bwMode="auto">
           <a:xfrm>
-            <a:off x="6816830" y="1252028"/>
+            <a:off x="7178334" y="1328383"/>
             <a:ext cx="1450287" cy="1450287"/>
           </a:xfrm>
           <a:prstGeom prst="rect">
@@ -4433,7 +4433,7 @@
         </p:blipFill>
         <p:spPr bwMode="auto">
           <a:xfrm>
-            <a:off x="2931648" y="3534772"/>
+            <a:off x="2206504" y="4000193"/>
             <a:ext cx="1450287" cy="1450287"/>
           </a:xfrm>
           <a:prstGeom prst="rect">
@@ -4554,113 +4554,6 @@
           </a:p>
         </p:txBody>
       </p:sp>
-      <p:pic>
-        <p:nvPicPr>
-          <p:cNvPr id="10" name="図 9">
-            <a:extLst>
-              <a:ext uri="{FF2B5EF4-FFF2-40B4-BE49-F238E27FC236}">
-                <a16:creationId xmlns:a16="http://schemas.microsoft.com/office/drawing/2014/main" id="{2DB771FD-B0AA-5645-EC4F-FB1BF9B9A759}"/>
-              </a:ext>
-            </a:extLst>
-          </p:cNvPr>
-          <p:cNvPicPr>
-            <a:picLocks noChangeAspect="1"/>
-          </p:cNvPicPr>
-          <p:nvPr/>
-        </p:nvPicPr>
-        <p:blipFill>
-          <a:blip r:embed="rId4"/>
-          <a:stretch>
-            <a:fillRect/>
-          </a:stretch>
-        </p:blipFill>
-        <p:spPr>
-          <a:xfrm>
-            <a:off x="8434657" y="1977172"/>
-            <a:ext cx="499386" cy="651373"/>
-          </a:xfrm>
-          <a:prstGeom prst="rect">
-            <a:avLst/>
-          </a:prstGeom>
-        </p:spPr>
-      </p:pic>
-      <p:pic>
-        <p:nvPicPr>
-          <p:cNvPr id="12" name="図 11">
-            <a:extLst>
-              <a:ext uri="{FF2B5EF4-FFF2-40B4-BE49-F238E27FC236}">
-                <a16:creationId xmlns:a16="http://schemas.microsoft.com/office/drawing/2014/main" id="{50BEC481-E745-BD73-2A10-40A13507FC4F}"/>
-              </a:ext>
-            </a:extLst>
-          </p:cNvPr>
-          <p:cNvPicPr>
-            <a:picLocks noChangeAspect="1"/>
-          </p:cNvPicPr>
-          <p:nvPr/>
-        </p:nvPicPr>
-        <p:blipFill>
-          <a:blip r:embed="rId5"/>
-          <a:stretch>
-            <a:fillRect/>
-          </a:stretch>
-        </p:blipFill>
-        <p:spPr>
-          <a:xfrm>
-            <a:off x="8434657" y="2655815"/>
-            <a:ext cx="499386" cy="659903"/>
-          </a:xfrm>
-          <a:prstGeom prst="rect">
-            <a:avLst/>
-          </a:prstGeom>
-        </p:spPr>
-      </p:pic>
-      <p:pic>
-        <p:nvPicPr>
-          <p:cNvPr id="1034" name="Picture 10" descr="Javascript アイコン 主要なプログラミング言語ベクトルアイコンイラスト - JavaScriptのベクターアート素材や画像を多数ご用意 -  iStock">
-            <a:extLst>
-              <a:ext uri="{FF2B5EF4-FFF2-40B4-BE49-F238E27FC236}">
-                <a16:creationId xmlns:a16="http://schemas.microsoft.com/office/drawing/2014/main" id="{4CE1C7BF-E0EE-873C-9DFF-1B07AD8C44FC}"/>
-              </a:ext>
-            </a:extLst>
-          </p:cNvPr>
-          <p:cNvPicPr>
-            <a:picLocks noChangeAspect="1" noChangeArrowheads="1"/>
-          </p:cNvPicPr>
-          <p:nvPr/>
-        </p:nvPicPr>
-        <p:blipFill>
-          <a:blip r:embed="rId6">
-            <a:extLst>
-              <a:ext uri="{28A0092B-C50C-407E-A947-70E740481C1C}">
-                <a14:useLocalDpi xmlns:a14="http://schemas.microsoft.com/office/drawing/2010/main" val="0"/>
-              </a:ext>
-            </a:extLst>
-          </a:blip>
-          <a:srcRect/>
-          <a:stretch>
-            <a:fillRect/>
-          </a:stretch>
-        </p:blipFill>
-        <p:spPr bwMode="auto">
-          <a:xfrm>
-            <a:off x="8434657" y="3342988"/>
-            <a:ext cx="499386" cy="602096"/>
-          </a:xfrm>
-          <a:prstGeom prst="rect">
-            <a:avLst/>
-          </a:prstGeom>
-          <a:noFill/>
-          <a:extLst>
-            <a:ext uri="{909E8E84-426E-40DD-AFC4-6F175D3DCCD1}">
-              <a14:hiddenFill xmlns:a14="http://schemas.microsoft.com/office/drawing/2010/main">
-                <a:solidFill>
-                  <a:srgbClr val="FFFFFF"/>
-                </a:solidFill>
-              </a14:hiddenFill>
-            </a:ext>
-          </a:extLst>
-        </p:spPr>
-      </p:pic>
       <p:sp>
         <p:nvSpPr>
           <p:cNvPr id="15" name="四角形: 角を丸くする 14">
@@ -4786,7 +4679,7 @@
         <p:spPr>
           <a:xfrm>
             <a:off x="1403099" y="3534772"/>
-            <a:ext cx="3057099" cy="3266364"/>
+            <a:ext cx="3527465" cy="3266364"/>
           </a:xfrm>
           <a:prstGeom prst="rect">
             <a:avLst/>
@@ -4816,6 +4709,715 @@
           </a:effectRef>
           <a:fontRef idx="minor">
             <a:schemeClr val="lt1"/>
+          </a:fontRef>
+        </p:style>
+        <p:txBody>
+          <a:bodyPr rtlCol="0" anchor="ctr"/>
+          <a:lstStyle/>
+          <a:p>
+            <a:pPr algn="ctr"/>
+            <a:endParaRPr kumimoji="1" lang="ja-JP" altLang="en-US"/>
+          </a:p>
+        </p:txBody>
+      </p:sp>
+      <p:grpSp>
+        <p:nvGrpSpPr>
+          <p:cNvPr id="42" name="グループ化 41">
+            <a:extLst>
+              <a:ext uri="{FF2B5EF4-FFF2-40B4-BE49-F238E27FC236}">
+                <a16:creationId xmlns:a16="http://schemas.microsoft.com/office/drawing/2014/main" id="{4BDFD784-9920-1ED8-E9A7-1DAE8D5C4672}"/>
+              </a:ext>
+            </a:extLst>
+          </p:cNvPr>
+          <p:cNvGrpSpPr/>
+          <p:nvPr/>
+        </p:nvGrpSpPr>
+        <p:grpSpPr>
+          <a:xfrm>
+            <a:off x="8399874" y="2021785"/>
+            <a:ext cx="860891" cy="1967912"/>
+            <a:chOff x="8073152" y="1977172"/>
+            <a:chExt cx="860891" cy="1967912"/>
+          </a:xfrm>
+        </p:grpSpPr>
+        <p:pic>
+          <p:nvPicPr>
+            <p:cNvPr id="10" name="図 9">
+              <a:extLst>
+                <a:ext uri="{FF2B5EF4-FFF2-40B4-BE49-F238E27FC236}">
+                  <a16:creationId xmlns:a16="http://schemas.microsoft.com/office/drawing/2014/main" id="{2DB771FD-B0AA-5645-EC4F-FB1BF9B9A759}"/>
+                </a:ext>
+              </a:extLst>
+            </p:cNvPr>
+            <p:cNvPicPr>
+              <a:picLocks noChangeAspect="1"/>
+            </p:cNvPicPr>
+            <p:nvPr/>
+          </p:nvPicPr>
+          <p:blipFill>
+            <a:blip r:embed="rId4"/>
+            <a:stretch>
+              <a:fillRect/>
+            </a:stretch>
+          </p:blipFill>
+          <p:spPr>
+            <a:xfrm>
+              <a:off x="8434657" y="1977172"/>
+              <a:ext cx="499386" cy="651373"/>
+            </a:xfrm>
+            <a:prstGeom prst="rect">
+              <a:avLst/>
+            </a:prstGeom>
+          </p:spPr>
+        </p:pic>
+        <p:pic>
+          <p:nvPicPr>
+            <p:cNvPr id="12" name="図 11">
+              <a:extLst>
+                <a:ext uri="{FF2B5EF4-FFF2-40B4-BE49-F238E27FC236}">
+                  <a16:creationId xmlns:a16="http://schemas.microsoft.com/office/drawing/2014/main" id="{50BEC481-E745-BD73-2A10-40A13507FC4F}"/>
+                </a:ext>
+              </a:extLst>
+            </p:cNvPr>
+            <p:cNvPicPr>
+              <a:picLocks noChangeAspect="1"/>
+            </p:cNvPicPr>
+            <p:nvPr/>
+          </p:nvPicPr>
+          <p:blipFill>
+            <a:blip r:embed="rId5"/>
+            <a:stretch>
+              <a:fillRect/>
+            </a:stretch>
+          </p:blipFill>
+          <p:spPr>
+            <a:xfrm>
+              <a:off x="8434657" y="2655815"/>
+              <a:ext cx="499386" cy="659903"/>
+            </a:xfrm>
+            <a:prstGeom prst="rect">
+              <a:avLst/>
+            </a:prstGeom>
+          </p:spPr>
+        </p:pic>
+        <p:pic>
+          <p:nvPicPr>
+            <p:cNvPr id="1034" name="Picture 10" descr="Javascript アイコン 主要なプログラミング言語ベクトルアイコンイラスト - JavaScriptのベクターアート素材や画像を多数ご用意 -  iStock">
+              <a:extLst>
+                <a:ext uri="{FF2B5EF4-FFF2-40B4-BE49-F238E27FC236}">
+                  <a16:creationId xmlns:a16="http://schemas.microsoft.com/office/drawing/2014/main" id="{4CE1C7BF-E0EE-873C-9DFF-1B07AD8C44FC}"/>
+                </a:ext>
+              </a:extLst>
+            </p:cNvPr>
+            <p:cNvPicPr>
+              <a:picLocks noChangeAspect="1" noChangeArrowheads="1"/>
+            </p:cNvPicPr>
+            <p:nvPr/>
+          </p:nvPicPr>
+          <p:blipFill>
+            <a:blip r:embed="rId6">
+              <a:extLst>
+                <a:ext uri="{28A0092B-C50C-407E-A947-70E740481C1C}">
+                  <a14:useLocalDpi xmlns:a14="http://schemas.microsoft.com/office/drawing/2010/main" val="0"/>
+                </a:ext>
+              </a:extLst>
+            </a:blip>
+            <a:srcRect/>
+            <a:stretch>
+              <a:fillRect/>
+            </a:stretch>
+          </p:blipFill>
+          <p:spPr bwMode="auto">
+            <a:xfrm>
+              <a:off x="8434657" y="3342988"/>
+              <a:ext cx="499386" cy="602096"/>
+            </a:xfrm>
+            <a:prstGeom prst="rect">
+              <a:avLst/>
+            </a:prstGeom>
+            <a:noFill/>
+            <a:extLst>
+              <a:ext uri="{909E8E84-426E-40DD-AFC4-6F175D3DCCD1}">
+                <a14:hiddenFill xmlns:a14="http://schemas.microsoft.com/office/drawing/2010/main">
+                  <a:solidFill>
+                    <a:srgbClr val="FFFFFF"/>
+                  </a:solidFill>
+                </a14:hiddenFill>
+              </a:ext>
+            </a:extLst>
+          </p:spPr>
+        </p:pic>
+        <p:cxnSp>
+          <p:nvCxnSpPr>
+            <p:cNvPr id="19" name="コネクタ: カギ線 18">
+              <a:extLst>
+                <a:ext uri="{FF2B5EF4-FFF2-40B4-BE49-F238E27FC236}">
+                  <a16:creationId xmlns:a16="http://schemas.microsoft.com/office/drawing/2014/main" id="{459C8952-346E-06AA-9F5A-AB0543041EA3}"/>
+                </a:ext>
+              </a:extLst>
+            </p:cNvPr>
+            <p:cNvCxnSpPr>
+              <a:cxnSpLocks/>
+              <a:endCxn id="10" idx="1"/>
+            </p:cNvCxnSpPr>
+            <p:nvPr/>
+          </p:nvCxnSpPr>
+          <p:spPr>
+            <a:xfrm>
+              <a:off x="8073152" y="2053661"/>
+              <a:ext cx="361505" cy="249198"/>
+            </a:xfrm>
+            <a:prstGeom prst="bentConnector3">
+              <a:avLst>
+                <a:gd name="adj1" fmla="val 50000"/>
+              </a:avLst>
+            </a:prstGeom>
+            <a:ln w="12700">
+              <a:solidFill>
+                <a:srgbClr val="3333FF"/>
+              </a:solidFill>
+              <a:prstDash val="sysDash"/>
+            </a:ln>
+          </p:spPr>
+          <p:style>
+            <a:lnRef idx="1">
+              <a:schemeClr val="accent1"/>
+            </a:lnRef>
+            <a:fillRef idx="0">
+              <a:schemeClr val="accent1"/>
+            </a:fillRef>
+            <a:effectRef idx="0">
+              <a:schemeClr val="accent1"/>
+            </a:effectRef>
+            <a:fontRef idx="minor">
+              <a:schemeClr val="tx1"/>
+            </a:fontRef>
+          </p:style>
+        </p:cxnSp>
+        <p:cxnSp>
+          <p:nvCxnSpPr>
+            <p:cNvPr id="26" name="コネクタ: カギ線 25">
+              <a:extLst>
+                <a:ext uri="{FF2B5EF4-FFF2-40B4-BE49-F238E27FC236}">
+                  <a16:creationId xmlns:a16="http://schemas.microsoft.com/office/drawing/2014/main" id="{A7C78EB8-FFE1-BEC8-BEED-84AA6DD2A890}"/>
+                </a:ext>
+              </a:extLst>
+            </p:cNvPr>
+            <p:cNvCxnSpPr>
+              <a:cxnSpLocks/>
+              <a:endCxn id="12" idx="1"/>
+            </p:cNvCxnSpPr>
+            <p:nvPr/>
+          </p:nvCxnSpPr>
+          <p:spPr>
+            <a:xfrm rot="16200000" flipH="1">
+              <a:off x="7937492" y="2488602"/>
+              <a:ext cx="813576" cy="180753"/>
+            </a:xfrm>
+            <a:prstGeom prst="bentConnector2">
+              <a:avLst/>
+            </a:prstGeom>
+            <a:ln w="12700">
+              <a:solidFill>
+                <a:srgbClr val="3333FF"/>
+              </a:solidFill>
+              <a:prstDash val="sysDash"/>
+            </a:ln>
+          </p:spPr>
+          <p:style>
+            <a:lnRef idx="1">
+              <a:schemeClr val="accent1"/>
+            </a:lnRef>
+            <a:fillRef idx="0">
+              <a:schemeClr val="accent1"/>
+            </a:fillRef>
+            <a:effectRef idx="0">
+              <a:schemeClr val="accent1"/>
+            </a:effectRef>
+            <a:fontRef idx="minor">
+              <a:schemeClr val="tx1"/>
+            </a:fontRef>
+          </p:style>
+        </p:cxnSp>
+        <p:cxnSp>
+          <p:nvCxnSpPr>
+            <p:cNvPr id="37" name="コネクタ: カギ線 36">
+              <a:extLst>
+                <a:ext uri="{FF2B5EF4-FFF2-40B4-BE49-F238E27FC236}">
+                  <a16:creationId xmlns:a16="http://schemas.microsoft.com/office/drawing/2014/main" id="{CFD4B3FC-0FAC-C244-5020-1DD7C8D8E7CD}"/>
+                </a:ext>
+              </a:extLst>
+            </p:cNvPr>
+            <p:cNvCxnSpPr>
+              <a:cxnSpLocks/>
+              <a:endCxn id="1034" idx="1"/>
+            </p:cNvCxnSpPr>
+            <p:nvPr/>
+          </p:nvCxnSpPr>
+          <p:spPr>
+            <a:xfrm rot="16200000" flipH="1">
+              <a:off x="8004185" y="3213564"/>
+              <a:ext cx="680192" cy="180752"/>
+            </a:xfrm>
+            <a:prstGeom prst="bentConnector2">
+              <a:avLst/>
+            </a:prstGeom>
+            <a:ln w="12700">
+              <a:solidFill>
+                <a:srgbClr val="3333FF"/>
+              </a:solidFill>
+              <a:prstDash val="sysDash"/>
+            </a:ln>
+          </p:spPr>
+          <p:style>
+            <a:lnRef idx="1">
+              <a:schemeClr val="accent1"/>
+            </a:lnRef>
+            <a:fillRef idx="0">
+              <a:schemeClr val="accent1"/>
+            </a:fillRef>
+            <a:effectRef idx="0">
+              <a:schemeClr val="accent1"/>
+            </a:effectRef>
+            <a:fontRef idx="minor">
+              <a:schemeClr val="tx1"/>
+            </a:fontRef>
+          </p:style>
+        </p:cxnSp>
+      </p:grpSp>
+      <p:grpSp>
+        <p:nvGrpSpPr>
+          <p:cNvPr id="43" name="グループ化 42">
+            <a:extLst>
+              <a:ext uri="{FF2B5EF4-FFF2-40B4-BE49-F238E27FC236}">
+                <a16:creationId xmlns:a16="http://schemas.microsoft.com/office/drawing/2014/main" id="{3D44CEE4-F2DD-36D0-FBFE-8E34679E0EB2}"/>
+              </a:ext>
+            </a:extLst>
+          </p:cNvPr>
+          <p:cNvGrpSpPr/>
+          <p:nvPr/>
+        </p:nvGrpSpPr>
+        <p:grpSpPr>
+          <a:xfrm>
+            <a:off x="3423816" y="4796832"/>
+            <a:ext cx="860891" cy="1967912"/>
+            <a:chOff x="8073152" y="1977172"/>
+            <a:chExt cx="860891" cy="1967912"/>
+          </a:xfrm>
+        </p:grpSpPr>
+        <p:pic>
+          <p:nvPicPr>
+            <p:cNvPr id="44" name="図 43">
+              <a:extLst>
+                <a:ext uri="{FF2B5EF4-FFF2-40B4-BE49-F238E27FC236}">
+                  <a16:creationId xmlns:a16="http://schemas.microsoft.com/office/drawing/2014/main" id="{5176BB02-AE16-5BE2-E341-CC8A78FE4CB8}"/>
+                </a:ext>
+              </a:extLst>
+            </p:cNvPr>
+            <p:cNvPicPr>
+              <a:picLocks noChangeAspect="1"/>
+            </p:cNvPicPr>
+            <p:nvPr/>
+          </p:nvPicPr>
+          <p:blipFill>
+            <a:blip r:embed="rId4"/>
+            <a:stretch>
+              <a:fillRect/>
+            </a:stretch>
+          </p:blipFill>
+          <p:spPr>
+            <a:xfrm>
+              <a:off x="8434657" y="1977172"/>
+              <a:ext cx="499386" cy="651373"/>
+            </a:xfrm>
+            <a:prstGeom prst="rect">
+              <a:avLst/>
+            </a:prstGeom>
+          </p:spPr>
+        </p:pic>
+        <p:pic>
+          <p:nvPicPr>
+            <p:cNvPr id="45" name="図 44">
+              <a:extLst>
+                <a:ext uri="{FF2B5EF4-FFF2-40B4-BE49-F238E27FC236}">
+                  <a16:creationId xmlns:a16="http://schemas.microsoft.com/office/drawing/2014/main" id="{A17EE54F-860E-8E35-B341-DB214D21BBDF}"/>
+                </a:ext>
+              </a:extLst>
+            </p:cNvPr>
+            <p:cNvPicPr>
+              <a:picLocks noChangeAspect="1"/>
+            </p:cNvPicPr>
+            <p:nvPr/>
+          </p:nvPicPr>
+          <p:blipFill>
+            <a:blip r:embed="rId5"/>
+            <a:stretch>
+              <a:fillRect/>
+            </a:stretch>
+          </p:blipFill>
+          <p:spPr>
+            <a:xfrm>
+              <a:off x="8434657" y="2655815"/>
+              <a:ext cx="499386" cy="659903"/>
+            </a:xfrm>
+            <a:prstGeom prst="rect">
+              <a:avLst/>
+            </a:prstGeom>
+          </p:spPr>
+        </p:pic>
+        <p:pic>
+          <p:nvPicPr>
+            <p:cNvPr id="46" name="Picture 10" descr="Javascript アイコン 主要なプログラミング言語ベクトルアイコンイラスト - JavaScriptのベクターアート素材や画像を多数ご用意 -  iStock">
+              <a:extLst>
+                <a:ext uri="{FF2B5EF4-FFF2-40B4-BE49-F238E27FC236}">
+                  <a16:creationId xmlns:a16="http://schemas.microsoft.com/office/drawing/2014/main" id="{6314A05D-BABC-4696-DA62-50A627368AD4}"/>
+                </a:ext>
+              </a:extLst>
+            </p:cNvPr>
+            <p:cNvPicPr>
+              <a:picLocks noChangeAspect="1" noChangeArrowheads="1"/>
+            </p:cNvPicPr>
+            <p:nvPr/>
+          </p:nvPicPr>
+          <p:blipFill>
+            <a:blip r:embed="rId6">
+              <a:extLst>
+                <a:ext uri="{28A0092B-C50C-407E-A947-70E740481C1C}">
+                  <a14:useLocalDpi xmlns:a14="http://schemas.microsoft.com/office/drawing/2010/main" val="0"/>
+                </a:ext>
+              </a:extLst>
+            </a:blip>
+            <a:srcRect/>
+            <a:stretch>
+              <a:fillRect/>
+            </a:stretch>
+          </p:blipFill>
+          <p:spPr bwMode="auto">
+            <a:xfrm>
+              <a:off x="8434657" y="3342988"/>
+              <a:ext cx="499386" cy="602096"/>
+            </a:xfrm>
+            <a:prstGeom prst="rect">
+              <a:avLst/>
+            </a:prstGeom>
+            <a:noFill/>
+            <a:extLst>
+              <a:ext uri="{909E8E84-426E-40DD-AFC4-6F175D3DCCD1}">
+                <a14:hiddenFill xmlns:a14="http://schemas.microsoft.com/office/drawing/2010/main">
+                  <a:solidFill>
+                    <a:srgbClr val="FFFFFF"/>
+                  </a:solidFill>
+                </a14:hiddenFill>
+              </a:ext>
+            </a:extLst>
+          </p:spPr>
+        </p:pic>
+        <p:cxnSp>
+          <p:nvCxnSpPr>
+            <p:cNvPr id="47" name="コネクタ: カギ線 46">
+              <a:extLst>
+                <a:ext uri="{FF2B5EF4-FFF2-40B4-BE49-F238E27FC236}">
+                  <a16:creationId xmlns:a16="http://schemas.microsoft.com/office/drawing/2014/main" id="{7FFF5ED6-902A-B4A6-8447-37B2EC1EFA77}"/>
+                </a:ext>
+              </a:extLst>
+            </p:cNvPr>
+            <p:cNvCxnSpPr>
+              <a:cxnSpLocks/>
+              <a:endCxn id="44" idx="1"/>
+            </p:cNvCxnSpPr>
+            <p:nvPr/>
+          </p:nvCxnSpPr>
+          <p:spPr>
+            <a:xfrm>
+              <a:off x="8073152" y="2053661"/>
+              <a:ext cx="361505" cy="249198"/>
+            </a:xfrm>
+            <a:prstGeom prst="bentConnector3">
+              <a:avLst>
+                <a:gd name="adj1" fmla="val 50000"/>
+              </a:avLst>
+            </a:prstGeom>
+            <a:ln w="12700">
+              <a:solidFill>
+                <a:srgbClr val="3333FF"/>
+              </a:solidFill>
+              <a:prstDash val="sysDash"/>
+            </a:ln>
+          </p:spPr>
+          <p:style>
+            <a:lnRef idx="1">
+              <a:schemeClr val="accent1"/>
+            </a:lnRef>
+            <a:fillRef idx="0">
+              <a:schemeClr val="accent1"/>
+            </a:fillRef>
+            <a:effectRef idx="0">
+              <a:schemeClr val="accent1"/>
+            </a:effectRef>
+            <a:fontRef idx="minor">
+              <a:schemeClr val="tx1"/>
+            </a:fontRef>
+          </p:style>
+        </p:cxnSp>
+        <p:cxnSp>
+          <p:nvCxnSpPr>
+            <p:cNvPr id="48" name="コネクタ: カギ線 47">
+              <a:extLst>
+                <a:ext uri="{FF2B5EF4-FFF2-40B4-BE49-F238E27FC236}">
+                  <a16:creationId xmlns:a16="http://schemas.microsoft.com/office/drawing/2014/main" id="{B94B616C-7CC3-6A8D-E13D-3918AE46389A}"/>
+                </a:ext>
+              </a:extLst>
+            </p:cNvPr>
+            <p:cNvCxnSpPr>
+              <a:cxnSpLocks/>
+              <a:endCxn id="45" idx="1"/>
+            </p:cNvCxnSpPr>
+            <p:nvPr/>
+          </p:nvCxnSpPr>
+          <p:spPr>
+            <a:xfrm rot="16200000" flipH="1">
+              <a:off x="7937492" y="2488602"/>
+              <a:ext cx="813576" cy="180753"/>
+            </a:xfrm>
+            <a:prstGeom prst="bentConnector2">
+              <a:avLst/>
+            </a:prstGeom>
+            <a:ln w="12700">
+              <a:solidFill>
+                <a:srgbClr val="3333FF"/>
+              </a:solidFill>
+              <a:prstDash val="sysDash"/>
+            </a:ln>
+          </p:spPr>
+          <p:style>
+            <a:lnRef idx="1">
+              <a:schemeClr val="accent1"/>
+            </a:lnRef>
+            <a:fillRef idx="0">
+              <a:schemeClr val="accent1"/>
+            </a:fillRef>
+            <a:effectRef idx="0">
+              <a:schemeClr val="accent1"/>
+            </a:effectRef>
+            <a:fontRef idx="minor">
+              <a:schemeClr val="tx1"/>
+            </a:fontRef>
+          </p:style>
+        </p:cxnSp>
+        <p:cxnSp>
+          <p:nvCxnSpPr>
+            <p:cNvPr id="49" name="コネクタ: カギ線 48">
+              <a:extLst>
+                <a:ext uri="{FF2B5EF4-FFF2-40B4-BE49-F238E27FC236}">
+                  <a16:creationId xmlns:a16="http://schemas.microsoft.com/office/drawing/2014/main" id="{BBAA5622-F764-F54C-24F3-F3DC4C18E332}"/>
+                </a:ext>
+              </a:extLst>
+            </p:cNvPr>
+            <p:cNvCxnSpPr>
+              <a:cxnSpLocks/>
+              <a:endCxn id="46" idx="1"/>
+            </p:cNvCxnSpPr>
+            <p:nvPr/>
+          </p:nvCxnSpPr>
+          <p:spPr>
+            <a:xfrm rot="16200000" flipH="1">
+              <a:off x="8004185" y="3213564"/>
+              <a:ext cx="680192" cy="180752"/>
+            </a:xfrm>
+            <a:prstGeom prst="bentConnector2">
+              <a:avLst/>
+            </a:prstGeom>
+            <a:ln w="12700">
+              <a:solidFill>
+                <a:srgbClr val="3333FF"/>
+              </a:solidFill>
+              <a:prstDash val="sysDash"/>
+            </a:ln>
+          </p:spPr>
+          <p:style>
+            <a:lnRef idx="1">
+              <a:schemeClr val="accent1"/>
+            </a:lnRef>
+            <a:fillRef idx="0">
+              <a:schemeClr val="accent1"/>
+            </a:fillRef>
+            <a:effectRef idx="0">
+              <a:schemeClr val="accent1"/>
+            </a:effectRef>
+            <a:fontRef idx="minor">
+              <a:schemeClr val="tx1"/>
+            </a:fontRef>
+          </p:style>
+        </p:cxnSp>
+      </p:grpSp>
+      <p:sp>
+        <p:nvSpPr>
+          <p:cNvPr id="50" name="矢印: 折線 49">
+            <a:extLst>
+              <a:ext uri="{FF2B5EF4-FFF2-40B4-BE49-F238E27FC236}">
+                <a16:creationId xmlns:a16="http://schemas.microsoft.com/office/drawing/2014/main" id="{8AB14E4C-80E1-1628-EB16-9A1145A1903C}"/>
+              </a:ext>
+            </a:extLst>
+          </p:cNvPr>
+          <p:cNvSpPr/>
+          <p:nvPr/>
+        </p:nvSpPr>
+        <p:spPr>
+          <a:xfrm rot="10800000">
+            <a:off x="4629096" y="4051794"/>
+            <a:ext cx="4471456" cy="2041143"/>
+          </a:xfrm>
+          <a:prstGeom prst="bentArrow">
+            <a:avLst>
+              <a:gd name="adj1" fmla="val 10129"/>
+              <a:gd name="adj2" fmla="val 11853"/>
+              <a:gd name="adj3" fmla="val 27178"/>
+              <a:gd name="adj4" fmla="val 2874"/>
+            </a:avLst>
+          </a:prstGeom>
+          <a:solidFill>
+            <a:srgbClr val="3366FF"/>
+          </a:solidFill>
+          <a:ln w="19050">
+            <a:solidFill>
+              <a:schemeClr val="tx1">
+                <a:lumMod val="65000"/>
+                <a:lumOff val="35000"/>
+              </a:schemeClr>
+            </a:solidFill>
+          </a:ln>
+        </p:spPr>
+        <p:style>
+          <a:lnRef idx="2">
+            <a:schemeClr val="accent1">
+              <a:shade val="50000"/>
+            </a:schemeClr>
+          </a:lnRef>
+          <a:fillRef idx="1">
+            <a:schemeClr val="accent1"/>
+          </a:fillRef>
+          <a:effectRef idx="0">
+            <a:schemeClr val="accent1"/>
+          </a:effectRef>
+          <a:fontRef idx="minor">
+            <a:schemeClr val="lt1"/>
+          </a:fontRef>
+        </p:style>
+        <p:txBody>
+          <a:bodyPr rtlCol="0" anchor="ctr"/>
+          <a:lstStyle/>
+          <a:p>
+            <a:pPr algn="ctr"/>
+            <a:endParaRPr kumimoji="1" lang="ja-JP" altLang="en-US">
+              <a:solidFill>
+                <a:schemeClr val="tx1"/>
+              </a:solidFill>
+            </a:endParaRPr>
+          </a:p>
+        </p:txBody>
+      </p:sp>
+      <p:sp>
+        <p:nvSpPr>
+          <p:cNvPr id="51" name="四角形: 角を丸くする 50">
+            <a:extLst>
+              <a:ext uri="{FF2B5EF4-FFF2-40B4-BE49-F238E27FC236}">
+                <a16:creationId xmlns:a16="http://schemas.microsoft.com/office/drawing/2014/main" id="{276E8CBB-8964-F4FF-78CD-4FB886E8446C}"/>
+              </a:ext>
+            </a:extLst>
+          </p:cNvPr>
+          <p:cNvSpPr/>
+          <p:nvPr/>
+        </p:nvSpPr>
+        <p:spPr>
+          <a:xfrm>
+            <a:off x="6425741" y="5277380"/>
+            <a:ext cx="1169158" cy="396189"/>
+          </a:xfrm>
+          <a:prstGeom prst="roundRect">
+            <a:avLst>
+              <a:gd name="adj" fmla="val 10356"/>
+            </a:avLst>
+          </a:prstGeom>
+          <a:solidFill>
+            <a:schemeClr val="tx1">
+              <a:lumMod val="75000"/>
+              <a:lumOff val="25000"/>
+            </a:schemeClr>
+          </a:solidFill>
+        </p:spPr>
+        <p:style>
+          <a:lnRef idx="2">
+            <a:schemeClr val="accent1">
+              <a:shade val="50000"/>
+            </a:schemeClr>
+          </a:lnRef>
+          <a:fillRef idx="1">
+            <a:schemeClr val="accent1"/>
+          </a:fillRef>
+          <a:effectRef idx="0">
+            <a:schemeClr val="accent1"/>
+          </a:effectRef>
+          <a:fontRef idx="minor">
+            <a:schemeClr val="lt1"/>
+          </a:fontRef>
+        </p:style>
+        <p:txBody>
+          <a:bodyPr rtlCol="0" anchor="ctr"/>
+          <a:lstStyle/>
+          <a:p>
+            <a:pPr algn="ctr"/>
+            <a:r>
+              <a:rPr kumimoji="1" lang="en-US" altLang="ja-JP" b="1" dirty="0"/>
+              <a:t>clone</a:t>
+            </a:r>
+            <a:endParaRPr kumimoji="1" lang="ja-JP" altLang="en-US" b="1" dirty="0"/>
+          </a:p>
+        </p:txBody>
+      </p:sp>
+      <p:sp>
+        <p:nvSpPr>
+          <p:cNvPr id="53" name="右中かっこ 52">
+            <a:extLst>
+              <a:ext uri="{FF2B5EF4-FFF2-40B4-BE49-F238E27FC236}">
+                <a16:creationId xmlns:a16="http://schemas.microsoft.com/office/drawing/2014/main" id="{32B5C46C-6A05-DA12-8851-258D958EA5D5}"/>
+              </a:ext>
+            </a:extLst>
+          </p:cNvPr>
+          <p:cNvSpPr/>
+          <p:nvPr/>
+        </p:nvSpPr>
+        <p:spPr>
+          <a:xfrm>
+            <a:off x="4271520" y="4725336"/>
+            <a:ext cx="259308" cy="2041142"/>
+          </a:xfrm>
+          <a:prstGeom prst="rightBrace">
+            <a:avLst>
+              <a:gd name="adj1" fmla="val 87280"/>
+              <a:gd name="adj2" fmla="val 55349"/>
+            </a:avLst>
+          </a:prstGeom>
+          <a:ln w="12700">
+            <a:solidFill>
+              <a:schemeClr val="tx1">
+                <a:lumMod val="75000"/>
+                <a:lumOff val="25000"/>
+              </a:schemeClr>
+            </a:solidFill>
+          </a:ln>
+        </p:spPr>
+        <p:style>
+          <a:lnRef idx="1">
+            <a:schemeClr val="accent1"/>
+          </a:lnRef>
+          <a:fillRef idx="0">
+            <a:schemeClr val="accent1"/>
+          </a:fillRef>
+          <a:effectRef idx="0">
+            <a:schemeClr val="accent1"/>
+          </a:effectRef>
+          <a:fontRef idx="minor">
+            <a:schemeClr val="tx1"/>
           </a:fontRef>
         </p:style>
         <p:txBody>

--- a/Git基本操作一覧.pptx
+++ b/Git基本操作一覧.pptx
@@ -7,6 +7,7 @@
   <p:sldIdLst>
     <p:sldId id="258" r:id="rId2"/>
     <p:sldId id="257" r:id="rId3"/>
+    <p:sldId id="259" r:id="rId4"/>
   </p:sldIdLst>
   <p:sldSz cx="12192000" cy="6858000"/>
   <p:notesSz cx="6858000" cy="9144000"/>
@@ -105,6 +106,11 @@
       </a:defRPr>
     </a:lvl9pPr>
   </p:defaultTextStyle>
+  <p:extLst>
+    <p:ext uri="{EFAFB233-063F-42B5-8137-9DF3F51BA10A}">
+      <p15:sldGuideLst xmlns:p15="http://schemas.microsoft.com/office/powerpoint/2012/main"/>
+    </p:ext>
+  </p:extLst>
 </p:presentation>
 </file>
 
@@ -255,7 +261,7 @@
           <a:p>
             <a:fld id="{73F562B0-7FEB-4C09-9C36-E014658D6CCC}" type="datetimeFigureOut">
               <a:rPr kumimoji="1" lang="ja-JP" altLang="en-US" smtClean="0"/>
-              <a:t>2023/4/24</a:t>
+              <a:t>2023/5/11</a:t>
             </a:fld>
             <a:endParaRPr kumimoji="1" lang="ja-JP" altLang="en-US"/>
           </a:p>
@@ -485,7 +491,7 @@
           <a:p>
             <a:fld id="{73F562B0-7FEB-4C09-9C36-E014658D6CCC}" type="datetimeFigureOut">
               <a:rPr kumimoji="1" lang="ja-JP" altLang="en-US" smtClean="0"/>
-              <a:t>2023/4/24</a:t>
+              <a:t>2023/5/11</a:t>
             </a:fld>
             <a:endParaRPr kumimoji="1" lang="ja-JP" altLang="en-US"/>
           </a:p>
@@ -725,7 +731,7 @@
           <a:p>
             <a:fld id="{73F562B0-7FEB-4C09-9C36-E014658D6CCC}" type="datetimeFigureOut">
               <a:rPr kumimoji="1" lang="ja-JP" altLang="en-US" smtClean="0"/>
-              <a:t>2023/4/24</a:t>
+              <a:t>2023/5/11</a:t>
             </a:fld>
             <a:endParaRPr kumimoji="1" lang="ja-JP" altLang="en-US"/>
           </a:p>
@@ -955,7 +961,7 @@
           <a:p>
             <a:fld id="{73F562B0-7FEB-4C09-9C36-E014658D6CCC}" type="datetimeFigureOut">
               <a:rPr kumimoji="1" lang="ja-JP" altLang="en-US" smtClean="0"/>
-              <a:t>2023/4/24</a:t>
+              <a:t>2023/5/11</a:t>
             </a:fld>
             <a:endParaRPr kumimoji="1" lang="ja-JP" altLang="en-US"/>
           </a:p>
@@ -1230,7 +1236,7 @@
           <a:p>
             <a:fld id="{73F562B0-7FEB-4C09-9C36-E014658D6CCC}" type="datetimeFigureOut">
               <a:rPr kumimoji="1" lang="ja-JP" altLang="en-US" smtClean="0"/>
-              <a:t>2023/4/24</a:t>
+              <a:t>2023/5/11</a:t>
             </a:fld>
             <a:endParaRPr kumimoji="1" lang="ja-JP" altLang="en-US"/>
           </a:p>
@@ -1559,7 +1565,7 @@
           <a:p>
             <a:fld id="{73F562B0-7FEB-4C09-9C36-E014658D6CCC}" type="datetimeFigureOut">
               <a:rPr kumimoji="1" lang="ja-JP" altLang="en-US" smtClean="0"/>
-              <a:t>2023/4/24</a:t>
+              <a:t>2023/5/11</a:t>
             </a:fld>
             <a:endParaRPr kumimoji="1" lang="ja-JP" altLang="en-US"/>
           </a:p>
@@ -2035,7 +2041,7 @@
           <a:p>
             <a:fld id="{73F562B0-7FEB-4C09-9C36-E014658D6CCC}" type="datetimeFigureOut">
               <a:rPr kumimoji="1" lang="ja-JP" altLang="en-US" smtClean="0"/>
-              <a:t>2023/4/24</a:t>
+              <a:t>2023/5/11</a:t>
             </a:fld>
             <a:endParaRPr kumimoji="1" lang="ja-JP" altLang="en-US"/>
           </a:p>
@@ -2176,7 +2182,7 @@
           <a:p>
             <a:fld id="{73F562B0-7FEB-4C09-9C36-E014658D6CCC}" type="datetimeFigureOut">
               <a:rPr kumimoji="1" lang="ja-JP" altLang="en-US" smtClean="0"/>
-              <a:t>2023/4/24</a:t>
+              <a:t>2023/5/11</a:t>
             </a:fld>
             <a:endParaRPr kumimoji="1" lang="ja-JP" altLang="en-US"/>
           </a:p>
@@ -2289,7 +2295,7 @@
           <a:p>
             <a:fld id="{73F562B0-7FEB-4C09-9C36-E014658D6CCC}" type="datetimeFigureOut">
               <a:rPr kumimoji="1" lang="ja-JP" altLang="en-US" smtClean="0"/>
-              <a:t>2023/4/24</a:t>
+              <a:t>2023/5/11</a:t>
             </a:fld>
             <a:endParaRPr kumimoji="1" lang="ja-JP" altLang="en-US"/>
           </a:p>
@@ -2632,7 +2638,7 @@
           <a:p>
             <a:fld id="{73F562B0-7FEB-4C09-9C36-E014658D6CCC}" type="datetimeFigureOut">
               <a:rPr kumimoji="1" lang="ja-JP" altLang="en-US" smtClean="0"/>
-              <a:t>2023/4/24</a:t>
+              <a:t>2023/5/11</a:t>
             </a:fld>
             <a:endParaRPr kumimoji="1" lang="ja-JP" altLang="en-US"/>
           </a:p>
@@ -2920,7 +2926,7 @@
           <a:p>
             <a:fld id="{73F562B0-7FEB-4C09-9C36-E014658D6CCC}" type="datetimeFigureOut">
               <a:rPr kumimoji="1" lang="ja-JP" altLang="en-US" smtClean="0"/>
-              <a:t>2023/4/24</a:t>
+              <a:t>2023/5/11</a:t>
             </a:fld>
             <a:endParaRPr kumimoji="1" lang="ja-JP" altLang="en-US"/>
           </a:p>
@@ -3193,7 +3199,7 @@
           <a:p>
             <a:fld id="{73F562B0-7FEB-4C09-9C36-E014658D6CCC}" type="datetimeFigureOut">
               <a:rPr kumimoji="1" lang="ja-JP" altLang="en-US" smtClean="0"/>
-              <a:t>2023/4/24</a:t>
+              <a:t>2023/5/11</a:t>
             </a:fld>
             <a:endParaRPr kumimoji="1" lang="ja-JP" altLang="en-US"/>
           </a:p>
@@ -4386,7 +4392,7 @@
         </p:blipFill>
         <p:spPr bwMode="auto">
           <a:xfrm>
-            <a:off x="7178334" y="1328383"/>
+            <a:off x="7469591" y="1328383"/>
             <a:ext cx="1450287" cy="1450287"/>
           </a:xfrm>
           <a:prstGeom prst="rect">
@@ -4433,7 +4439,7 @@
         </p:blipFill>
         <p:spPr bwMode="auto">
           <a:xfrm>
-            <a:off x="2206504" y="4000193"/>
+            <a:off x="2348743" y="4000193"/>
             <a:ext cx="1450287" cy="1450287"/>
           </a:xfrm>
           <a:prstGeom prst="rect">
@@ -4480,7 +4486,7 @@
         </p:blipFill>
         <p:spPr bwMode="auto">
           <a:xfrm>
-            <a:off x="1519451" y="5020150"/>
+            <a:off x="1661690" y="5020150"/>
             <a:ext cx="1664411" cy="1674879"/>
           </a:xfrm>
           <a:prstGeom prst="rect">
@@ -4512,7 +4518,7 @@
         </p:nvSpPr>
         <p:spPr>
           <a:xfrm>
-            <a:off x="6372816" y="873458"/>
+            <a:off x="6664073" y="873458"/>
             <a:ext cx="3057099" cy="3266364"/>
           </a:xfrm>
           <a:prstGeom prst="rect">
@@ -4568,8 +4574,8 @@
         </p:nvSpPr>
         <p:spPr>
           <a:xfrm>
-            <a:off x="1378424" y="3534772"/>
-            <a:ext cx="1169158" cy="454925"/>
+            <a:off x="1520662" y="3534773"/>
+            <a:ext cx="2045393" cy="359314"/>
           </a:xfrm>
           <a:prstGeom prst="roundRect">
             <a:avLst>
@@ -4602,10 +4608,10 @@
           <a:p>
             <a:pPr algn="ctr"/>
             <a:r>
-              <a:rPr lang="ja-JP" altLang="en-US" dirty="0"/>
-              <a:t>ローカル</a:t>
-            </a:r>
-            <a:endParaRPr kumimoji="1" lang="ja-JP" altLang="en-US" dirty="0"/>
+              <a:rPr lang="ja-JP" altLang="en-US" sz="1600" b="1" dirty="0"/>
+              <a:t>ローカルリポジトリ</a:t>
+            </a:r>
+            <a:endParaRPr kumimoji="1" lang="ja-JP" altLang="en-US" sz="1600" b="1" dirty="0"/>
           </a:p>
         </p:txBody>
       </p:sp>
@@ -4623,8 +4629,8 @@
         </p:nvSpPr>
         <p:spPr>
           <a:xfrm>
-            <a:off x="6372816" y="819583"/>
-            <a:ext cx="1169158" cy="454925"/>
+            <a:off x="6664072" y="881969"/>
+            <a:ext cx="2207810" cy="313420"/>
           </a:xfrm>
           <a:prstGeom prst="roundRect">
             <a:avLst>
@@ -4657,10 +4663,10 @@
           <a:p>
             <a:pPr algn="ctr"/>
             <a:r>
-              <a:rPr lang="ja-JP" altLang="en-US" dirty="0"/>
-              <a:t>リモート</a:t>
-            </a:r>
-            <a:endParaRPr kumimoji="1" lang="ja-JP" altLang="en-US" dirty="0"/>
+              <a:rPr lang="ja-JP" altLang="en-US" sz="1600" b="1" dirty="0"/>
+              <a:t>リモートリポジトリ</a:t>
+            </a:r>
+            <a:endParaRPr kumimoji="1" lang="ja-JP" altLang="en-US" sz="1600" b="1" dirty="0"/>
           </a:p>
         </p:txBody>
       </p:sp>
@@ -4678,7 +4684,7 @@
         </p:nvSpPr>
         <p:spPr>
           <a:xfrm>
-            <a:off x="1403099" y="3534772"/>
+            <a:off x="1545338" y="3534772"/>
             <a:ext cx="3527465" cy="3266364"/>
           </a:xfrm>
           <a:prstGeom prst="rect">
@@ -4734,7 +4740,7 @@
         </p:nvGrpSpPr>
         <p:grpSpPr>
           <a:xfrm>
-            <a:off x="8399874" y="2021785"/>
+            <a:off x="8691131" y="2021785"/>
             <a:ext cx="860891" cy="1967912"/>
             <a:chOff x="8073152" y="1977172"/>
             <a:chExt cx="860891" cy="1967912"/>
@@ -4999,7 +5005,7 @@
         </p:nvGrpSpPr>
         <p:grpSpPr>
           <a:xfrm>
-            <a:off x="3423816" y="4796832"/>
+            <a:off x="3566055" y="4796832"/>
             <a:ext cx="860891" cy="1967912"/>
             <a:chOff x="8073152" y="1977172"/>
             <a:chExt cx="860891" cy="1967912"/>
@@ -5264,8 +5270,8 @@
         </p:nvSpPr>
         <p:spPr>
           <a:xfrm rot="10800000">
-            <a:off x="4629096" y="4051794"/>
-            <a:ext cx="4471456" cy="2041143"/>
+            <a:off x="4771335" y="4051792"/>
+            <a:ext cx="4636824" cy="2041143"/>
           </a:xfrm>
           <a:prstGeom prst="bentArrow">
             <a:avLst>
@@ -5330,7 +5336,7 @@
         </p:nvSpPr>
         <p:spPr>
           <a:xfrm>
-            <a:off x="6425741" y="5277380"/>
+            <a:off x="6372330" y="5659494"/>
             <a:ext cx="1169158" cy="396189"/>
           </a:xfrm>
           <a:prstGeom prst="roundRect">
@@ -5388,7 +5394,7 @@
         </p:nvSpPr>
         <p:spPr>
           <a:xfrm>
-            <a:off x="4271520" y="4725336"/>
+            <a:off x="4413759" y="4725336"/>
             <a:ext cx="259308" cy="2041142"/>
           </a:xfrm>
           <a:prstGeom prst="rightBrace">
@@ -5429,10 +5435,1387 @@
           </a:p>
         </p:txBody>
       </p:sp>
+      <p:sp>
+        <p:nvSpPr>
+          <p:cNvPr id="3" name="四角形: 角を丸くする 2">
+            <a:extLst>
+              <a:ext uri="{FF2B5EF4-FFF2-40B4-BE49-F238E27FC236}">
+                <a16:creationId xmlns:a16="http://schemas.microsoft.com/office/drawing/2014/main" id="{CBBD2796-356B-1EF8-3F96-1F0B4A192C5D}"/>
+              </a:ext>
+            </a:extLst>
+          </p:cNvPr>
+          <p:cNvSpPr/>
+          <p:nvPr/>
+        </p:nvSpPr>
+        <p:spPr>
+          <a:xfrm>
+            <a:off x="276185" y="959337"/>
+            <a:ext cx="5819815" cy="1376486"/>
+          </a:xfrm>
+          <a:prstGeom prst="roundRect">
+            <a:avLst>
+              <a:gd name="adj" fmla="val 10356"/>
+            </a:avLst>
+          </a:prstGeom>
+          <a:solidFill>
+            <a:schemeClr val="tx1">
+              <a:lumMod val="75000"/>
+              <a:lumOff val="25000"/>
+            </a:schemeClr>
+          </a:solidFill>
+        </p:spPr>
+        <p:style>
+          <a:lnRef idx="2">
+            <a:schemeClr val="accent1">
+              <a:shade val="50000"/>
+            </a:schemeClr>
+          </a:lnRef>
+          <a:fillRef idx="1">
+            <a:schemeClr val="accent1"/>
+          </a:fillRef>
+          <a:effectRef idx="0">
+            <a:schemeClr val="accent1"/>
+          </a:effectRef>
+          <a:fontRef idx="minor">
+            <a:schemeClr val="lt1"/>
+          </a:fontRef>
+        </p:style>
+        <p:txBody>
+          <a:bodyPr rtlCol="0" anchor="ctr"/>
+          <a:lstStyle/>
+          <a:p>
+            <a:r>
+              <a:rPr kumimoji="1" lang="ja-JP" altLang="en-US" b="1" dirty="0"/>
+              <a:t>リモートリポジトリで管理している内容を</a:t>
+            </a:r>
+            <a:br>
+              <a:rPr kumimoji="1" lang="en-US" altLang="ja-JP" b="1" dirty="0"/>
+            </a:br>
+            <a:r>
+              <a:rPr kumimoji="1" lang="ja-JP" altLang="en-US" b="1" dirty="0"/>
+              <a:t>ローカルリポジトリに複製することができる。</a:t>
+            </a:r>
+            <a:endParaRPr kumimoji="1" lang="en-US" altLang="ja-JP" b="1" dirty="0"/>
+          </a:p>
+          <a:p>
+            <a:r>
+              <a:rPr kumimoji="1" lang="ja-JP" altLang="en-US" b="1" dirty="0"/>
+              <a:t>この際、ローカルリポジトリにリモートリポジトリで</a:t>
+            </a:r>
+            <a:br>
+              <a:rPr kumimoji="1" lang="en-US" altLang="ja-JP" b="1" dirty="0"/>
+            </a:br>
+            <a:r>
+              <a:rPr kumimoji="1" lang="ja-JP" altLang="en-US" b="1" dirty="0"/>
+              <a:t>管理されていた変更履歴なども含めて複製される。</a:t>
+            </a:r>
+          </a:p>
+        </p:txBody>
+      </p:sp>
     </p:spTree>
     <p:extLst>
       <p:ext uri="{BB962C8B-B14F-4D97-AF65-F5344CB8AC3E}">
         <p14:creationId xmlns:p14="http://schemas.microsoft.com/office/powerpoint/2010/main" val="1514893830"/>
+      </p:ext>
+    </p:extLst>
+  </p:cSld>
+  <p:clrMapOvr>
+    <a:masterClrMapping/>
+  </p:clrMapOvr>
+</p:sld>
+</file>
+
+<file path=ppt/slides/slide3.xml><?xml version="1.0" encoding="utf-8"?>
+<p:sld xmlns:a="http://schemas.openxmlformats.org/drawingml/2006/main" xmlns:r="http://schemas.openxmlformats.org/officeDocument/2006/relationships" xmlns:p="http://schemas.openxmlformats.org/presentationml/2006/main">
+  <p:cSld>
+    <p:spTree>
+      <p:nvGrpSpPr>
+        <p:cNvPr id="1" name=""/>
+        <p:cNvGrpSpPr/>
+        <p:nvPr/>
+      </p:nvGrpSpPr>
+      <p:grpSpPr>
+        <a:xfrm>
+          <a:off x="0" y="0"/>
+          <a:ext cx="0" cy="0"/>
+          <a:chOff x="0" y="0"/>
+          <a:chExt cx="0" cy="0"/>
+        </a:xfrm>
+      </p:grpSpPr>
+      <p:sp>
+        <p:nvSpPr>
+          <p:cNvPr id="2" name="タイトル 1">
+            <a:extLst>
+              <a:ext uri="{FF2B5EF4-FFF2-40B4-BE49-F238E27FC236}">
+                <a16:creationId xmlns:a16="http://schemas.microsoft.com/office/drawing/2014/main" id="{58D75F96-88C9-948D-DDBA-7B583F1789BB}"/>
+              </a:ext>
+            </a:extLst>
+          </p:cNvPr>
+          <p:cNvSpPr>
+            <a:spLocks noGrp="1"/>
+          </p:cNvSpPr>
+          <p:nvPr>
+            <p:ph type="title"/>
+          </p:nvPr>
+        </p:nvSpPr>
+        <p:spPr>
+          <a:xfrm>
+            <a:off x="0" y="0"/>
+            <a:ext cx="12192000" cy="681037"/>
+          </a:xfrm>
+          <a:solidFill>
+            <a:srgbClr val="3333FF"/>
+          </a:solidFill>
+        </p:spPr>
+        <p:txBody>
+          <a:bodyPr numCol="2">
+            <a:normAutofit fontScale="90000"/>
+          </a:bodyPr>
+          <a:lstStyle/>
+          <a:p>
+            <a:r>
+              <a:rPr lang="en-US" altLang="ja-JP" dirty="0">
+                <a:solidFill>
+                  <a:schemeClr val="bg1"/>
+                </a:solidFill>
+                <a:latin typeface="Meiryo UI" panose="020B0604030504040204" pitchFamily="50" charset="-128"/>
+                <a:ea typeface="Meiryo UI" panose="020B0604030504040204" pitchFamily="50" charset="-128"/>
+              </a:rPr>
+              <a:t>c</a:t>
+            </a:r>
+            <a:r>
+              <a:rPr kumimoji="1" lang="en-US" altLang="ja-JP" dirty="0">
+                <a:solidFill>
+                  <a:schemeClr val="bg1"/>
+                </a:solidFill>
+                <a:latin typeface="Meiryo UI" panose="020B0604030504040204" pitchFamily="50" charset="-128"/>
+                <a:ea typeface="Meiryo UI" panose="020B0604030504040204" pitchFamily="50" charset="-128"/>
+              </a:rPr>
+              <a:t>lone(</a:t>
+            </a:r>
+            <a:r>
+              <a:rPr kumimoji="1" lang="ja-JP" altLang="en-US" dirty="0">
+                <a:solidFill>
+                  <a:schemeClr val="bg1"/>
+                </a:solidFill>
+                <a:latin typeface="Meiryo UI" panose="020B0604030504040204" pitchFamily="50" charset="-128"/>
+                <a:ea typeface="Meiryo UI" panose="020B0604030504040204" pitchFamily="50" charset="-128"/>
+              </a:rPr>
+              <a:t>クローン</a:t>
+            </a:r>
+            <a:r>
+              <a:rPr kumimoji="1" lang="en-US" altLang="ja-JP" dirty="0">
+                <a:solidFill>
+                  <a:schemeClr val="bg1"/>
+                </a:solidFill>
+                <a:latin typeface="Meiryo UI" panose="020B0604030504040204" pitchFamily="50" charset="-128"/>
+                <a:ea typeface="Meiryo UI" panose="020B0604030504040204" pitchFamily="50" charset="-128"/>
+              </a:rPr>
+              <a:t>)</a:t>
+            </a:r>
+            <a:r>
+              <a:rPr kumimoji="1" lang="ja-JP" altLang="en-US" dirty="0">
+                <a:solidFill>
+                  <a:schemeClr val="bg1"/>
+                </a:solidFill>
+                <a:latin typeface="Meiryo UI" panose="020B0604030504040204" pitchFamily="50" charset="-128"/>
+                <a:ea typeface="Meiryo UI" panose="020B0604030504040204" pitchFamily="50" charset="-128"/>
+              </a:rPr>
+              <a:t>とは</a:t>
+            </a:r>
+          </a:p>
+        </p:txBody>
+      </p:sp>
+      <p:pic>
+        <p:nvPicPr>
+          <p:cNvPr id="1026" name="Picture 2" descr="ファイル, タイプ, light, db アイコン">
+            <a:extLst>
+              <a:ext uri="{FF2B5EF4-FFF2-40B4-BE49-F238E27FC236}">
+                <a16:creationId xmlns:a16="http://schemas.microsoft.com/office/drawing/2014/main" id="{DFECC89E-4A15-1856-2A30-3EAB1C31276C}"/>
+              </a:ext>
+            </a:extLst>
+          </p:cNvPr>
+          <p:cNvPicPr>
+            <a:picLocks noGrp="1" noChangeAspect="1" noChangeArrowheads="1"/>
+          </p:cNvPicPr>
+          <p:nvPr>
+            <p:ph idx="1"/>
+          </p:nvPr>
+        </p:nvPicPr>
+        <p:blipFill>
+          <a:blip r:embed="rId2">
+            <a:extLst>
+              <a:ext uri="{28A0092B-C50C-407E-A947-70E740481C1C}">
+                <a14:useLocalDpi xmlns:a14="http://schemas.microsoft.com/office/drawing/2010/main" val="0"/>
+              </a:ext>
+            </a:extLst>
+          </a:blip>
+          <a:srcRect/>
+          <a:stretch>
+            <a:fillRect/>
+          </a:stretch>
+        </p:blipFill>
+        <p:spPr bwMode="auto">
+          <a:xfrm>
+            <a:off x="7469591" y="1328383"/>
+            <a:ext cx="1450287" cy="1450287"/>
+          </a:xfrm>
+          <a:prstGeom prst="rect">
+            <a:avLst/>
+          </a:prstGeom>
+          <a:noFill/>
+          <a:extLst>
+            <a:ext uri="{909E8E84-426E-40DD-AFC4-6F175D3DCCD1}">
+              <a14:hiddenFill xmlns:a14="http://schemas.microsoft.com/office/drawing/2010/main">
+                <a:solidFill>
+                  <a:srgbClr val="FFFFFF"/>
+                </a:solidFill>
+              </a14:hiddenFill>
+            </a:ext>
+          </a:extLst>
+        </p:spPr>
+      </p:pic>
+      <p:pic>
+        <p:nvPicPr>
+          <p:cNvPr id="7" name="Picture 2" descr="ファイル, タイプ, light, db アイコン">
+            <a:extLst>
+              <a:ext uri="{FF2B5EF4-FFF2-40B4-BE49-F238E27FC236}">
+                <a16:creationId xmlns:a16="http://schemas.microsoft.com/office/drawing/2014/main" id="{E77EFBEF-06A9-8E77-A749-A3A7438CD123}"/>
+              </a:ext>
+            </a:extLst>
+          </p:cNvPr>
+          <p:cNvPicPr>
+            <a:picLocks noChangeAspect="1" noChangeArrowheads="1"/>
+          </p:cNvPicPr>
+          <p:nvPr/>
+        </p:nvPicPr>
+        <p:blipFill>
+          <a:blip r:embed="rId2">
+            <a:extLst>
+              <a:ext uri="{28A0092B-C50C-407E-A947-70E740481C1C}">
+                <a14:useLocalDpi xmlns:a14="http://schemas.microsoft.com/office/drawing/2010/main" val="0"/>
+              </a:ext>
+            </a:extLst>
+          </a:blip>
+          <a:srcRect/>
+          <a:stretch>
+            <a:fillRect/>
+          </a:stretch>
+        </p:blipFill>
+        <p:spPr bwMode="auto">
+          <a:xfrm>
+            <a:off x="2348743" y="4000193"/>
+            <a:ext cx="1450287" cy="1450287"/>
+          </a:xfrm>
+          <a:prstGeom prst="rect">
+            <a:avLst/>
+          </a:prstGeom>
+          <a:noFill/>
+          <a:extLst>
+            <a:ext uri="{909E8E84-426E-40DD-AFC4-6F175D3DCCD1}">
+              <a14:hiddenFill xmlns:a14="http://schemas.microsoft.com/office/drawing/2010/main">
+                <a:solidFill>
+                  <a:srgbClr val="FFFFFF"/>
+                </a:solidFill>
+              </a14:hiddenFill>
+            </a:ext>
+          </a:extLst>
+        </p:spPr>
+      </p:pic>
+      <p:pic>
+        <p:nvPicPr>
+          <p:cNvPr id="1032" name="Picture 8">
+            <a:extLst>
+              <a:ext uri="{FF2B5EF4-FFF2-40B4-BE49-F238E27FC236}">
+                <a16:creationId xmlns:a16="http://schemas.microsoft.com/office/drawing/2014/main" id="{0699FED0-2ED3-714A-7FAA-C524CE7B86CA}"/>
+              </a:ext>
+            </a:extLst>
+          </p:cNvPr>
+          <p:cNvPicPr>
+            <a:picLocks noChangeAspect="1" noChangeArrowheads="1"/>
+          </p:cNvPicPr>
+          <p:nvPr/>
+        </p:nvPicPr>
+        <p:blipFill>
+          <a:blip r:embed="rId3">
+            <a:extLst>
+              <a:ext uri="{28A0092B-C50C-407E-A947-70E740481C1C}">
+                <a14:useLocalDpi xmlns:a14="http://schemas.microsoft.com/office/drawing/2010/main" val="0"/>
+              </a:ext>
+            </a:extLst>
+          </a:blip>
+          <a:srcRect/>
+          <a:stretch>
+            <a:fillRect/>
+          </a:stretch>
+        </p:blipFill>
+        <p:spPr bwMode="auto">
+          <a:xfrm>
+            <a:off x="1661690" y="5020150"/>
+            <a:ext cx="1664411" cy="1674879"/>
+          </a:xfrm>
+          <a:prstGeom prst="rect">
+            <a:avLst/>
+          </a:prstGeom>
+          <a:noFill/>
+          <a:extLst>
+            <a:ext uri="{909E8E84-426E-40DD-AFC4-6F175D3DCCD1}">
+              <a14:hiddenFill xmlns:a14="http://schemas.microsoft.com/office/drawing/2010/main">
+                <a:solidFill>
+                  <a:srgbClr val="FFFFFF"/>
+                </a:solidFill>
+              </a14:hiddenFill>
+            </a:ext>
+          </a:extLst>
+        </p:spPr>
+      </p:pic>
+      <p:sp>
+        <p:nvSpPr>
+          <p:cNvPr id="8" name="正方形/長方形 7">
+            <a:extLst>
+              <a:ext uri="{FF2B5EF4-FFF2-40B4-BE49-F238E27FC236}">
+                <a16:creationId xmlns:a16="http://schemas.microsoft.com/office/drawing/2014/main" id="{794C7B4E-3D86-D1C7-42B0-1CC019DC5E2D}"/>
+              </a:ext>
+            </a:extLst>
+          </p:cNvPr>
+          <p:cNvSpPr/>
+          <p:nvPr/>
+        </p:nvSpPr>
+        <p:spPr>
+          <a:xfrm>
+            <a:off x="6664073" y="873458"/>
+            <a:ext cx="3057099" cy="3266364"/>
+          </a:xfrm>
+          <a:prstGeom prst="rect">
+            <a:avLst/>
+          </a:prstGeom>
+          <a:noFill/>
+          <a:ln w="28575">
+            <a:solidFill>
+              <a:schemeClr val="tx1">
+                <a:lumMod val="65000"/>
+                <a:lumOff val="35000"/>
+              </a:schemeClr>
+            </a:solidFill>
+            <a:prstDash val="sysDot"/>
+          </a:ln>
+        </p:spPr>
+        <p:style>
+          <a:lnRef idx="2">
+            <a:schemeClr val="accent1">
+              <a:shade val="50000"/>
+            </a:schemeClr>
+          </a:lnRef>
+          <a:fillRef idx="1">
+            <a:schemeClr val="accent1"/>
+          </a:fillRef>
+          <a:effectRef idx="0">
+            <a:schemeClr val="accent1"/>
+          </a:effectRef>
+          <a:fontRef idx="minor">
+            <a:schemeClr val="lt1"/>
+          </a:fontRef>
+        </p:style>
+        <p:txBody>
+          <a:bodyPr rtlCol="0" anchor="ctr"/>
+          <a:lstStyle/>
+          <a:p>
+            <a:pPr algn="ctr"/>
+            <a:endParaRPr kumimoji="1" lang="ja-JP" altLang="en-US"/>
+          </a:p>
+        </p:txBody>
+      </p:sp>
+      <p:sp>
+        <p:nvSpPr>
+          <p:cNvPr id="15" name="四角形: 角を丸くする 14">
+            <a:extLst>
+              <a:ext uri="{FF2B5EF4-FFF2-40B4-BE49-F238E27FC236}">
+                <a16:creationId xmlns:a16="http://schemas.microsoft.com/office/drawing/2014/main" id="{B5A800B3-9164-811B-DDE2-FCF0893756FA}"/>
+              </a:ext>
+            </a:extLst>
+          </p:cNvPr>
+          <p:cNvSpPr/>
+          <p:nvPr/>
+        </p:nvSpPr>
+        <p:spPr>
+          <a:xfrm>
+            <a:off x="1520662" y="3534773"/>
+            <a:ext cx="2045393" cy="359314"/>
+          </a:xfrm>
+          <a:prstGeom prst="roundRect">
+            <a:avLst>
+              <a:gd name="adj" fmla="val 10356"/>
+            </a:avLst>
+          </a:prstGeom>
+          <a:solidFill>
+            <a:srgbClr val="3333FF"/>
+          </a:solidFill>
+        </p:spPr>
+        <p:style>
+          <a:lnRef idx="2">
+            <a:schemeClr val="accent1">
+              <a:shade val="50000"/>
+            </a:schemeClr>
+          </a:lnRef>
+          <a:fillRef idx="1">
+            <a:schemeClr val="accent1"/>
+          </a:fillRef>
+          <a:effectRef idx="0">
+            <a:schemeClr val="accent1"/>
+          </a:effectRef>
+          <a:fontRef idx="minor">
+            <a:schemeClr val="lt1"/>
+          </a:fontRef>
+        </p:style>
+        <p:txBody>
+          <a:bodyPr rtlCol="0" anchor="ctr"/>
+          <a:lstStyle/>
+          <a:p>
+            <a:pPr algn="ctr"/>
+            <a:r>
+              <a:rPr lang="ja-JP" altLang="en-US" sz="1600" b="1" dirty="0"/>
+              <a:t>ローカルリポジトリ</a:t>
+            </a:r>
+            <a:endParaRPr kumimoji="1" lang="ja-JP" altLang="en-US" sz="1600" b="1" dirty="0"/>
+          </a:p>
+        </p:txBody>
+      </p:sp>
+      <p:sp>
+        <p:nvSpPr>
+          <p:cNvPr id="16" name="四角形: 角を丸くする 15">
+            <a:extLst>
+              <a:ext uri="{FF2B5EF4-FFF2-40B4-BE49-F238E27FC236}">
+                <a16:creationId xmlns:a16="http://schemas.microsoft.com/office/drawing/2014/main" id="{B2025021-FB4C-7184-834B-E13B6F982591}"/>
+              </a:ext>
+            </a:extLst>
+          </p:cNvPr>
+          <p:cNvSpPr/>
+          <p:nvPr/>
+        </p:nvSpPr>
+        <p:spPr>
+          <a:xfrm>
+            <a:off x="6664072" y="881969"/>
+            <a:ext cx="2207810" cy="313420"/>
+          </a:xfrm>
+          <a:prstGeom prst="roundRect">
+            <a:avLst>
+              <a:gd name="adj" fmla="val 10356"/>
+            </a:avLst>
+          </a:prstGeom>
+          <a:solidFill>
+            <a:srgbClr val="3333FF"/>
+          </a:solidFill>
+        </p:spPr>
+        <p:style>
+          <a:lnRef idx="2">
+            <a:schemeClr val="accent1">
+              <a:shade val="50000"/>
+            </a:schemeClr>
+          </a:lnRef>
+          <a:fillRef idx="1">
+            <a:schemeClr val="accent1"/>
+          </a:fillRef>
+          <a:effectRef idx="0">
+            <a:schemeClr val="accent1"/>
+          </a:effectRef>
+          <a:fontRef idx="minor">
+            <a:schemeClr val="lt1"/>
+          </a:fontRef>
+        </p:style>
+        <p:txBody>
+          <a:bodyPr rtlCol="0" anchor="ctr"/>
+          <a:lstStyle/>
+          <a:p>
+            <a:pPr algn="ctr"/>
+            <a:r>
+              <a:rPr lang="ja-JP" altLang="en-US" sz="1600" b="1" dirty="0"/>
+              <a:t>リモートリポジトリ</a:t>
+            </a:r>
+            <a:endParaRPr kumimoji="1" lang="ja-JP" altLang="en-US" sz="1600" b="1" dirty="0"/>
+          </a:p>
+        </p:txBody>
+      </p:sp>
+      <p:sp>
+        <p:nvSpPr>
+          <p:cNvPr id="17" name="正方形/長方形 16">
+            <a:extLst>
+              <a:ext uri="{FF2B5EF4-FFF2-40B4-BE49-F238E27FC236}">
+                <a16:creationId xmlns:a16="http://schemas.microsoft.com/office/drawing/2014/main" id="{FCF86999-356A-C0F6-E991-1256CCEFA46E}"/>
+              </a:ext>
+            </a:extLst>
+          </p:cNvPr>
+          <p:cNvSpPr/>
+          <p:nvPr/>
+        </p:nvSpPr>
+        <p:spPr>
+          <a:xfrm>
+            <a:off x="1545338" y="3534772"/>
+            <a:ext cx="3527465" cy="3266364"/>
+          </a:xfrm>
+          <a:prstGeom prst="rect">
+            <a:avLst/>
+          </a:prstGeom>
+          <a:noFill/>
+          <a:ln w="28575">
+            <a:solidFill>
+              <a:schemeClr val="tx1">
+                <a:lumMod val="65000"/>
+                <a:lumOff val="35000"/>
+              </a:schemeClr>
+            </a:solidFill>
+            <a:prstDash val="sysDot"/>
+          </a:ln>
+        </p:spPr>
+        <p:style>
+          <a:lnRef idx="2">
+            <a:schemeClr val="accent1">
+              <a:shade val="50000"/>
+            </a:schemeClr>
+          </a:lnRef>
+          <a:fillRef idx="1">
+            <a:schemeClr val="accent1"/>
+          </a:fillRef>
+          <a:effectRef idx="0">
+            <a:schemeClr val="accent1"/>
+          </a:effectRef>
+          <a:fontRef idx="minor">
+            <a:schemeClr val="lt1"/>
+          </a:fontRef>
+        </p:style>
+        <p:txBody>
+          <a:bodyPr rtlCol="0" anchor="ctr"/>
+          <a:lstStyle/>
+          <a:p>
+            <a:pPr algn="ctr"/>
+            <a:endParaRPr kumimoji="1" lang="ja-JP" altLang="en-US"/>
+          </a:p>
+        </p:txBody>
+      </p:sp>
+      <p:grpSp>
+        <p:nvGrpSpPr>
+          <p:cNvPr id="42" name="グループ化 41">
+            <a:extLst>
+              <a:ext uri="{FF2B5EF4-FFF2-40B4-BE49-F238E27FC236}">
+                <a16:creationId xmlns:a16="http://schemas.microsoft.com/office/drawing/2014/main" id="{4BDFD784-9920-1ED8-E9A7-1DAE8D5C4672}"/>
+              </a:ext>
+            </a:extLst>
+          </p:cNvPr>
+          <p:cNvGrpSpPr/>
+          <p:nvPr/>
+        </p:nvGrpSpPr>
+        <p:grpSpPr>
+          <a:xfrm>
+            <a:off x="8691131" y="2021785"/>
+            <a:ext cx="860891" cy="1967912"/>
+            <a:chOff x="8073152" y="1977172"/>
+            <a:chExt cx="860891" cy="1967912"/>
+          </a:xfrm>
+        </p:grpSpPr>
+        <p:pic>
+          <p:nvPicPr>
+            <p:cNvPr id="10" name="図 9">
+              <a:extLst>
+                <a:ext uri="{FF2B5EF4-FFF2-40B4-BE49-F238E27FC236}">
+                  <a16:creationId xmlns:a16="http://schemas.microsoft.com/office/drawing/2014/main" id="{2DB771FD-B0AA-5645-EC4F-FB1BF9B9A759}"/>
+                </a:ext>
+              </a:extLst>
+            </p:cNvPr>
+            <p:cNvPicPr>
+              <a:picLocks noChangeAspect="1"/>
+            </p:cNvPicPr>
+            <p:nvPr/>
+          </p:nvPicPr>
+          <p:blipFill>
+            <a:blip r:embed="rId4"/>
+            <a:stretch>
+              <a:fillRect/>
+            </a:stretch>
+          </p:blipFill>
+          <p:spPr>
+            <a:xfrm>
+              <a:off x="8434657" y="1977172"/>
+              <a:ext cx="499386" cy="651373"/>
+            </a:xfrm>
+            <a:prstGeom prst="rect">
+              <a:avLst/>
+            </a:prstGeom>
+          </p:spPr>
+        </p:pic>
+        <p:pic>
+          <p:nvPicPr>
+            <p:cNvPr id="12" name="図 11">
+              <a:extLst>
+                <a:ext uri="{FF2B5EF4-FFF2-40B4-BE49-F238E27FC236}">
+                  <a16:creationId xmlns:a16="http://schemas.microsoft.com/office/drawing/2014/main" id="{50BEC481-E745-BD73-2A10-40A13507FC4F}"/>
+                </a:ext>
+              </a:extLst>
+            </p:cNvPr>
+            <p:cNvPicPr>
+              <a:picLocks noChangeAspect="1"/>
+            </p:cNvPicPr>
+            <p:nvPr/>
+          </p:nvPicPr>
+          <p:blipFill>
+            <a:blip r:embed="rId5"/>
+            <a:stretch>
+              <a:fillRect/>
+            </a:stretch>
+          </p:blipFill>
+          <p:spPr>
+            <a:xfrm>
+              <a:off x="8434657" y="2655815"/>
+              <a:ext cx="499386" cy="659903"/>
+            </a:xfrm>
+            <a:prstGeom prst="rect">
+              <a:avLst/>
+            </a:prstGeom>
+          </p:spPr>
+        </p:pic>
+        <p:pic>
+          <p:nvPicPr>
+            <p:cNvPr id="1034" name="Picture 10" descr="Javascript アイコン 主要なプログラミング言語ベクトルアイコンイラスト - JavaScriptのベクターアート素材や画像を多数ご用意 -  iStock">
+              <a:extLst>
+                <a:ext uri="{FF2B5EF4-FFF2-40B4-BE49-F238E27FC236}">
+                  <a16:creationId xmlns:a16="http://schemas.microsoft.com/office/drawing/2014/main" id="{4CE1C7BF-E0EE-873C-9DFF-1B07AD8C44FC}"/>
+                </a:ext>
+              </a:extLst>
+            </p:cNvPr>
+            <p:cNvPicPr>
+              <a:picLocks noChangeAspect="1" noChangeArrowheads="1"/>
+            </p:cNvPicPr>
+            <p:nvPr/>
+          </p:nvPicPr>
+          <p:blipFill>
+            <a:blip r:embed="rId6">
+              <a:extLst>
+                <a:ext uri="{28A0092B-C50C-407E-A947-70E740481C1C}">
+                  <a14:useLocalDpi xmlns:a14="http://schemas.microsoft.com/office/drawing/2010/main" val="0"/>
+                </a:ext>
+              </a:extLst>
+            </a:blip>
+            <a:srcRect/>
+            <a:stretch>
+              <a:fillRect/>
+            </a:stretch>
+          </p:blipFill>
+          <p:spPr bwMode="auto">
+            <a:xfrm>
+              <a:off x="8434657" y="3342988"/>
+              <a:ext cx="499386" cy="602096"/>
+            </a:xfrm>
+            <a:prstGeom prst="rect">
+              <a:avLst/>
+            </a:prstGeom>
+            <a:noFill/>
+            <a:extLst>
+              <a:ext uri="{909E8E84-426E-40DD-AFC4-6F175D3DCCD1}">
+                <a14:hiddenFill xmlns:a14="http://schemas.microsoft.com/office/drawing/2010/main">
+                  <a:solidFill>
+                    <a:srgbClr val="FFFFFF"/>
+                  </a:solidFill>
+                </a14:hiddenFill>
+              </a:ext>
+            </a:extLst>
+          </p:spPr>
+        </p:pic>
+        <p:cxnSp>
+          <p:nvCxnSpPr>
+            <p:cNvPr id="19" name="コネクタ: カギ線 18">
+              <a:extLst>
+                <a:ext uri="{FF2B5EF4-FFF2-40B4-BE49-F238E27FC236}">
+                  <a16:creationId xmlns:a16="http://schemas.microsoft.com/office/drawing/2014/main" id="{459C8952-346E-06AA-9F5A-AB0543041EA3}"/>
+                </a:ext>
+              </a:extLst>
+            </p:cNvPr>
+            <p:cNvCxnSpPr>
+              <a:cxnSpLocks/>
+              <a:endCxn id="10" idx="1"/>
+            </p:cNvCxnSpPr>
+            <p:nvPr/>
+          </p:nvCxnSpPr>
+          <p:spPr>
+            <a:xfrm>
+              <a:off x="8073152" y="2053661"/>
+              <a:ext cx="361505" cy="249198"/>
+            </a:xfrm>
+            <a:prstGeom prst="bentConnector3">
+              <a:avLst>
+                <a:gd name="adj1" fmla="val 50000"/>
+              </a:avLst>
+            </a:prstGeom>
+            <a:ln w="12700">
+              <a:solidFill>
+                <a:srgbClr val="3333FF"/>
+              </a:solidFill>
+              <a:prstDash val="sysDash"/>
+            </a:ln>
+          </p:spPr>
+          <p:style>
+            <a:lnRef idx="1">
+              <a:schemeClr val="accent1"/>
+            </a:lnRef>
+            <a:fillRef idx="0">
+              <a:schemeClr val="accent1"/>
+            </a:fillRef>
+            <a:effectRef idx="0">
+              <a:schemeClr val="accent1"/>
+            </a:effectRef>
+            <a:fontRef idx="minor">
+              <a:schemeClr val="tx1"/>
+            </a:fontRef>
+          </p:style>
+        </p:cxnSp>
+        <p:cxnSp>
+          <p:nvCxnSpPr>
+            <p:cNvPr id="26" name="コネクタ: カギ線 25">
+              <a:extLst>
+                <a:ext uri="{FF2B5EF4-FFF2-40B4-BE49-F238E27FC236}">
+                  <a16:creationId xmlns:a16="http://schemas.microsoft.com/office/drawing/2014/main" id="{A7C78EB8-FFE1-BEC8-BEED-84AA6DD2A890}"/>
+                </a:ext>
+              </a:extLst>
+            </p:cNvPr>
+            <p:cNvCxnSpPr>
+              <a:cxnSpLocks/>
+              <a:endCxn id="12" idx="1"/>
+            </p:cNvCxnSpPr>
+            <p:nvPr/>
+          </p:nvCxnSpPr>
+          <p:spPr>
+            <a:xfrm rot="16200000" flipH="1">
+              <a:off x="7937492" y="2488602"/>
+              <a:ext cx="813576" cy="180753"/>
+            </a:xfrm>
+            <a:prstGeom prst="bentConnector2">
+              <a:avLst/>
+            </a:prstGeom>
+            <a:ln w="12700">
+              <a:solidFill>
+                <a:srgbClr val="3333FF"/>
+              </a:solidFill>
+              <a:prstDash val="sysDash"/>
+            </a:ln>
+          </p:spPr>
+          <p:style>
+            <a:lnRef idx="1">
+              <a:schemeClr val="accent1"/>
+            </a:lnRef>
+            <a:fillRef idx="0">
+              <a:schemeClr val="accent1"/>
+            </a:fillRef>
+            <a:effectRef idx="0">
+              <a:schemeClr val="accent1"/>
+            </a:effectRef>
+            <a:fontRef idx="minor">
+              <a:schemeClr val="tx1"/>
+            </a:fontRef>
+          </p:style>
+        </p:cxnSp>
+        <p:cxnSp>
+          <p:nvCxnSpPr>
+            <p:cNvPr id="37" name="コネクタ: カギ線 36">
+              <a:extLst>
+                <a:ext uri="{FF2B5EF4-FFF2-40B4-BE49-F238E27FC236}">
+                  <a16:creationId xmlns:a16="http://schemas.microsoft.com/office/drawing/2014/main" id="{CFD4B3FC-0FAC-C244-5020-1DD7C8D8E7CD}"/>
+                </a:ext>
+              </a:extLst>
+            </p:cNvPr>
+            <p:cNvCxnSpPr>
+              <a:cxnSpLocks/>
+              <a:endCxn id="1034" idx="1"/>
+            </p:cNvCxnSpPr>
+            <p:nvPr/>
+          </p:nvCxnSpPr>
+          <p:spPr>
+            <a:xfrm rot="16200000" flipH="1">
+              <a:off x="8004185" y="3213564"/>
+              <a:ext cx="680192" cy="180752"/>
+            </a:xfrm>
+            <a:prstGeom prst="bentConnector2">
+              <a:avLst/>
+            </a:prstGeom>
+            <a:ln w="12700">
+              <a:solidFill>
+                <a:srgbClr val="3333FF"/>
+              </a:solidFill>
+              <a:prstDash val="sysDash"/>
+            </a:ln>
+          </p:spPr>
+          <p:style>
+            <a:lnRef idx="1">
+              <a:schemeClr val="accent1"/>
+            </a:lnRef>
+            <a:fillRef idx="0">
+              <a:schemeClr val="accent1"/>
+            </a:fillRef>
+            <a:effectRef idx="0">
+              <a:schemeClr val="accent1"/>
+            </a:effectRef>
+            <a:fontRef idx="minor">
+              <a:schemeClr val="tx1"/>
+            </a:fontRef>
+          </p:style>
+        </p:cxnSp>
+      </p:grpSp>
+      <p:grpSp>
+        <p:nvGrpSpPr>
+          <p:cNvPr id="43" name="グループ化 42">
+            <a:extLst>
+              <a:ext uri="{FF2B5EF4-FFF2-40B4-BE49-F238E27FC236}">
+                <a16:creationId xmlns:a16="http://schemas.microsoft.com/office/drawing/2014/main" id="{3D44CEE4-F2DD-36D0-FBFE-8E34679E0EB2}"/>
+              </a:ext>
+            </a:extLst>
+          </p:cNvPr>
+          <p:cNvGrpSpPr/>
+          <p:nvPr/>
+        </p:nvGrpSpPr>
+        <p:grpSpPr>
+          <a:xfrm>
+            <a:off x="3566055" y="4796832"/>
+            <a:ext cx="860891" cy="1967912"/>
+            <a:chOff x="8073152" y="1977172"/>
+            <a:chExt cx="860891" cy="1967912"/>
+          </a:xfrm>
+        </p:grpSpPr>
+        <p:pic>
+          <p:nvPicPr>
+            <p:cNvPr id="44" name="図 43">
+              <a:extLst>
+                <a:ext uri="{FF2B5EF4-FFF2-40B4-BE49-F238E27FC236}">
+                  <a16:creationId xmlns:a16="http://schemas.microsoft.com/office/drawing/2014/main" id="{5176BB02-AE16-5BE2-E341-CC8A78FE4CB8}"/>
+                </a:ext>
+              </a:extLst>
+            </p:cNvPr>
+            <p:cNvPicPr>
+              <a:picLocks noChangeAspect="1"/>
+            </p:cNvPicPr>
+            <p:nvPr/>
+          </p:nvPicPr>
+          <p:blipFill>
+            <a:blip r:embed="rId4"/>
+            <a:stretch>
+              <a:fillRect/>
+            </a:stretch>
+          </p:blipFill>
+          <p:spPr>
+            <a:xfrm>
+              <a:off x="8434657" y="1977172"/>
+              <a:ext cx="499386" cy="651373"/>
+            </a:xfrm>
+            <a:prstGeom prst="rect">
+              <a:avLst/>
+            </a:prstGeom>
+          </p:spPr>
+        </p:pic>
+        <p:pic>
+          <p:nvPicPr>
+            <p:cNvPr id="45" name="図 44">
+              <a:extLst>
+                <a:ext uri="{FF2B5EF4-FFF2-40B4-BE49-F238E27FC236}">
+                  <a16:creationId xmlns:a16="http://schemas.microsoft.com/office/drawing/2014/main" id="{A17EE54F-860E-8E35-B341-DB214D21BBDF}"/>
+                </a:ext>
+              </a:extLst>
+            </p:cNvPr>
+            <p:cNvPicPr>
+              <a:picLocks noChangeAspect="1"/>
+            </p:cNvPicPr>
+            <p:nvPr/>
+          </p:nvPicPr>
+          <p:blipFill>
+            <a:blip r:embed="rId5"/>
+            <a:stretch>
+              <a:fillRect/>
+            </a:stretch>
+          </p:blipFill>
+          <p:spPr>
+            <a:xfrm>
+              <a:off x="8434657" y="2655815"/>
+              <a:ext cx="499386" cy="659903"/>
+            </a:xfrm>
+            <a:prstGeom prst="rect">
+              <a:avLst/>
+            </a:prstGeom>
+          </p:spPr>
+        </p:pic>
+        <p:pic>
+          <p:nvPicPr>
+            <p:cNvPr id="46" name="Picture 10" descr="Javascript アイコン 主要なプログラミング言語ベクトルアイコンイラスト - JavaScriptのベクターアート素材や画像を多数ご用意 -  iStock">
+              <a:extLst>
+                <a:ext uri="{FF2B5EF4-FFF2-40B4-BE49-F238E27FC236}">
+                  <a16:creationId xmlns:a16="http://schemas.microsoft.com/office/drawing/2014/main" id="{6314A05D-BABC-4696-DA62-50A627368AD4}"/>
+                </a:ext>
+              </a:extLst>
+            </p:cNvPr>
+            <p:cNvPicPr>
+              <a:picLocks noChangeAspect="1" noChangeArrowheads="1"/>
+            </p:cNvPicPr>
+            <p:nvPr/>
+          </p:nvPicPr>
+          <p:blipFill>
+            <a:blip r:embed="rId6">
+              <a:extLst>
+                <a:ext uri="{28A0092B-C50C-407E-A947-70E740481C1C}">
+                  <a14:useLocalDpi xmlns:a14="http://schemas.microsoft.com/office/drawing/2010/main" val="0"/>
+                </a:ext>
+              </a:extLst>
+            </a:blip>
+            <a:srcRect/>
+            <a:stretch>
+              <a:fillRect/>
+            </a:stretch>
+          </p:blipFill>
+          <p:spPr bwMode="auto">
+            <a:xfrm>
+              <a:off x="8434657" y="3342988"/>
+              <a:ext cx="499386" cy="602096"/>
+            </a:xfrm>
+            <a:prstGeom prst="rect">
+              <a:avLst/>
+            </a:prstGeom>
+            <a:noFill/>
+            <a:extLst>
+              <a:ext uri="{909E8E84-426E-40DD-AFC4-6F175D3DCCD1}">
+                <a14:hiddenFill xmlns:a14="http://schemas.microsoft.com/office/drawing/2010/main">
+                  <a:solidFill>
+                    <a:srgbClr val="FFFFFF"/>
+                  </a:solidFill>
+                </a14:hiddenFill>
+              </a:ext>
+            </a:extLst>
+          </p:spPr>
+        </p:pic>
+        <p:cxnSp>
+          <p:nvCxnSpPr>
+            <p:cNvPr id="47" name="コネクタ: カギ線 46">
+              <a:extLst>
+                <a:ext uri="{FF2B5EF4-FFF2-40B4-BE49-F238E27FC236}">
+                  <a16:creationId xmlns:a16="http://schemas.microsoft.com/office/drawing/2014/main" id="{7FFF5ED6-902A-B4A6-8447-37B2EC1EFA77}"/>
+                </a:ext>
+              </a:extLst>
+            </p:cNvPr>
+            <p:cNvCxnSpPr>
+              <a:cxnSpLocks/>
+              <a:endCxn id="44" idx="1"/>
+            </p:cNvCxnSpPr>
+            <p:nvPr/>
+          </p:nvCxnSpPr>
+          <p:spPr>
+            <a:xfrm>
+              <a:off x="8073152" y="2053661"/>
+              <a:ext cx="361505" cy="249198"/>
+            </a:xfrm>
+            <a:prstGeom prst="bentConnector3">
+              <a:avLst>
+                <a:gd name="adj1" fmla="val 50000"/>
+              </a:avLst>
+            </a:prstGeom>
+            <a:ln w="12700">
+              <a:solidFill>
+                <a:srgbClr val="3333FF"/>
+              </a:solidFill>
+              <a:prstDash val="sysDash"/>
+            </a:ln>
+          </p:spPr>
+          <p:style>
+            <a:lnRef idx="1">
+              <a:schemeClr val="accent1"/>
+            </a:lnRef>
+            <a:fillRef idx="0">
+              <a:schemeClr val="accent1"/>
+            </a:fillRef>
+            <a:effectRef idx="0">
+              <a:schemeClr val="accent1"/>
+            </a:effectRef>
+            <a:fontRef idx="minor">
+              <a:schemeClr val="tx1"/>
+            </a:fontRef>
+          </p:style>
+        </p:cxnSp>
+        <p:cxnSp>
+          <p:nvCxnSpPr>
+            <p:cNvPr id="48" name="コネクタ: カギ線 47">
+              <a:extLst>
+                <a:ext uri="{FF2B5EF4-FFF2-40B4-BE49-F238E27FC236}">
+                  <a16:creationId xmlns:a16="http://schemas.microsoft.com/office/drawing/2014/main" id="{B94B616C-7CC3-6A8D-E13D-3918AE46389A}"/>
+                </a:ext>
+              </a:extLst>
+            </p:cNvPr>
+            <p:cNvCxnSpPr>
+              <a:cxnSpLocks/>
+              <a:endCxn id="45" idx="1"/>
+            </p:cNvCxnSpPr>
+            <p:nvPr/>
+          </p:nvCxnSpPr>
+          <p:spPr>
+            <a:xfrm rot="16200000" flipH="1">
+              <a:off x="7937492" y="2488602"/>
+              <a:ext cx="813576" cy="180753"/>
+            </a:xfrm>
+            <a:prstGeom prst="bentConnector2">
+              <a:avLst/>
+            </a:prstGeom>
+            <a:ln w="12700">
+              <a:solidFill>
+                <a:srgbClr val="3333FF"/>
+              </a:solidFill>
+              <a:prstDash val="sysDash"/>
+            </a:ln>
+          </p:spPr>
+          <p:style>
+            <a:lnRef idx="1">
+              <a:schemeClr val="accent1"/>
+            </a:lnRef>
+            <a:fillRef idx="0">
+              <a:schemeClr val="accent1"/>
+            </a:fillRef>
+            <a:effectRef idx="0">
+              <a:schemeClr val="accent1"/>
+            </a:effectRef>
+            <a:fontRef idx="minor">
+              <a:schemeClr val="tx1"/>
+            </a:fontRef>
+          </p:style>
+        </p:cxnSp>
+        <p:cxnSp>
+          <p:nvCxnSpPr>
+            <p:cNvPr id="49" name="コネクタ: カギ線 48">
+              <a:extLst>
+                <a:ext uri="{FF2B5EF4-FFF2-40B4-BE49-F238E27FC236}">
+                  <a16:creationId xmlns:a16="http://schemas.microsoft.com/office/drawing/2014/main" id="{BBAA5622-F764-F54C-24F3-F3DC4C18E332}"/>
+                </a:ext>
+              </a:extLst>
+            </p:cNvPr>
+            <p:cNvCxnSpPr>
+              <a:cxnSpLocks/>
+              <a:endCxn id="46" idx="1"/>
+            </p:cNvCxnSpPr>
+            <p:nvPr/>
+          </p:nvCxnSpPr>
+          <p:spPr>
+            <a:xfrm rot="16200000" flipH="1">
+              <a:off x="8004185" y="3213564"/>
+              <a:ext cx="680192" cy="180752"/>
+            </a:xfrm>
+            <a:prstGeom prst="bentConnector2">
+              <a:avLst/>
+            </a:prstGeom>
+            <a:ln w="12700">
+              <a:solidFill>
+                <a:srgbClr val="3333FF"/>
+              </a:solidFill>
+              <a:prstDash val="sysDash"/>
+            </a:ln>
+          </p:spPr>
+          <p:style>
+            <a:lnRef idx="1">
+              <a:schemeClr val="accent1"/>
+            </a:lnRef>
+            <a:fillRef idx="0">
+              <a:schemeClr val="accent1"/>
+            </a:fillRef>
+            <a:effectRef idx="0">
+              <a:schemeClr val="accent1"/>
+            </a:effectRef>
+            <a:fontRef idx="minor">
+              <a:schemeClr val="tx1"/>
+            </a:fontRef>
+          </p:style>
+        </p:cxnSp>
+      </p:grpSp>
+      <p:sp>
+        <p:nvSpPr>
+          <p:cNvPr id="50" name="矢印: 折線 49">
+            <a:extLst>
+              <a:ext uri="{FF2B5EF4-FFF2-40B4-BE49-F238E27FC236}">
+                <a16:creationId xmlns:a16="http://schemas.microsoft.com/office/drawing/2014/main" id="{8AB14E4C-80E1-1628-EB16-9A1145A1903C}"/>
+              </a:ext>
+            </a:extLst>
+          </p:cNvPr>
+          <p:cNvSpPr/>
+          <p:nvPr/>
+        </p:nvSpPr>
+        <p:spPr>
+          <a:xfrm rot="10800000">
+            <a:off x="4771335" y="4051792"/>
+            <a:ext cx="4636824" cy="2041143"/>
+          </a:xfrm>
+          <a:prstGeom prst="bentArrow">
+            <a:avLst>
+              <a:gd name="adj1" fmla="val 10129"/>
+              <a:gd name="adj2" fmla="val 11853"/>
+              <a:gd name="adj3" fmla="val 27178"/>
+              <a:gd name="adj4" fmla="val 2874"/>
+            </a:avLst>
+          </a:prstGeom>
+          <a:solidFill>
+            <a:srgbClr val="3366FF"/>
+          </a:solidFill>
+          <a:ln w="19050">
+            <a:solidFill>
+              <a:schemeClr val="tx1">
+                <a:lumMod val="65000"/>
+                <a:lumOff val="35000"/>
+              </a:schemeClr>
+            </a:solidFill>
+          </a:ln>
+        </p:spPr>
+        <p:style>
+          <a:lnRef idx="2">
+            <a:schemeClr val="accent1">
+              <a:shade val="50000"/>
+            </a:schemeClr>
+          </a:lnRef>
+          <a:fillRef idx="1">
+            <a:schemeClr val="accent1"/>
+          </a:fillRef>
+          <a:effectRef idx="0">
+            <a:schemeClr val="accent1"/>
+          </a:effectRef>
+          <a:fontRef idx="minor">
+            <a:schemeClr val="lt1"/>
+          </a:fontRef>
+        </p:style>
+        <p:txBody>
+          <a:bodyPr rtlCol="0" anchor="ctr"/>
+          <a:lstStyle/>
+          <a:p>
+            <a:pPr algn="ctr"/>
+            <a:endParaRPr kumimoji="1" lang="ja-JP" altLang="en-US">
+              <a:solidFill>
+                <a:schemeClr val="tx1"/>
+              </a:solidFill>
+            </a:endParaRPr>
+          </a:p>
+        </p:txBody>
+      </p:sp>
+      <p:sp>
+        <p:nvSpPr>
+          <p:cNvPr id="51" name="四角形: 角を丸くする 50">
+            <a:extLst>
+              <a:ext uri="{FF2B5EF4-FFF2-40B4-BE49-F238E27FC236}">
+                <a16:creationId xmlns:a16="http://schemas.microsoft.com/office/drawing/2014/main" id="{276E8CBB-8964-F4FF-78CD-4FB886E8446C}"/>
+              </a:ext>
+            </a:extLst>
+          </p:cNvPr>
+          <p:cNvSpPr/>
+          <p:nvPr/>
+        </p:nvSpPr>
+        <p:spPr>
+          <a:xfrm>
+            <a:off x="6372330" y="5659494"/>
+            <a:ext cx="1169158" cy="396189"/>
+          </a:xfrm>
+          <a:prstGeom prst="roundRect">
+            <a:avLst>
+              <a:gd name="adj" fmla="val 10356"/>
+            </a:avLst>
+          </a:prstGeom>
+          <a:solidFill>
+            <a:schemeClr val="tx1">
+              <a:lumMod val="75000"/>
+              <a:lumOff val="25000"/>
+            </a:schemeClr>
+          </a:solidFill>
+        </p:spPr>
+        <p:style>
+          <a:lnRef idx="2">
+            <a:schemeClr val="accent1">
+              <a:shade val="50000"/>
+            </a:schemeClr>
+          </a:lnRef>
+          <a:fillRef idx="1">
+            <a:schemeClr val="accent1"/>
+          </a:fillRef>
+          <a:effectRef idx="0">
+            <a:schemeClr val="accent1"/>
+          </a:effectRef>
+          <a:fontRef idx="minor">
+            <a:schemeClr val="lt1"/>
+          </a:fontRef>
+        </p:style>
+        <p:txBody>
+          <a:bodyPr rtlCol="0" anchor="ctr"/>
+          <a:lstStyle/>
+          <a:p>
+            <a:pPr algn="ctr"/>
+            <a:r>
+              <a:rPr kumimoji="1" lang="en-US" altLang="ja-JP" b="1" dirty="0"/>
+              <a:t>clone</a:t>
+            </a:r>
+            <a:endParaRPr kumimoji="1" lang="ja-JP" altLang="en-US" b="1" dirty="0"/>
+          </a:p>
+        </p:txBody>
+      </p:sp>
+      <p:sp>
+        <p:nvSpPr>
+          <p:cNvPr id="53" name="右中かっこ 52">
+            <a:extLst>
+              <a:ext uri="{FF2B5EF4-FFF2-40B4-BE49-F238E27FC236}">
+                <a16:creationId xmlns:a16="http://schemas.microsoft.com/office/drawing/2014/main" id="{32B5C46C-6A05-DA12-8851-258D958EA5D5}"/>
+              </a:ext>
+            </a:extLst>
+          </p:cNvPr>
+          <p:cNvSpPr/>
+          <p:nvPr/>
+        </p:nvSpPr>
+        <p:spPr>
+          <a:xfrm>
+            <a:off x="4413759" y="4725336"/>
+            <a:ext cx="259308" cy="2041142"/>
+          </a:xfrm>
+          <a:prstGeom prst="rightBrace">
+            <a:avLst>
+              <a:gd name="adj1" fmla="val 87280"/>
+              <a:gd name="adj2" fmla="val 55349"/>
+            </a:avLst>
+          </a:prstGeom>
+          <a:ln w="12700">
+            <a:solidFill>
+              <a:schemeClr val="tx1">
+                <a:lumMod val="75000"/>
+                <a:lumOff val="25000"/>
+              </a:schemeClr>
+            </a:solidFill>
+          </a:ln>
+        </p:spPr>
+        <p:style>
+          <a:lnRef idx="1">
+            <a:schemeClr val="accent1"/>
+          </a:lnRef>
+          <a:fillRef idx="0">
+            <a:schemeClr val="accent1"/>
+          </a:fillRef>
+          <a:effectRef idx="0">
+            <a:schemeClr val="accent1"/>
+          </a:effectRef>
+          <a:fontRef idx="minor">
+            <a:schemeClr val="tx1"/>
+          </a:fontRef>
+        </p:style>
+        <p:txBody>
+          <a:bodyPr rtlCol="0" anchor="ctr"/>
+          <a:lstStyle/>
+          <a:p>
+            <a:pPr algn="ctr"/>
+            <a:endParaRPr kumimoji="1" lang="ja-JP" altLang="en-US"/>
+          </a:p>
+        </p:txBody>
+      </p:sp>
+      <p:sp>
+        <p:nvSpPr>
+          <p:cNvPr id="3" name="四角形: 角を丸くする 2">
+            <a:extLst>
+              <a:ext uri="{FF2B5EF4-FFF2-40B4-BE49-F238E27FC236}">
+                <a16:creationId xmlns:a16="http://schemas.microsoft.com/office/drawing/2014/main" id="{CBBD2796-356B-1EF8-3F96-1F0B4A192C5D}"/>
+              </a:ext>
+            </a:extLst>
+          </p:cNvPr>
+          <p:cNvSpPr/>
+          <p:nvPr/>
+        </p:nvSpPr>
+        <p:spPr>
+          <a:xfrm>
+            <a:off x="276185" y="959337"/>
+            <a:ext cx="5819815" cy="1376486"/>
+          </a:xfrm>
+          <a:prstGeom prst="roundRect">
+            <a:avLst>
+              <a:gd name="adj" fmla="val 10356"/>
+            </a:avLst>
+          </a:prstGeom>
+          <a:solidFill>
+            <a:schemeClr val="tx1">
+              <a:lumMod val="75000"/>
+              <a:lumOff val="25000"/>
+            </a:schemeClr>
+          </a:solidFill>
+        </p:spPr>
+        <p:style>
+          <a:lnRef idx="2">
+            <a:schemeClr val="accent1">
+              <a:shade val="50000"/>
+            </a:schemeClr>
+          </a:lnRef>
+          <a:fillRef idx="1">
+            <a:schemeClr val="accent1"/>
+          </a:fillRef>
+          <a:effectRef idx="0">
+            <a:schemeClr val="accent1"/>
+          </a:effectRef>
+          <a:fontRef idx="minor">
+            <a:schemeClr val="lt1"/>
+          </a:fontRef>
+        </p:style>
+        <p:txBody>
+          <a:bodyPr rtlCol="0" anchor="ctr"/>
+          <a:lstStyle/>
+          <a:p>
+            <a:r>
+              <a:rPr kumimoji="1" lang="ja-JP" altLang="en-US" b="1" dirty="0"/>
+              <a:t>リモートリポジトリで管理している内容を</a:t>
+            </a:r>
+            <a:br>
+              <a:rPr kumimoji="1" lang="en-US" altLang="ja-JP" b="1" dirty="0"/>
+            </a:br>
+            <a:r>
+              <a:rPr kumimoji="1" lang="ja-JP" altLang="en-US" b="1" dirty="0"/>
+              <a:t>ローカルリポジトリに複製することができる。</a:t>
+            </a:r>
+            <a:endParaRPr kumimoji="1" lang="en-US" altLang="ja-JP" b="1" dirty="0"/>
+          </a:p>
+          <a:p>
+            <a:r>
+              <a:rPr kumimoji="1" lang="ja-JP" altLang="en-US" b="1" dirty="0"/>
+              <a:t>この際、ローカルリポジトリにリモートリポジトリで</a:t>
+            </a:r>
+            <a:br>
+              <a:rPr kumimoji="1" lang="en-US" altLang="ja-JP" b="1" dirty="0"/>
+            </a:br>
+            <a:r>
+              <a:rPr kumimoji="1" lang="ja-JP" altLang="en-US" b="1" dirty="0"/>
+              <a:t>管理されていた変更履歴なども含めて複製される。</a:t>
+            </a:r>
+          </a:p>
+        </p:txBody>
+      </p:sp>
+      <p:sp>
+        <p:nvSpPr>
+          <p:cNvPr id="5" name="テキスト ボックス 4">
+            <a:extLst>
+              <a:ext uri="{FF2B5EF4-FFF2-40B4-BE49-F238E27FC236}">
+                <a16:creationId xmlns:a16="http://schemas.microsoft.com/office/drawing/2014/main" id="{2939E87C-15E8-B828-7BF5-56ACE5E39E42}"/>
+              </a:ext>
+            </a:extLst>
+          </p:cNvPr>
+          <p:cNvSpPr txBox="1"/>
+          <p:nvPr/>
+        </p:nvSpPr>
+        <p:spPr>
+          <a:xfrm>
+            <a:off x="276185" y="2974260"/>
+            <a:ext cx="6204372" cy="369332"/>
+          </a:xfrm>
+          <a:prstGeom prst="rect">
+            <a:avLst/>
+          </a:prstGeom>
+          <a:noFill/>
+        </p:spPr>
+        <p:txBody>
+          <a:bodyPr wrap="square">
+            <a:spAutoFit/>
+          </a:bodyPr>
+          <a:lstStyle/>
+          <a:p>
+            <a:r>
+              <a:rPr lang="ja-JP" altLang="en-US" dirty="0"/>
+              <a:t>https://and-ha.com/coding/beginners-guide-basics-git/</a:t>
+            </a:r>
+          </a:p>
+        </p:txBody>
+      </p:sp>
+    </p:spTree>
+    <p:extLst>
+      <p:ext uri="{BB962C8B-B14F-4D97-AF65-F5344CB8AC3E}">
+        <p14:creationId xmlns:p14="http://schemas.microsoft.com/office/powerpoint/2010/main" val="149715903"/>
       </p:ext>
     </p:extLst>
   </p:cSld>

--- a/Git基本操作一覧.pptx
+++ b/Git基本操作一覧.pptx
@@ -5,14 +5,15 @@
     <p:sldMasterId id="2147483648" r:id="rId1"/>
   </p:sldMasterIdLst>
   <p:sldIdLst>
-    <p:sldId id="258" r:id="rId2"/>
-    <p:sldId id="257" r:id="rId3"/>
-    <p:sldId id="259" r:id="rId4"/>
-    <p:sldId id="260" r:id="rId5"/>
-    <p:sldId id="261" r:id="rId6"/>
-    <p:sldId id="262" r:id="rId7"/>
-    <p:sldId id="263" r:id="rId8"/>
-    <p:sldId id="264" r:id="rId9"/>
+    <p:sldId id="259" r:id="rId2"/>
+    <p:sldId id="258" r:id="rId3"/>
+    <p:sldId id="257" r:id="rId4"/>
+    <p:sldId id="265" r:id="rId5"/>
+    <p:sldId id="260" r:id="rId6"/>
+    <p:sldId id="261" r:id="rId7"/>
+    <p:sldId id="262" r:id="rId8"/>
+    <p:sldId id="263" r:id="rId9"/>
+    <p:sldId id="264" r:id="rId10"/>
   </p:sldIdLst>
   <p:sldSz cx="12192000" cy="6858000"/>
   <p:notesSz cx="6858000" cy="9144000"/>
@@ -266,7 +267,7 @@
           <a:p>
             <a:fld id="{73F562B0-7FEB-4C09-9C36-E014658D6CCC}" type="datetimeFigureOut">
               <a:rPr kumimoji="1" lang="ja-JP" altLang="en-US" smtClean="0"/>
-              <a:t>2023/5/15</a:t>
+              <a:t>2023/5/31</a:t>
             </a:fld>
             <a:endParaRPr kumimoji="1" lang="ja-JP" altLang="en-US"/>
           </a:p>
@@ -496,7 +497,7 @@
           <a:p>
             <a:fld id="{73F562B0-7FEB-4C09-9C36-E014658D6CCC}" type="datetimeFigureOut">
               <a:rPr kumimoji="1" lang="ja-JP" altLang="en-US" smtClean="0"/>
-              <a:t>2023/5/15</a:t>
+              <a:t>2023/5/31</a:t>
             </a:fld>
             <a:endParaRPr kumimoji="1" lang="ja-JP" altLang="en-US"/>
           </a:p>
@@ -736,7 +737,7 @@
           <a:p>
             <a:fld id="{73F562B0-7FEB-4C09-9C36-E014658D6CCC}" type="datetimeFigureOut">
               <a:rPr kumimoji="1" lang="ja-JP" altLang="en-US" smtClean="0"/>
-              <a:t>2023/5/15</a:t>
+              <a:t>2023/5/31</a:t>
             </a:fld>
             <a:endParaRPr kumimoji="1" lang="ja-JP" altLang="en-US"/>
           </a:p>
@@ -966,7 +967,7 @@
           <a:p>
             <a:fld id="{73F562B0-7FEB-4C09-9C36-E014658D6CCC}" type="datetimeFigureOut">
               <a:rPr kumimoji="1" lang="ja-JP" altLang="en-US" smtClean="0"/>
-              <a:t>2023/5/15</a:t>
+              <a:t>2023/5/31</a:t>
             </a:fld>
             <a:endParaRPr kumimoji="1" lang="ja-JP" altLang="en-US"/>
           </a:p>
@@ -1241,7 +1242,7 @@
           <a:p>
             <a:fld id="{73F562B0-7FEB-4C09-9C36-E014658D6CCC}" type="datetimeFigureOut">
               <a:rPr kumimoji="1" lang="ja-JP" altLang="en-US" smtClean="0"/>
-              <a:t>2023/5/15</a:t>
+              <a:t>2023/5/31</a:t>
             </a:fld>
             <a:endParaRPr kumimoji="1" lang="ja-JP" altLang="en-US"/>
           </a:p>
@@ -1570,7 +1571,7 @@
           <a:p>
             <a:fld id="{73F562B0-7FEB-4C09-9C36-E014658D6CCC}" type="datetimeFigureOut">
               <a:rPr kumimoji="1" lang="ja-JP" altLang="en-US" smtClean="0"/>
-              <a:t>2023/5/15</a:t>
+              <a:t>2023/5/31</a:t>
             </a:fld>
             <a:endParaRPr kumimoji="1" lang="ja-JP" altLang="en-US"/>
           </a:p>
@@ -2046,7 +2047,7 @@
           <a:p>
             <a:fld id="{73F562B0-7FEB-4C09-9C36-E014658D6CCC}" type="datetimeFigureOut">
               <a:rPr kumimoji="1" lang="ja-JP" altLang="en-US" smtClean="0"/>
-              <a:t>2023/5/15</a:t>
+              <a:t>2023/5/31</a:t>
             </a:fld>
             <a:endParaRPr kumimoji="1" lang="ja-JP" altLang="en-US"/>
           </a:p>
@@ -2187,7 +2188,7 @@
           <a:p>
             <a:fld id="{73F562B0-7FEB-4C09-9C36-E014658D6CCC}" type="datetimeFigureOut">
               <a:rPr kumimoji="1" lang="ja-JP" altLang="en-US" smtClean="0"/>
-              <a:t>2023/5/15</a:t>
+              <a:t>2023/5/31</a:t>
             </a:fld>
             <a:endParaRPr kumimoji="1" lang="ja-JP" altLang="en-US"/>
           </a:p>
@@ -2300,7 +2301,7 @@
           <a:p>
             <a:fld id="{73F562B0-7FEB-4C09-9C36-E014658D6CCC}" type="datetimeFigureOut">
               <a:rPr kumimoji="1" lang="ja-JP" altLang="en-US" smtClean="0"/>
-              <a:t>2023/5/15</a:t>
+              <a:t>2023/5/31</a:t>
             </a:fld>
             <a:endParaRPr kumimoji="1" lang="ja-JP" altLang="en-US"/>
           </a:p>
@@ -2643,7 +2644,7 @@
           <a:p>
             <a:fld id="{73F562B0-7FEB-4C09-9C36-E014658D6CCC}" type="datetimeFigureOut">
               <a:rPr kumimoji="1" lang="ja-JP" altLang="en-US" smtClean="0"/>
-              <a:t>2023/5/15</a:t>
+              <a:t>2023/5/31</a:t>
             </a:fld>
             <a:endParaRPr kumimoji="1" lang="ja-JP" altLang="en-US"/>
           </a:p>
@@ -2931,7 +2932,7 @@
           <a:p>
             <a:fld id="{73F562B0-7FEB-4C09-9C36-E014658D6CCC}" type="datetimeFigureOut">
               <a:rPr kumimoji="1" lang="ja-JP" altLang="en-US" smtClean="0"/>
-              <a:t>2023/5/15</a:t>
+              <a:t>2023/5/31</a:t>
             </a:fld>
             <a:endParaRPr kumimoji="1" lang="ja-JP" altLang="en-US"/>
           </a:p>
@@ -3204,7 +3205,7 @@
           <a:p>
             <a:fld id="{73F562B0-7FEB-4C09-9C36-E014658D6CCC}" type="datetimeFigureOut">
               <a:rPr kumimoji="1" lang="ja-JP" altLang="en-US" smtClean="0"/>
-              <a:t>2023/5/15</a:t>
+              <a:t>2023/5/31</a:t>
             </a:fld>
             <a:endParaRPr kumimoji="1" lang="ja-JP" altLang="en-US"/>
           </a:p>
@@ -3605,6 +3606,1714 @@
 </file>
 
 <file path=ppt/slides/slide1.xml><?xml version="1.0" encoding="utf-8"?>
+<p:sld xmlns:a="http://schemas.openxmlformats.org/drawingml/2006/main" xmlns:r="http://schemas.openxmlformats.org/officeDocument/2006/relationships" xmlns:p="http://schemas.openxmlformats.org/presentationml/2006/main">
+  <p:cSld>
+    <p:spTree>
+      <p:nvGrpSpPr>
+        <p:cNvPr id="1" name=""/>
+        <p:cNvGrpSpPr/>
+        <p:nvPr/>
+      </p:nvGrpSpPr>
+      <p:grpSpPr>
+        <a:xfrm>
+          <a:off x="0" y="0"/>
+          <a:ext cx="0" cy="0"/>
+          <a:chOff x="0" y="0"/>
+          <a:chExt cx="0" cy="0"/>
+        </a:xfrm>
+      </p:grpSpPr>
+      <p:sp>
+        <p:nvSpPr>
+          <p:cNvPr id="2" name="タイトル 1">
+            <a:extLst>
+              <a:ext uri="{FF2B5EF4-FFF2-40B4-BE49-F238E27FC236}">
+                <a16:creationId xmlns:a16="http://schemas.microsoft.com/office/drawing/2014/main" id="{58D75F96-88C9-948D-DDBA-7B583F1789BB}"/>
+              </a:ext>
+            </a:extLst>
+          </p:cNvPr>
+          <p:cNvSpPr>
+            <a:spLocks noGrp="1"/>
+          </p:cNvSpPr>
+          <p:nvPr>
+            <p:ph type="title"/>
+          </p:nvPr>
+        </p:nvSpPr>
+        <p:spPr>
+          <a:xfrm>
+            <a:off x="0" y="0"/>
+            <a:ext cx="12192000" cy="681037"/>
+          </a:xfrm>
+          <a:solidFill>
+            <a:srgbClr val="3333FF"/>
+          </a:solidFill>
+        </p:spPr>
+        <p:txBody>
+          <a:bodyPr numCol="2">
+            <a:normAutofit fontScale="90000"/>
+          </a:bodyPr>
+          <a:lstStyle/>
+          <a:p>
+            <a:r>
+              <a:rPr kumimoji="1" lang="en-US" altLang="ja-JP" dirty="0" err="1">
+                <a:solidFill>
+                  <a:schemeClr val="bg1"/>
+                </a:solidFill>
+                <a:latin typeface="Meiryo UI" panose="020B0604030504040204" pitchFamily="50" charset="-128"/>
+                <a:ea typeface="Meiryo UI" panose="020B0604030504040204" pitchFamily="50" charset="-128"/>
+              </a:rPr>
+              <a:t>TortoiseGit</a:t>
+            </a:r>
+            <a:r>
+              <a:rPr kumimoji="1" lang="ja-JP" altLang="en-US" dirty="0">
+                <a:solidFill>
+                  <a:schemeClr val="bg1"/>
+                </a:solidFill>
+                <a:latin typeface="Meiryo UI" panose="020B0604030504040204" pitchFamily="50" charset="-128"/>
+                <a:ea typeface="Meiryo UI" panose="020B0604030504040204" pitchFamily="50" charset="-128"/>
+              </a:rPr>
+              <a:t>について</a:t>
+            </a:r>
+          </a:p>
+        </p:txBody>
+      </p:sp>
+      <p:sp>
+        <p:nvSpPr>
+          <p:cNvPr id="31" name="四角形: 角を丸くする 30">
+            <a:extLst>
+              <a:ext uri="{FF2B5EF4-FFF2-40B4-BE49-F238E27FC236}">
+                <a16:creationId xmlns:a16="http://schemas.microsoft.com/office/drawing/2014/main" id="{3F6A4779-9B59-8F92-3403-5FCB0B74D657}"/>
+              </a:ext>
+            </a:extLst>
+          </p:cNvPr>
+          <p:cNvSpPr/>
+          <p:nvPr/>
+        </p:nvSpPr>
+        <p:spPr>
+          <a:xfrm>
+            <a:off x="136443" y="850321"/>
+            <a:ext cx="9898206" cy="2534147"/>
+          </a:xfrm>
+          <a:prstGeom prst="roundRect">
+            <a:avLst>
+              <a:gd name="adj" fmla="val 5288"/>
+            </a:avLst>
+          </a:prstGeom>
+          <a:solidFill>
+            <a:schemeClr val="bg1">
+              <a:lumMod val="95000"/>
+            </a:schemeClr>
+          </a:solidFill>
+        </p:spPr>
+        <p:style>
+          <a:lnRef idx="2">
+            <a:schemeClr val="accent1">
+              <a:shade val="50000"/>
+            </a:schemeClr>
+          </a:lnRef>
+          <a:fillRef idx="1">
+            <a:schemeClr val="accent1"/>
+          </a:fillRef>
+          <a:effectRef idx="0">
+            <a:schemeClr val="accent1"/>
+          </a:effectRef>
+          <a:fontRef idx="minor">
+            <a:schemeClr val="lt1"/>
+          </a:fontRef>
+        </p:style>
+        <p:txBody>
+          <a:bodyPr rtlCol="0" anchor="ctr"/>
+          <a:lstStyle/>
+          <a:p>
+            <a:r>
+              <a:rPr lang="ja-JP" altLang="en-US" sz="1600" b="1" dirty="0">
+                <a:solidFill>
+                  <a:schemeClr val="tx1"/>
+                </a:solidFill>
+              </a:rPr>
+              <a:t>■概要</a:t>
+            </a:r>
+            <a:endParaRPr lang="en-US" altLang="ja-JP" sz="1600" b="1" dirty="0">
+              <a:solidFill>
+                <a:schemeClr val="tx1"/>
+              </a:solidFill>
+            </a:endParaRPr>
+          </a:p>
+          <a:p>
+            <a:r>
+              <a:rPr lang="en-US" altLang="ja-JP" sz="1600" b="1" dirty="0">
+                <a:solidFill>
+                  <a:schemeClr val="tx1"/>
+                </a:solidFill>
+              </a:rPr>
+              <a:t>   </a:t>
+            </a:r>
+            <a:r>
+              <a:rPr lang="en-US" altLang="ja-JP" sz="1600" b="1" dirty="0" err="1">
+                <a:solidFill>
+                  <a:schemeClr val="tx1"/>
+                </a:solidFill>
+              </a:rPr>
+              <a:t>TortoiseGit</a:t>
+            </a:r>
+            <a:r>
+              <a:rPr lang="ja-JP" altLang="en-US" sz="1600" b="1" dirty="0">
+                <a:solidFill>
+                  <a:schemeClr val="tx1"/>
+                </a:solidFill>
+              </a:rPr>
+              <a:t>とは</a:t>
+            </a:r>
+            <a:r>
+              <a:rPr lang="en-US" altLang="ja-JP" sz="1600" b="1" dirty="0">
+                <a:solidFill>
+                  <a:schemeClr val="tx1"/>
+                </a:solidFill>
+              </a:rPr>
+              <a:t>Git</a:t>
+            </a:r>
+            <a:r>
+              <a:rPr lang="ja-JP" altLang="en-US" sz="1600" b="1" dirty="0">
+                <a:solidFill>
+                  <a:schemeClr val="tx1"/>
+                </a:solidFill>
+              </a:rPr>
+              <a:t>を</a:t>
+            </a:r>
+            <a:r>
+              <a:rPr lang="en-US" altLang="ja-JP" sz="1600" b="1" dirty="0">
+                <a:solidFill>
+                  <a:schemeClr val="tx1"/>
+                </a:solidFill>
+              </a:rPr>
+              <a:t>GUI</a:t>
+            </a:r>
+            <a:r>
+              <a:rPr lang="ja-JP" altLang="en-US" sz="1600" b="1" dirty="0">
+                <a:solidFill>
+                  <a:schemeClr val="tx1"/>
+                </a:solidFill>
+              </a:rPr>
+              <a:t>ベースで操作するためのソフトウェアになります。</a:t>
+            </a:r>
+            <a:endParaRPr lang="en-US" altLang="ja-JP" sz="1600" b="1" dirty="0">
+              <a:solidFill>
+                <a:schemeClr val="tx1"/>
+              </a:solidFill>
+            </a:endParaRPr>
+          </a:p>
+          <a:p>
+            <a:r>
+              <a:rPr lang="en-US" altLang="ja-JP" sz="1600" b="1" dirty="0">
+                <a:solidFill>
+                  <a:schemeClr val="tx1"/>
+                </a:solidFill>
+              </a:rPr>
+              <a:t>   </a:t>
+            </a:r>
+            <a:r>
+              <a:rPr lang="en-US" altLang="ja-JP" sz="1600" b="1" dirty="0" err="1">
+                <a:solidFill>
+                  <a:schemeClr val="tx1"/>
+                </a:solidFill>
+              </a:rPr>
+              <a:t>TortoiseGit</a:t>
+            </a:r>
+            <a:r>
+              <a:rPr lang="ja-JP" altLang="en-US" sz="1600" b="1" dirty="0">
+                <a:solidFill>
+                  <a:schemeClr val="tx1"/>
+                </a:solidFill>
+              </a:rPr>
+              <a:t>はインストールすると</a:t>
+            </a:r>
+            <a:r>
+              <a:rPr lang="en-US" altLang="ja-JP" sz="1600" b="1" dirty="0">
+                <a:solidFill>
+                  <a:schemeClr val="tx1"/>
+                </a:solidFill>
+              </a:rPr>
+              <a:t>Windows</a:t>
+            </a:r>
+            <a:r>
+              <a:rPr lang="ja-JP" altLang="en-US" sz="1600" b="1" dirty="0">
+                <a:solidFill>
+                  <a:schemeClr val="tx1"/>
+                </a:solidFill>
+              </a:rPr>
+              <a:t>のエクスプローラーにアドオンされ</a:t>
+            </a:r>
+            <a:endParaRPr lang="en-US" altLang="ja-JP" sz="1600" b="1" dirty="0">
+              <a:solidFill>
+                <a:schemeClr val="tx1"/>
+              </a:solidFill>
+            </a:endParaRPr>
+          </a:p>
+          <a:p>
+            <a:r>
+              <a:rPr lang="en-US" altLang="ja-JP" sz="1600" b="1" dirty="0">
+                <a:solidFill>
+                  <a:schemeClr val="tx1"/>
+                </a:solidFill>
+              </a:rPr>
+              <a:t>   </a:t>
+            </a:r>
+            <a:r>
+              <a:rPr lang="ja-JP" altLang="en-US" sz="1600" b="1" dirty="0">
+                <a:solidFill>
+                  <a:schemeClr val="tx1"/>
+                </a:solidFill>
+              </a:rPr>
+              <a:t>エクスプローラー上で右クリックすることで機能を利用することができます。</a:t>
+            </a:r>
+            <a:endParaRPr lang="en-US" altLang="ja-JP" sz="1600" b="1" dirty="0">
+              <a:solidFill>
+                <a:schemeClr val="tx1"/>
+              </a:solidFill>
+            </a:endParaRPr>
+          </a:p>
+          <a:p>
+            <a:r>
+              <a:rPr lang="ja-JP" altLang="en-US" sz="1600" b="1" dirty="0">
+                <a:solidFill>
+                  <a:schemeClr val="tx1"/>
+                </a:solidFill>
+              </a:rPr>
+              <a:t>■機能</a:t>
+            </a:r>
+            <a:endParaRPr lang="en-US" altLang="ja-JP" sz="1600" b="1" dirty="0">
+              <a:solidFill>
+                <a:schemeClr val="tx1"/>
+              </a:solidFill>
+            </a:endParaRPr>
+          </a:p>
+          <a:p>
+            <a:r>
+              <a:rPr lang="ja-JP" altLang="en-US" sz="1600" b="1" dirty="0">
+                <a:solidFill>
+                  <a:schemeClr val="tx1"/>
+                </a:solidFill>
+              </a:rPr>
+              <a:t>　① </a:t>
+            </a:r>
+            <a:r>
+              <a:rPr lang="en-US" altLang="ja-JP" sz="1600" b="1" dirty="0">
+                <a:solidFill>
+                  <a:schemeClr val="tx1"/>
+                </a:solidFill>
+              </a:rPr>
+              <a:t>Git</a:t>
+            </a:r>
+            <a:r>
+              <a:rPr lang="ja-JP" altLang="en-US" sz="1600" b="1" dirty="0">
+                <a:solidFill>
+                  <a:schemeClr val="tx1"/>
+                </a:solidFill>
+              </a:rPr>
+              <a:t>基本コマンドなしで操作できる。</a:t>
+            </a:r>
+            <a:endParaRPr lang="en-US" altLang="ja-JP" sz="1600" b="1" dirty="0">
+              <a:solidFill>
+                <a:schemeClr val="tx1"/>
+              </a:solidFill>
+            </a:endParaRPr>
+          </a:p>
+          <a:p>
+            <a:r>
+              <a:rPr lang="ja-JP" altLang="en-US" sz="1600" b="1" dirty="0">
+                <a:solidFill>
+                  <a:schemeClr val="tx1"/>
+                </a:solidFill>
+              </a:rPr>
+              <a:t>　②リポジトリで管理されているドキュメント・ソースを</a:t>
+            </a:r>
+            <a:r>
+              <a:rPr lang="en-US" altLang="ja-JP" sz="1600" b="1" dirty="0">
+                <a:solidFill>
+                  <a:schemeClr val="tx1"/>
+                </a:solidFill>
+              </a:rPr>
+              <a:t>GUI</a:t>
+            </a:r>
+            <a:r>
+              <a:rPr lang="ja-JP" altLang="en-US" sz="1600" b="1" dirty="0">
+                <a:solidFill>
+                  <a:schemeClr val="tx1"/>
+                </a:solidFill>
+              </a:rPr>
+              <a:t>上で確認できる。</a:t>
+            </a:r>
+            <a:endParaRPr lang="en-US" altLang="ja-JP" sz="1600" b="1" dirty="0">
+              <a:solidFill>
+                <a:schemeClr val="tx1"/>
+              </a:solidFill>
+            </a:endParaRPr>
+          </a:p>
+          <a:p>
+            <a:r>
+              <a:rPr lang="ja-JP" altLang="en-US" sz="1600" b="1" dirty="0">
+                <a:solidFill>
+                  <a:schemeClr val="tx1"/>
+                </a:solidFill>
+              </a:rPr>
+              <a:t>　③履歴を</a:t>
+            </a:r>
+            <a:r>
+              <a:rPr lang="en-US" altLang="ja-JP" sz="1600" b="1" dirty="0">
+                <a:solidFill>
+                  <a:schemeClr val="tx1"/>
+                </a:solidFill>
+              </a:rPr>
+              <a:t>GUI</a:t>
+            </a:r>
+            <a:r>
+              <a:rPr lang="ja-JP" altLang="en-US" sz="1600" b="1" dirty="0">
+                <a:solidFill>
+                  <a:schemeClr val="tx1"/>
+                </a:solidFill>
+              </a:rPr>
+              <a:t>上で確認できる。</a:t>
+            </a:r>
+            <a:endParaRPr lang="en-US" altLang="ja-JP" sz="1600" b="1" dirty="0">
+              <a:solidFill>
+                <a:schemeClr val="tx1"/>
+              </a:solidFill>
+            </a:endParaRPr>
+          </a:p>
+          <a:p>
+            <a:r>
+              <a:rPr lang="ja-JP" altLang="en-US" sz="1600" b="1" dirty="0">
+                <a:solidFill>
+                  <a:schemeClr val="tx1"/>
+                </a:solidFill>
+              </a:rPr>
+              <a:t>　　</a:t>
+            </a:r>
+            <a:r>
+              <a:rPr lang="en-US" altLang="ja-JP" sz="1600" b="1" dirty="0">
+                <a:solidFill>
+                  <a:schemeClr val="tx1"/>
+                </a:solidFill>
+              </a:rPr>
+              <a:t>※</a:t>
+            </a:r>
+            <a:r>
+              <a:rPr lang="ja-JP" altLang="en-US" sz="1600" b="1" dirty="0">
+                <a:solidFill>
+                  <a:schemeClr val="tx1"/>
+                </a:solidFill>
+              </a:rPr>
+              <a:t>変更があったファイルと変更内容の差分も確認できる。</a:t>
+            </a:r>
+            <a:r>
+              <a:rPr lang="en-US" altLang="ja-JP" sz="1600" b="1" dirty="0">
+                <a:solidFill>
+                  <a:schemeClr val="tx1"/>
+                </a:solidFill>
+              </a:rPr>
+              <a:t>(</a:t>
+            </a:r>
+            <a:r>
+              <a:rPr lang="ja-JP" altLang="en-US" sz="1600" b="1" dirty="0">
+                <a:solidFill>
+                  <a:schemeClr val="tx1"/>
+                </a:solidFill>
+              </a:rPr>
+              <a:t>ただし差分はテキストファイルに限る</a:t>
+            </a:r>
+            <a:r>
+              <a:rPr lang="en-US" altLang="ja-JP" sz="1600" b="1" dirty="0">
+                <a:solidFill>
+                  <a:schemeClr val="tx1"/>
+                </a:solidFill>
+              </a:rPr>
+              <a:t>)</a:t>
+            </a:r>
+          </a:p>
+          <a:p>
+            <a:r>
+              <a:rPr lang="ja-JP" altLang="en-US" sz="1600" b="1" dirty="0">
+                <a:solidFill>
+                  <a:schemeClr val="tx1"/>
+                </a:solidFill>
+              </a:rPr>
+              <a:t>　など</a:t>
+            </a:r>
+            <a:r>
+              <a:rPr lang="en-US" altLang="ja-JP" sz="1600" b="1" dirty="0">
+                <a:solidFill>
+                  <a:schemeClr val="tx1"/>
+                </a:solidFill>
+              </a:rPr>
+              <a:t>...</a:t>
+            </a:r>
+          </a:p>
+        </p:txBody>
+      </p:sp>
+      <p:pic>
+        <p:nvPicPr>
+          <p:cNvPr id="11" name="図 10">
+            <a:extLst>
+              <a:ext uri="{FF2B5EF4-FFF2-40B4-BE49-F238E27FC236}">
+                <a16:creationId xmlns:a16="http://schemas.microsoft.com/office/drawing/2014/main" id="{3511CA45-9C9C-9831-F5D4-713E5E06FF23}"/>
+              </a:ext>
+            </a:extLst>
+          </p:cNvPr>
+          <p:cNvPicPr>
+            <a:picLocks noChangeAspect="1"/>
+          </p:cNvPicPr>
+          <p:nvPr/>
+        </p:nvPicPr>
+        <p:blipFill>
+          <a:blip r:embed="rId2"/>
+          <a:stretch>
+            <a:fillRect/>
+          </a:stretch>
+        </p:blipFill>
+        <p:spPr>
+          <a:xfrm>
+            <a:off x="639983" y="3910939"/>
+            <a:ext cx="2093172" cy="2741267"/>
+          </a:xfrm>
+          <a:prstGeom prst="rect">
+            <a:avLst/>
+          </a:prstGeom>
+        </p:spPr>
+      </p:pic>
+      <p:pic>
+        <p:nvPicPr>
+          <p:cNvPr id="18" name="図 17">
+            <a:extLst>
+              <a:ext uri="{FF2B5EF4-FFF2-40B4-BE49-F238E27FC236}">
+                <a16:creationId xmlns:a16="http://schemas.microsoft.com/office/drawing/2014/main" id="{3CBE70FA-BD6B-F0B8-D2BE-8C3301546AE0}"/>
+              </a:ext>
+            </a:extLst>
+          </p:cNvPr>
+          <p:cNvPicPr>
+            <a:picLocks noChangeAspect="1"/>
+          </p:cNvPicPr>
+          <p:nvPr/>
+        </p:nvPicPr>
+        <p:blipFill>
+          <a:blip r:embed="rId3"/>
+          <a:stretch>
+            <a:fillRect/>
+          </a:stretch>
+        </p:blipFill>
+        <p:spPr>
+          <a:xfrm>
+            <a:off x="3820060" y="4043521"/>
+            <a:ext cx="3614936" cy="2608684"/>
+          </a:xfrm>
+          <a:prstGeom prst="rect">
+            <a:avLst/>
+          </a:prstGeom>
+        </p:spPr>
+      </p:pic>
+      <p:pic>
+        <p:nvPicPr>
+          <p:cNvPr id="28" name="図 27">
+            <a:extLst>
+              <a:ext uri="{FF2B5EF4-FFF2-40B4-BE49-F238E27FC236}">
+                <a16:creationId xmlns:a16="http://schemas.microsoft.com/office/drawing/2014/main" id="{8C3E6FF6-55F0-1C3C-8CCA-2D01704012BD}"/>
+              </a:ext>
+            </a:extLst>
+          </p:cNvPr>
+          <p:cNvPicPr>
+            <a:picLocks noChangeAspect="1"/>
+          </p:cNvPicPr>
+          <p:nvPr/>
+        </p:nvPicPr>
+        <p:blipFill>
+          <a:blip r:embed="rId4"/>
+          <a:stretch>
+            <a:fillRect/>
+          </a:stretch>
+        </p:blipFill>
+        <p:spPr>
+          <a:xfrm>
+            <a:off x="7896291" y="3986249"/>
+            <a:ext cx="3222973" cy="2654082"/>
+          </a:xfrm>
+          <a:prstGeom prst="rect">
+            <a:avLst/>
+          </a:prstGeom>
+        </p:spPr>
+      </p:pic>
+      <p:pic>
+        <p:nvPicPr>
+          <p:cNvPr id="37" name="図 36">
+            <a:extLst>
+              <a:ext uri="{FF2B5EF4-FFF2-40B4-BE49-F238E27FC236}">
+                <a16:creationId xmlns:a16="http://schemas.microsoft.com/office/drawing/2014/main" id="{F048A598-8D43-0D14-2F04-66FA327E9C94}"/>
+              </a:ext>
+            </a:extLst>
+          </p:cNvPr>
+          <p:cNvPicPr>
+            <a:picLocks noChangeAspect="1"/>
+          </p:cNvPicPr>
+          <p:nvPr/>
+        </p:nvPicPr>
+        <p:blipFill>
+          <a:blip r:embed="rId5"/>
+          <a:stretch>
+            <a:fillRect/>
+          </a:stretch>
+        </p:blipFill>
+        <p:spPr>
+          <a:xfrm>
+            <a:off x="10197315" y="988146"/>
+            <a:ext cx="1721553" cy="1423732"/>
+          </a:xfrm>
+          <a:prstGeom prst="rect">
+            <a:avLst/>
+          </a:prstGeom>
+        </p:spPr>
+      </p:pic>
+      <p:sp>
+        <p:nvSpPr>
+          <p:cNvPr id="38" name="四角形: 角を丸くする 37">
+            <a:extLst>
+              <a:ext uri="{FF2B5EF4-FFF2-40B4-BE49-F238E27FC236}">
+                <a16:creationId xmlns:a16="http://schemas.microsoft.com/office/drawing/2014/main" id="{24951797-7CA6-488C-0CF6-01E0CB133D02}"/>
+              </a:ext>
+            </a:extLst>
+          </p:cNvPr>
+          <p:cNvSpPr/>
+          <p:nvPr/>
+        </p:nvSpPr>
+        <p:spPr>
+          <a:xfrm>
+            <a:off x="136443" y="3481449"/>
+            <a:ext cx="3333009" cy="403760"/>
+          </a:xfrm>
+          <a:prstGeom prst="roundRect">
+            <a:avLst>
+              <a:gd name="adj" fmla="val 5288"/>
+            </a:avLst>
+          </a:prstGeom>
+          <a:solidFill>
+            <a:srgbClr val="0000CC"/>
+          </a:solidFill>
+          <a:ln>
+            <a:solidFill>
+              <a:schemeClr val="tx1">
+                <a:lumMod val="50000"/>
+                <a:lumOff val="50000"/>
+              </a:schemeClr>
+            </a:solidFill>
+          </a:ln>
+        </p:spPr>
+        <p:style>
+          <a:lnRef idx="2">
+            <a:schemeClr val="accent1">
+              <a:shade val="50000"/>
+            </a:schemeClr>
+          </a:lnRef>
+          <a:fillRef idx="1">
+            <a:schemeClr val="accent1"/>
+          </a:fillRef>
+          <a:effectRef idx="0">
+            <a:schemeClr val="accent1"/>
+          </a:effectRef>
+          <a:fontRef idx="minor">
+            <a:schemeClr val="lt1"/>
+          </a:fontRef>
+        </p:style>
+        <p:txBody>
+          <a:bodyPr rtlCol="0" anchor="ctr"/>
+          <a:lstStyle/>
+          <a:p>
+            <a:r>
+              <a:rPr lang="ja-JP" altLang="en-US" sz="1600" b="1" dirty="0">
+                <a:solidFill>
+                  <a:schemeClr val="bg1"/>
+                </a:solidFill>
+              </a:rPr>
+              <a:t>①</a:t>
+            </a:r>
+            <a:r>
+              <a:rPr lang="en-US" altLang="ja-JP" sz="1600" b="1" dirty="0">
+                <a:solidFill>
+                  <a:schemeClr val="bg1"/>
+                </a:solidFill>
+              </a:rPr>
+              <a:t>Git</a:t>
+            </a:r>
+            <a:r>
+              <a:rPr lang="ja-JP" altLang="en-US" sz="1600" b="1" dirty="0">
+                <a:solidFill>
+                  <a:schemeClr val="bg1"/>
+                </a:solidFill>
+              </a:rPr>
+              <a:t>基本コマンドなしで操作可能</a:t>
+            </a:r>
+            <a:endParaRPr lang="en-US" altLang="ja-JP" sz="1600" b="1" dirty="0">
+              <a:solidFill>
+                <a:schemeClr val="bg1"/>
+              </a:solidFill>
+            </a:endParaRPr>
+          </a:p>
+        </p:txBody>
+      </p:sp>
+      <p:sp>
+        <p:nvSpPr>
+          <p:cNvPr id="39" name="四角形: 角を丸くする 38">
+            <a:extLst>
+              <a:ext uri="{FF2B5EF4-FFF2-40B4-BE49-F238E27FC236}">
+                <a16:creationId xmlns:a16="http://schemas.microsoft.com/office/drawing/2014/main" id="{D60BACB3-AB70-3EE6-1C16-FFD187A1EBD9}"/>
+              </a:ext>
+            </a:extLst>
+          </p:cNvPr>
+          <p:cNvSpPr/>
+          <p:nvPr/>
+        </p:nvSpPr>
+        <p:spPr>
+          <a:xfrm>
+            <a:off x="136443" y="3485152"/>
+            <a:ext cx="3333009" cy="3294424"/>
+          </a:xfrm>
+          <a:prstGeom prst="roundRect">
+            <a:avLst>
+              <a:gd name="adj" fmla="val 482"/>
+            </a:avLst>
+          </a:prstGeom>
+          <a:noFill/>
+          <a:ln>
+            <a:solidFill>
+              <a:schemeClr val="tx1">
+                <a:lumMod val="50000"/>
+                <a:lumOff val="50000"/>
+              </a:schemeClr>
+            </a:solidFill>
+          </a:ln>
+        </p:spPr>
+        <p:style>
+          <a:lnRef idx="2">
+            <a:schemeClr val="accent1">
+              <a:shade val="50000"/>
+            </a:schemeClr>
+          </a:lnRef>
+          <a:fillRef idx="1">
+            <a:schemeClr val="accent1"/>
+          </a:fillRef>
+          <a:effectRef idx="0">
+            <a:schemeClr val="accent1"/>
+          </a:effectRef>
+          <a:fontRef idx="minor">
+            <a:schemeClr val="lt1"/>
+          </a:fontRef>
+        </p:style>
+        <p:txBody>
+          <a:bodyPr rtlCol="0" anchor="ctr"/>
+          <a:lstStyle/>
+          <a:p>
+            <a:endParaRPr lang="en-US" altLang="ja-JP" sz="1600" b="1" dirty="0">
+              <a:solidFill>
+                <a:schemeClr val="bg1"/>
+              </a:solidFill>
+            </a:endParaRPr>
+          </a:p>
+        </p:txBody>
+      </p:sp>
+      <p:sp>
+        <p:nvSpPr>
+          <p:cNvPr id="40" name="四角形: 角を丸くする 39">
+            <a:extLst>
+              <a:ext uri="{FF2B5EF4-FFF2-40B4-BE49-F238E27FC236}">
+                <a16:creationId xmlns:a16="http://schemas.microsoft.com/office/drawing/2014/main" id="{68A54785-1239-CCA1-4253-407BCA2164D6}"/>
+              </a:ext>
+            </a:extLst>
+          </p:cNvPr>
+          <p:cNvSpPr/>
+          <p:nvPr/>
+        </p:nvSpPr>
+        <p:spPr>
+          <a:xfrm>
+            <a:off x="668853" y="4754088"/>
+            <a:ext cx="1199531" cy="154380"/>
+          </a:xfrm>
+          <a:prstGeom prst="roundRect">
+            <a:avLst>
+              <a:gd name="adj" fmla="val 482"/>
+            </a:avLst>
+          </a:prstGeom>
+          <a:noFill/>
+          <a:ln w="19050">
+            <a:solidFill>
+              <a:srgbClr val="FF5050"/>
+            </a:solidFill>
+          </a:ln>
+        </p:spPr>
+        <p:style>
+          <a:lnRef idx="2">
+            <a:schemeClr val="accent1">
+              <a:shade val="50000"/>
+            </a:schemeClr>
+          </a:lnRef>
+          <a:fillRef idx="1">
+            <a:schemeClr val="accent1"/>
+          </a:fillRef>
+          <a:effectRef idx="0">
+            <a:schemeClr val="accent1"/>
+          </a:effectRef>
+          <a:fontRef idx="minor">
+            <a:schemeClr val="lt1"/>
+          </a:fontRef>
+        </p:style>
+        <p:txBody>
+          <a:bodyPr rtlCol="0" anchor="ctr"/>
+          <a:lstStyle/>
+          <a:p>
+            <a:endParaRPr lang="en-US" altLang="ja-JP" sz="1600" b="1" dirty="0">
+              <a:solidFill>
+                <a:schemeClr val="bg1"/>
+              </a:solidFill>
+            </a:endParaRPr>
+          </a:p>
+        </p:txBody>
+      </p:sp>
+      <p:sp>
+        <p:nvSpPr>
+          <p:cNvPr id="41" name="四角形: 角を丸くする 40">
+            <a:extLst>
+              <a:ext uri="{FF2B5EF4-FFF2-40B4-BE49-F238E27FC236}">
+                <a16:creationId xmlns:a16="http://schemas.microsoft.com/office/drawing/2014/main" id="{DEB45C5A-A317-08C0-4096-FCF9D9DF2C7F}"/>
+              </a:ext>
+            </a:extLst>
+          </p:cNvPr>
+          <p:cNvSpPr/>
+          <p:nvPr/>
+        </p:nvSpPr>
+        <p:spPr>
+          <a:xfrm>
+            <a:off x="1874050" y="4756066"/>
+            <a:ext cx="859105" cy="1896139"/>
+          </a:xfrm>
+          <a:prstGeom prst="roundRect">
+            <a:avLst>
+              <a:gd name="adj" fmla="val 482"/>
+            </a:avLst>
+          </a:prstGeom>
+          <a:noFill/>
+          <a:ln w="19050">
+            <a:solidFill>
+              <a:srgbClr val="FF5050"/>
+            </a:solidFill>
+          </a:ln>
+        </p:spPr>
+        <p:style>
+          <a:lnRef idx="2">
+            <a:schemeClr val="accent1">
+              <a:shade val="50000"/>
+            </a:schemeClr>
+          </a:lnRef>
+          <a:fillRef idx="1">
+            <a:schemeClr val="accent1"/>
+          </a:fillRef>
+          <a:effectRef idx="0">
+            <a:schemeClr val="accent1"/>
+          </a:effectRef>
+          <a:fontRef idx="minor">
+            <a:schemeClr val="lt1"/>
+          </a:fontRef>
+        </p:style>
+        <p:txBody>
+          <a:bodyPr rtlCol="0" anchor="ctr"/>
+          <a:lstStyle/>
+          <a:p>
+            <a:endParaRPr lang="en-US" altLang="ja-JP" sz="1600" b="1" dirty="0">
+              <a:solidFill>
+                <a:schemeClr val="bg1"/>
+              </a:solidFill>
+            </a:endParaRPr>
+          </a:p>
+        </p:txBody>
+      </p:sp>
+      <p:sp>
+        <p:nvSpPr>
+          <p:cNvPr id="42" name="四角形: 角を丸くする 41">
+            <a:extLst>
+              <a:ext uri="{FF2B5EF4-FFF2-40B4-BE49-F238E27FC236}">
+                <a16:creationId xmlns:a16="http://schemas.microsoft.com/office/drawing/2014/main" id="{C533165E-2CB0-DE0E-18FD-0F3BCEB4CCBA}"/>
+              </a:ext>
+            </a:extLst>
+          </p:cNvPr>
+          <p:cNvSpPr/>
+          <p:nvPr/>
+        </p:nvSpPr>
+        <p:spPr>
+          <a:xfrm>
+            <a:off x="3685324" y="3481449"/>
+            <a:ext cx="3828868" cy="403760"/>
+          </a:xfrm>
+          <a:prstGeom prst="roundRect">
+            <a:avLst>
+              <a:gd name="adj" fmla="val 5288"/>
+            </a:avLst>
+          </a:prstGeom>
+          <a:solidFill>
+            <a:srgbClr val="0000CC"/>
+          </a:solidFill>
+          <a:ln>
+            <a:solidFill>
+              <a:schemeClr val="tx1">
+                <a:lumMod val="50000"/>
+                <a:lumOff val="50000"/>
+              </a:schemeClr>
+            </a:solidFill>
+          </a:ln>
+        </p:spPr>
+        <p:style>
+          <a:lnRef idx="2">
+            <a:schemeClr val="accent1">
+              <a:shade val="50000"/>
+            </a:schemeClr>
+          </a:lnRef>
+          <a:fillRef idx="1">
+            <a:schemeClr val="accent1"/>
+          </a:fillRef>
+          <a:effectRef idx="0">
+            <a:schemeClr val="accent1"/>
+          </a:effectRef>
+          <a:fontRef idx="minor">
+            <a:schemeClr val="lt1"/>
+          </a:fontRef>
+        </p:style>
+        <p:txBody>
+          <a:bodyPr rtlCol="0" anchor="ctr"/>
+          <a:lstStyle/>
+          <a:p>
+            <a:r>
+              <a:rPr lang="ja-JP" altLang="en-US" sz="1600" b="1" dirty="0">
+                <a:solidFill>
+                  <a:schemeClr val="bg1"/>
+                </a:solidFill>
+              </a:rPr>
+              <a:t>②リポジトリ内のファイル参照</a:t>
+            </a:r>
+            <a:endParaRPr lang="en-US" altLang="ja-JP" sz="1600" b="1" dirty="0">
+              <a:solidFill>
+                <a:schemeClr val="bg1"/>
+              </a:solidFill>
+            </a:endParaRPr>
+          </a:p>
+        </p:txBody>
+      </p:sp>
+      <p:sp>
+        <p:nvSpPr>
+          <p:cNvPr id="43" name="四角形: 角を丸くする 42">
+            <a:extLst>
+              <a:ext uri="{FF2B5EF4-FFF2-40B4-BE49-F238E27FC236}">
+                <a16:creationId xmlns:a16="http://schemas.microsoft.com/office/drawing/2014/main" id="{17BFA3DF-55C7-860F-7937-9F8BF613B96B}"/>
+              </a:ext>
+            </a:extLst>
+          </p:cNvPr>
+          <p:cNvSpPr/>
+          <p:nvPr/>
+        </p:nvSpPr>
+        <p:spPr>
+          <a:xfrm>
+            <a:off x="3685324" y="3481449"/>
+            <a:ext cx="3828868" cy="3294424"/>
+          </a:xfrm>
+          <a:prstGeom prst="roundRect">
+            <a:avLst>
+              <a:gd name="adj" fmla="val 482"/>
+            </a:avLst>
+          </a:prstGeom>
+          <a:noFill/>
+          <a:ln>
+            <a:solidFill>
+              <a:schemeClr val="tx1">
+                <a:lumMod val="50000"/>
+                <a:lumOff val="50000"/>
+              </a:schemeClr>
+            </a:solidFill>
+          </a:ln>
+        </p:spPr>
+        <p:style>
+          <a:lnRef idx="2">
+            <a:schemeClr val="accent1">
+              <a:shade val="50000"/>
+            </a:schemeClr>
+          </a:lnRef>
+          <a:fillRef idx="1">
+            <a:schemeClr val="accent1"/>
+          </a:fillRef>
+          <a:effectRef idx="0">
+            <a:schemeClr val="accent1"/>
+          </a:effectRef>
+          <a:fontRef idx="minor">
+            <a:schemeClr val="lt1"/>
+          </a:fontRef>
+        </p:style>
+        <p:txBody>
+          <a:bodyPr rtlCol="0" anchor="ctr"/>
+          <a:lstStyle/>
+          <a:p>
+            <a:endParaRPr lang="en-US" altLang="ja-JP" sz="1600" b="1" dirty="0">
+              <a:solidFill>
+                <a:schemeClr val="bg1"/>
+              </a:solidFill>
+            </a:endParaRPr>
+          </a:p>
+        </p:txBody>
+      </p:sp>
+      <p:sp>
+        <p:nvSpPr>
+          <p:cNvPr id="44" name="四角形: 角を丸くする 43">
+            <a:extLst>
+              <a:ext uri="{FF2B5EF4-FFF2-40B4-BE49-F238E27FC236}">
+                <a16:creationId xmlns:a16="http://schemas.microsoft.com/office/drawing/2014/main" id="{92518E29-1008-ED19-4E58-A3D8368FBE22}"/>
+              </a:ext>
+            </a:extLst>
+          </p:cNvPr>
+          <p:cNvSpPr/>
+          <p:nvPr/>
+        </p:nvSpPr>
+        <p:spPr>
+          <a:xfrm>
+            <a:off x="7724906" y="3473533"/>
+            <a:ext cx="3572487" cy="403760"/>
+          </a:xfrm>
+          <a:prstGeom prst="roundRect">
+            <a:avLst>
+              <a:gd name="adj" fmla="val 5288"/>
+            </a:avLst>
+          </a:prstGeom>
+          <a:solidFill>
+            <a:srgbClr val="0000CC"/>
+          </a:solidFill>
+          <a:ln>
+            <a:solidFill>
+              <a:schemeClr val="tx1">
+                <a:lumMod val="50000"/>
+                <a:lumOff val="50000"/>
+              </a:schemeClr>
+            </a:solidFill>
+          </a:ln>
+        </p:spPr>
+        <p:style>
+          <a:lnRef idx="2">
+            <a:schemeClr val="accent1">
+              <a:shade val="50000"/>
+            </a:schemeClr>
+          </a:lnRef>
+          <a:fillRef idx="1">
+            <a:schemeClr val="accent1"/>
+          </a:fillRef>
+          <a:effectRef idx="0">
+            <a:schemeClr val="accent1"/>
+          </a:effectRef>
+          <a:fontRef idx="minor">
+            <a:schemeClr val="lt1"/>
+          </a:fontRef>
+        </p:style>
+        <p:txBody>
+          <a:bodyPr rtlCol="0" anchor="ctr"/>
+          <a:lstStyle/>
+          <a:p>
+            <a:r>
+              <a:rPr lang="ja-JP" altLang="en-US" sz="1600" b="1" dirty="0">
+                <a:solidFill>
+                  <a:schemeClr val="bg1"/>
+                </a:solidFill>
+              </a:rPr>
+              <a:t>③履歴の参照</a:t>
+            </a:r>
+            <a:endParaRPr lang="en-US" altLang="ja-JP" sz="1600" b="1" dirty="0">
+              <a:solidFill>
+                <a:schemeClr val="bg1"/>
+              </a:solidFill>
+            </a:endParaRPr>
+          </a:p>
+        </p:txBody>
+      </p:sp>
+      <p:sp>
+        <p:nvSpPr>
+          <p:cNvPr id="45" name="四角形: 角を丸くする 44">
+            <a:extLst>
+              <a:ext uri="{FF2B5EF4-FFF2-40B4-BE49-F238E27FC236}">
+                <a16:creationId xmlns:a16="http://schemas.microsoft.com/office/drawing/2014/main" id="{701D1DF3-4F95-C453-FC43-23097BD127BD}"/>
+              </a:ext>
+            </a:extLst>
+          </p:cNvPr>
+          <p:cNvSpPr/>
+          <p:nvPr/>
+        </p:nvSpPr>
+        <p:spPr>
+          <a:xfrm>
+            <a:off x="7724130" y="3473533"/>
+            <a:ext cx="3577221" cy="3294424"/>
+          </a:xfrm>
+          <a:prstGeom prst="roundRect">
+            <a:avLst>
+              <a:gd name="adj" fmla="val 482"/>
+            </a:avLst>
+          </a:prstGeom>
+          <a:noFill/>
+          <a:ln>
+            <a:solidFill>
+              <a:schemeClr val="tx1">
+                <a:lumMod val="50000"/>
+                <a:lumOff val="50000"/>
+              </a:schemeClr>
+            </a:solidFill>
+          </a:ln>
+        </p:spPr>
+        <p:style>
+          <a:lnRef idx="2">
+            <a:schemeClr val="accent1">
+              <a:shade val="50000"/>
+            </a:schemeClr>
+          </a:lnRef>
+          <a:fillRef idx="1">
+            <a:schemeClr val="accent1"/>
+          </a:fillRef>
+          <a:effectRef idx="0">
+            <a:schemeClr val="accent1"/>
+          </a:effectRef>
+          <a:fontRef idx="minor">
+            <a:schemeClr val="lt1"/>
+          </a:fontRef>
+        </p:style>
+        <p:txBody>
+          <a:bodyPr rtlCol="0" anchor="ctr"/>
+          <a:lstStyle/>
+          <a:p>
+            <a:endParaRPr lang="en-US" altLang="ja-JP" sz="1600" b="1" dirty="0">
+              <a:solidFill>
+                <a:schemeClr val="bg1"/>
+              </a:solidFill>
+            </a:endParaRPr>
+          </a:p>
+        </p:txBody>
+      </p:sp>
+      <p:sp>
+        <p:nvSpPr>
+          <p:cNvPr id="46" name="四角形: 角を丸くする 45">
+            <a:extLst>
+              <a:ext uri="{FF2B5EF4-FFF2-40B4-BE49-F238E27FC236}">
+                <a16:creationId xmlns:a16="http://schemas.microsoft.com/office/drawing/2014/main" id="{2965D58F-CE4A-6518-2E8A-D7DF55D7E51F}"/>
+              </a:ext>
+            </a:extLst>
+          </p:cNvPr>
+          <p:cNvSpPr/>
+          <p:nvPr/>
+        </p:nvSpPr>
+        <p:spPr>
+          <a:xfrm>
+            <a:off x="4492567" y="4480956"/>
+            <a:ext cx="2090330" cy="478972"/>
+          </a:xfrm>
+          <a:prstGeom prst="roundRect">
+            <a:avLst>
+              <a:gd name="adj" fmla="val 482"/>
+            </a:avLst>
+          </a:prstGeom>
+          <a:noFill/>
+          <a:ln w="19050">
+            <a:solidFill>
+              <a:srgbClr val="FF5050"/>
+            </a:solidFill>
+          </a:ln>
+        </p:spPr>
+        <p:style>
+          <a:lnRef idx="2">
+            <a:schemeClr val="accent1">
+              <a:shade val="50000"/>
+            </a:schemeClr>
+          </a:lnRef>
+          <a:fillRef idx="1">
+            <a:schemeClr val="accent1"/>
+          </a:fillRef>
+          <a:effectRef idx="0">
+            <a:schemeClr val="accent1"/>
+          </a:effectRef>
+          <a:fontRef idx="minor">
+            <a:schemeClr val="lt1"/>
+          </a:fontRef>
+        </p:style>
+        <p:txBody>
+          <a:bodyPr rtlCol="0" anchor="ctr"/>
+          <a:lstStyle/>
+          <a:p>
+            <a:endParaRPr lang="en-US" altLang="ja-JP" sz="1600" b="1" dirty="0">
+              <a:solidFill>
+                <a:schemeClr val="bg1"/>
+              </a:solidFill>
+            </a:endParaRPr>
+          </a:p>
+        </p:txBody>
+      </p:sp>
+      <p:sp>
+        <p:nvSpPr>
+          <p:cNvPr id="47" name="吹き出し: 角を丸めた四角形 46">
+            <a:extLst>
+              <a:ext uri="{FF2B5EF4-FFF2-40B4-BE49-F238E27FC236}">
+                <a16:creationId xmlns:a16="http://schemas.microsoft.com/office/drawing/2014/main" id="{B4412590-9A02-B110-5861-82E4ADAF5161}"/>
+              </a:ext>
+            </a:extLst>
+          </p:cNvPr>
+          <p:cNvSpPr/>
+          <p:nvPr/>
+        </p:nvSpPr>
+        <p:spPr>
+          <a:xfrm>
+            <a:off x="731908" y="4115140"/>
+            <a:ext cx="2638583" cy="258077"/>
+          </a:xfrm>
+          <a:prstGeom prst="wedgeRoundRectCallout">
+            <a:avLst>
+              <a:gd name="adj1" fmla="val 47592"/>
+              <a:gd name="adj2" fmla="val 31576"/>
+              <a:gd name="adj3" fmla="val 16667"/>
+            </a:avLst>
+          </a:prstGeom>
+          <a:solidFill>
+            <a:srgbClr val="FF7C80"/>
+          </a:solidFill>
+          <a:ln>
+            <a:solidFill>
+              <a:schemeClr val="tx1">
+                <a:lumMod val="50000"/>
+                <a:lumOff val="50000"/>
+              </a:schemeClr>
+            </a:solidFill>
+          </a:ln>
+        </p:spPr>
+        <p:style>
+          <a:lnRef idx="2">
+            <a:schemeClr val="accent1">
+              <a:shade val="50000"/>
+            </a:schemeClr>
+          </a:lnRef>
+          <a:fillRef idx="1">
+            <a:schemeClr val="accent1"/>
+          </a:fillRef>
+          <a:effectRef idx="0">
+            <a:schemeClr val="accent1"/>
+          </a:effectRef>
+          <a:fontRef idx="minor">
+            <a:schemeClr val="lt1"/>
+          </a:fontRef>
+        </p:style>
+        <p:txBody>
+          <a:bodyPr rtlCol="0" anchor="ctr"/>
+          <a:lstStyle/>
+          <a:p>
+            <a:pPr algn="ctr"/>
+            <a:r>
+              <a:rPr kumimoji="1" lang="en-US" altLang="ja-JP" sz="1000" b="1" dirty="0" err="1"/>
+              <a:t>TortoiseGit</a:t>
+            </a:r>
+            <a:r>
+              <a:rPr kumimoji="1" lang="ja-JP" altLang="en-US" sz="1000" b="1" dirty="0"/>
+              <a:t>の操作メニューが追加される</a:t>
+            </a:r>
+          </a:p>
+        </p:txBody>
+      </p:sp>
+      <p:sp>
+        <p:nvSpPr>
+          <p:cNvPr id="48" name="吹き出し: 角を丸めた四角形 47">
+            <a:extLst>
+              <a:ext uri="{FF2B5EF4-FFF2-40B4-BE49-F238E27FC236}">
+                <a16:creationId xmlns:a16="http://schemas.microsoft.com/office/drawing/2014/main" id="{681BA63E-6995-92C4-AE2D-10D057C6C5C4}"/>
+              </a:ext>
+            </a:extLst>
+          </p:cNvPr>
+          <p:cNvSpPr/>
+          <p:nvPr/>
+        </p:nvSpPr>
+        <p:spPr>
+          <a:xfrm>
+            <a:off x="4284509" y="5350533"/>
+            <a:ext cx="2869063" cy="258077"/>
+          </a:xfrm>
+          <a:prstGeom prst="wedgeRoundRectCallout">
+            <a:avLst>
+              <a:gd name="adj1" fmla="val 47592"/>
+              <a:gd name="adj2" fmla="val 31576"/>
+              <a:gd name="adj3" fmla="val 16667"/>
+            </a:avLst>
+          </a:prstGeom>
+          <a:solidFill>
+            <a:srgbClr val="FF7C80"/>
+          </a:solidFill>
+          <a:ln>
+            <a:solidFill>
+              <a:schemeClr val="tx1">
+                <a:lumMod val="50000"/>
+                <a:lumOff val="50000"/>
+              </a:schemeClr>
+            </a:solidFill>
+          </a:ln>
+        </p:spPr>
+        <p:style>
+          <a:lnRef idx="2">
+            <a:schemeClr val="accent1">
+              <a:shade val="50000"/>
+            </a:schemeClr>
+          </a:lnRef>
+          <a:fillRef idx="1">
+            <a:schemeClr val="accent1"/>
+          </a:fillRef>
+          <a:effectRef idx="0">
+            <a:schemeClr val="accent1"/>
+          </a:effectRef>
+          <a:fontRef idx="minor">
+            <a:schemeClr val="lt1"/>
+          </a:fontRef>
+        </p:style>
+        <p:txBody>
+          <a:bodyPr rtlCol="0" anchor="ctr"/>
+          <a:lstStyle/>
+          <a:p>
+            <a:pPr algn="ctr"/>
+            <a:r>
+              <a:rPr lang="ja-JP" altLang="en-US" sz="1000" b="1" dirty="0"/>
+              <a:t>現在のリポジトリ内のファイルが参照できる</a:t>
+            </a:r>
+            <a:endParaRPr kumimoji="1" lang="ja-JP" altLang="en-US" sz="1000" b="1" dirty="0"/>
+          </a:p>
+        </p:txBody>
+      </p:sp>
+      <p:cxnSp>
+        <p:nvCxnSpPr>
+          <p:cNvPr id="50" name="直線矢印コネクタ 49">
+            <a:extLst>
+              <a:ext uri="{FF2B5EF4-FFF2-40B4-BE49-F238E27FC236}">
+                <a16:creationId xmlns:a16="http://schemas.microsoft.com/office/drawing/2014/main" id="{098C7534-A259-2407-4242-6757476E856B}"/>
+              </a:ext>
+            </a:extLst>
+          </p:cNvPr>
+          <p:cNvCxnSpPr>
+            <a:cxnSpLocks/>
+            <a:stCxn id="47" idx="2"/>
+          </p:cNvCxnSpPr>
+          <p:nvPr/>
+        </p:nvCxnSpPr>
+        <p:spPr>
+          <a:xfrm flipH="1">
+            <a:off x="1868384" y="4373217"/>
+            <a:ext cx="182816" cy="349708"/>
+          </a:xfrm>
+          <a:prstGeom prst="straightConnector1">
+            <a:avLst/>
+          </a:prstGeom>
+          <a:ln w="38100">
+            <a:solidFill>
+              <a:srgbClr val="FF5050"/>
+            </a:solidFill>
+            <a:tailEnd type="triangle"/>
+          </a:ln>
+        </p:spPr>
+        <p:style>
+          <a:lnRef idx="1">
+            <a:schemeClr val="accent1"/>
+          </a:lnRef>
+          <a:fillRef idx="0">
+            <a:schemeClr val="accent1"/>
+          </a:fillRef>
+          <a:effectRef idx="0">
+            <a:schemeClr val="accent1"/>
+          </a:effectRef>
+          <a:fontRef idx="minor">
+            <a:schemeClr val="tx1"/>
+          </a:fontRef>
+        </p:style>
+      </p:cxnSp>
+      <p:cxnSp>
+        <p:nvCxnSpPr>
+          <p:cNvPr id="52" name="直線矢印コネクタ 51">
+            <a:extLst>
+              <a:ext uri="{FF2B5EF4-FFF2-40B4-BE49-F238E27FC236}">
+                <a16:creationId xmlns:a16="http://schemas.microsoft.com/office/drawing/2014/main" id="{9710389A-9C88-11A4-D937-42E58401E23A}"/>
+              </a:ext>
+            </a:extLst>
+          </p:cNvPr>
+          <p:cNvCxnSpPr>
+            <a:cxnSpLocks/>
+            <a:stCxn id="48" idx="0"/>
+          </p:cNvCxnSpPr>
+          <p:nvPr/>
+        </p:nvCxnSpPr>
+        <p:spPr>
+          <a:xfrm flipH="1" flipV="1">
+            <a:off x="5599758" y="4983063"/>
+            <a:ext cx="119283" cy="367470"/>
+          </a:xfrm>
+          <a:prstGeom prst="straightConnector1">
+            <a:avLst/>
+          </a:prstGeom>
+          <a:ln w="38100">
+            <a:solidFill>
+              <a:srgbClr val="FF5050"/>
+            </a:solidFill>
+            <a:tailEnd type="triangle"/>
+          </a:ln>
+        </p:spPr>
+        <p:style>
+          <a:lnRef idx="1">
+            <a:schemeClr val="accent1"/>
+          </a:lnRef>
+          <a:fillRef idx="0">
+            <a:schemeClr val="accent1"/>
+          </a:fillRef>
+          <a:effectRef idx="0">
+            <a:schemeClr val="accent1"/>
+          </a:effectRef>
+          <a:fontRef idx="minor">
+            <a:schemeClr val="tx1"/>
+          </a:fontRef>
+        </p:style>
+      </p:cxnSp>
+      <p:sp>
+        <p:nvSpPr>
+          <p:cNvPr id="60" name="四角形: 角を丸くする 59">
+            <a:extLst>
+              <a:ext uri="{FF2B5EF4-FFF2-40B4-BE49-F238E27FC236}">
+                <a16:creationId xmlns:a16="http://schemas.microsoft.com/office/drawing/2014/main" id="{CE21F2A5-AB02-4F55-E16C-8F484A8893B8}"/>
+              </a:ext>
+            </a:extLst>
+          </p:cNvPr>
+          <p:cNvSpPr/>
+          <p:nvPr/>
+        </p:nvSpPr>
+        <p:spPr>
+          <a:xfrm>
+            <a:off x="7944319" y="4275116"/>
+            <a:ext cx="1730112" cy="758672"/>
+          </a:xfrm>
+          <a:prstGeom prst="roundRect">
+            <a:avLst>
+              <a:gd name="adj" fmla="val 482"/>
+            </a:avLst>
+          </a:prstGeom>
+          <a:noFill/>
+          <a:ln w="19050">
+            <a:solidFill>
+              <a:srgbClr val="FF5050"/>
+            </a:solidFill>
+          </a:ln>
+        </p:spPr>
+        <p:style>
+          <a:lnRef idx="2">
+            <a:schemeClr val="accent1">
+              <a:shade val="50000"/>
+            </a:schemeClr>
+          </a:lnRef>
+          <a:fillRef idx="1">
+            <a:schemeClr val="accent1"/>
+          </a:fillRef>
+          <a:effectRef idx="0">
+            <a:schemeClr val="accent1"/>
+          </a:effectRef>
+          <a:fontRef idx="minor">
+            <a:schemeClr val="lt1"/>
+          </a:fontRef>
+        </p:style>
+        <p:txBody>
+          <a:bodyPr rtlCol="0" anchor="ctr"/>
+          <a:lstStyle/>
+          <a:p>
+            <a:endParaRPr lang="en-US" altLang="ja-JP" sz="1600" b="1" dirty="0">
+              <a:solidFill>
+                <a:schemeClr val="bg1"/>
+              </a:solidFill>
+            </a:endParaRPr>
+          </a:p>
+        </p:txBody>
+      </p:sp>
+      <p:sp>
+        <p:nvSpPr>
+          <p:cNvPr id="61" name="四角形: 角を丸くする 60">
+            <a:extLst>
+              <a:ext uri="{FF2B5EF4-FFF2-40B4-BE49-F238E27FC236}">
+                <a16:creationId xmlns:a16="http://schemas.microsoft.com/office/drawing/2014/main" id="{9160B95A-388C-4A81-A500-8B6C7C892C73}"/>
+              </a:ext>
+            </a:extLst>
+          </p:cNvPr>
+          <p:cNvSpPr/>
+          <p:nvPr/>
+        </p:nvSpPr>
+        <p:spPr>
+          <a:xfrm>
+            <a:off x="7938086" y="5178366"/>
+            <a:ext cx="1730112" cy="252616"/>
+          </a:xfrm>
+          <a:prstGeom prst="roundRect">
+            <a:avLst>
+              <a:gd name="adj" fmla="val 482"/>
+            </a:avLst>
+          </a:prstGeom>
+          <a:noFill/>
+          <a:ln w="19050">
+            <a:solidFill>
+              <a:srgbClr val="FF5050"/>
+            </a:solidFill>
+          </a:ln>
+        </p:spPr>
+        <p:style>
+          <a:lnRef idx="2">
+            <a:schemeClr val="accent1">
+              <a:shade val="50000"/>
+            </a:schemeClr>
+          </a:lnRef>
+          <a:fillRef idx="1">
+            <a:schemeClr val="accent1"/>
+          </a:fillRef>
+          <a:effectRef idx="0">
+            <a:schemeClr val="accent1"/>
+          </a:effectRef>
+          <a:fontRef idx="minor">
+            <a:schemeClr val="lt1"/>
+          </a:fontRef>
+        </p:style>
+        <p:txBody>
+          <a:bodyPr rtlCol="0" anchor="ctr"/>
+          <a:lstStyle/>
+          <a:p>
+            <a:endParaRPr lang="en-US" altLang="ja-JP" sz="1600" b="1" dirty="0">
+              <a:solidFill>
+                <a:schemeClr val="bg1"/>
+              </a:solidFill>
+            </a:endParaRPr>
+          </a:p>
+        </p:txBody>
+      </p:sp>
+      <p:sp>
+        <p:nvSpPr>
+          <p:cNvPr id="62" name="吹き出し: 角を丸めた四角形 61">
+            <a:extLst>
+              <a:ext uri="{FF2B5EF4-FFF2-40B4-BE49-F238E27FC236}">
+                <a16:creationId xmlns:a16="http://schemas.microsoft.com/office/drawing/2014/main" id="{896166C4-772C-B308-5564-FB7753C98507}"/>
+              </a:ext>
+            </a:extLst>
+          </p:cNvPr>
+          <p:cNvSpPr/>
+          <p:nvPr/>
+        </p:nvSpPr>
+        <p:spPr>
+          <a:xfrm>
+            <a:off x="9722459" y="4625049"/>
+            <a:ext cx="1299945" cy="258077"/>
+          </a:xfrm>
+          <a:prstGeom prst="wedgeRoundRectCallout">
+            <a:avLst>
+              <a:gd name="adj1" fmla="val 47592"/>
+              <a:gd name="adj2" fmla="val 31576"/>
+              <a:gd name="adj3" fmla="val 16667"/>
+            </a:avLst>
+          </a:prstGeom>
+          <a:solidFill>
+            <a:srgbClr val="FF7C80"/>
+          </a:solidFill>
+          <a:ln>
+            <a:solidFill>
+              <a:schemeClr val="tx1">
+                <a:lumMod val="50000"/>
+                <a:lumOff val="50000"/>
+              </a:schemeClr>
+            </a:solidFill>
+          </a:ln>
+        </p:spPr>
+        <p:style>
+          <a:lnRef idx="2">
+            <a:schemeClr val="accent1">
+              <a:shade val="50000"/>
+            </a:schemeClr>
+          </a:lnRef>
+          <a:fillRef idx="1">
+            <a:schemeClr val="accent1"/>
+          </a:fillRef>
+          <a:effectRef idx="0">
+            <a:schemeClr val="accent1"/>
+          </a:effectRef>
+          <a:fontRef idx="minor">
+            <a:schemeClr val="lt1"/>
+          </a:fontRef>
+        </p:style>
+        <p:txBody>
+          <a:bodyPr rtlCol="0" anchor="ctr"/>
+          <a:lstStyle/>
+          <a:p>
+            <a:pPr algn="ctr"/>
+            <a:r>
+              <a:rPr kumimoji="1" lang="ja-JP" altLang="en-US" sz="1000" b="1" dirty="0"/>
+              <a:t>履歴を参照できる</a:t>
+            </a:r>
+          </a:p>
+        </p:txBody>
+      </p:sp>
+      <p:sp>
+        <p:nvSpPr>
+          <p:cNvPr id="63" name="吹き出し: 角を丸めた四角形 62">
+            <a:extLst>
+              <a:ext uri="{FF2B5EF4-FFF2-40B4-BE49-F238E27FC236}">
+                <a16:creationId xmlns:a16="http://schemas.microsoft.com/office/drawing/2014/main" id="{5EECD2F5-82B3-1CFD-DFCA-CC8A5EB78B37}"/>
+              </a:ext>
+            </a:extLst>
+          </p:cNvPr>
+          <p:cNvSpPr/>
+          <p:nvPr/>
+        </p:nvSpPr>
+        <p:spPr>
+          <a:xfrm>
+            <a:off x="9019433" y="5602303"/>
+            <a:ext cx="3036124" cy="258077"/>
+          </a:xfrm>
+          <a:prstGeom prst="wedgeRoundRectCallout">
+            <a:avLst>
+              <a:gd name="adj1" fmla="val 47592"/>
+              <a:gd name="adj2" fmla="val 31576"/>
+              <a:gd name="adj3" fmla="val 16667"/>
+            </a:avLst>
+          </a:prstGeom>
+          <a:solidFill>
+            <a:srgbClr val="FF7C80"/>
+          </a:solidFill>
+          <a:ln>
+            <a:solidFill>
+              <a:schemeClr val="tx1">
+                <a:lumMod val="50000"/>
+                <a:lumOff val="50000"/>
+              </a:schemeClr>
+            </a:solidFill>
+          </a:ln>
+        </p:spPr>
+        <p:style>
+          <a:lnRef idx="2">
+            <a:schemeClr val="accent1">
+              <a:shade val="50000"/>
+            </a:schemeClr>
+          </a:lnRef>
+          <a:fillRef idx="1">
+            <a:schemeClr val="accent1"/>
+          </a:fillRef>
+          <a:effectRef idx="0">
+            <a:schemeClr val="accent1"/>
+          </a:effectRef>
+          <a:fontRef idx="minor">
+            <a:schemeClr val="lt1"/>
+          </a:fontRef>
+        </p:style>
+        <p:txBody>
+          <a:bodyPr rtlCol="0" anchor="ctr"/>
+          <a:lstStyle/>
+          <a:p>
+            <a:pPr algn="ctr"/>
+            <a:r>
+              <a:rPr kumimoji="1" lang="ja-JP" altLang="en-US" sz="1000" b="1" dirty="0"/>
+              <a:t>選択した履歴で変更されたファイルが確認できる</a:t>
+            </a:r>
+          </a:p>
+        </p:txBody>
+      </p:sp>
+      <p:cxnSp>
+        <p:nvCxnSpPr>
+          <p:cNvPr id="65" name="直線矢印コネクタ 64">
+            <a:extLst>
+              <a:ext uri="{FF2B5EF4-FFF2-40B4-BE49-F238E27FC236}">
+                <a16:creationId xmlns:a16="http://schemas.microsoft.com/office/drawing/2014/main" id="{E16BAA9E-BC85-44A2-0AD4-7E07ED2D34AE}"/>
+              </a:ext>
+            </a:extLst>
+          </p:cNvPr>
+          <p:cNvCxnSpPr>
+            <a:cxnSpLocks/>
+            <a:endCxn id="61" idx="2"/>
+          </p:cNvCxnSpPr>
+          <p:nvPr/>
+        </p:nvCxnSpPr>
+        <p:spPr>
+          <a:xfrm flipH="1" flipV="1">
+            <a:off x="8803142" y="5430982"/>
+            <a:ext cx="205330" cy="300359"/>
+          </a:xfrm>
+          <a:prstGeom prst="straightConnector1">
+            <a:avLst/>
+          </a:prstGeom>
+          <a:ln w="38100">
+            <a:solidFill>
+              <a:srgbClr val="FF5050"/>
+            </a:solidFill>
+            <a:tailEnd type="triangle"/>
+          </a:ln>
+        </p:spPr>
+        <p:style>
+          <a:lnRef idx="1">
+            <a:schemeClr val="accent1"/>
+          </a:lnRef>
+          <a:fillRef idx="0">
+            <a:schemeClr val="accent1"/>
+          </a:fillRef>
+          <a:effectRef idx="0">
+            <a:schemeClr val="accent1"/>
+          </a:effectRef>
+          <a:fontRef idx="minor">
+            <a:schemeClr val="tx1"/>
+          </a:fontRef>
+        </p:style>
+      </p:cxnSp>
+      <p:cxnSp>
+        <p:nvCxnSpPr>
+          <p:cNvPr id="68" name="直線矢印コネクタ 67">
+            <a:extLst>
+              <a:ext uri="{FF2B5EF4-FFF2-40B4-BE49-F238E27FC236}">
+                <a16:creationId xmlns:a16="http://schemas.microsoft.com/office/drawing/2014/main" id="{A77BFE2E-C69E-30E0-E2C3-CE65171CBDEF}"/>
+              </a:ext>
+            </a:extLst>
+          </p:cNvPr>
+          <p:cNvCxnSpPr>
+            <a:cxnSpLocks/>
+          </p:cNvCxnSpPr>
+          <p:nvPr/>
+        </p:nvCxnSpPr>
+        <p:spPr>
+          <a:xfrm flipH="1" flipV="1">
+            <a:off x="9357756" y="4720442"/>
+            <a:ext cx="364703" cy="33645"/>
+          </a:xfrm>
+          <a:prstGeom prst="straightConnector1">
+            <a:avLst/>
+          </a:prstGeom>
+          <a:ln w="38100">
+            <a:solidFill>
+              <a:srgbClr val="FF5050"/>
+            </a:solidFill>
+            <a:tailEnd type="triangle"/>
+          </a:ln>
+        </p:spPr>
+        <p:style>
+          <a:lnRef idx="1">
+            <a:schemeClr val="accent1"/>
+          </a:lnRef>
+          <a:fillRef idx="0">
+            <a:schemeClr val="accent1"/>
+          </a:fillRef>
+          <a:effectRef idx="0">
+            <a:schemeClr val="accent1"/>
+          </a:effectRef>
+          <a:fontRef idx="minor">
+            <a:schemeClr val="tx1"/>
+          </a:fontRef>
+        </p:style>
+      </p:cxnSp>
+    </p:spTree>
+    <p:extLst>
+      <p:ext uri="{BB962C8B-B14F-4D97-AF65-F5344CB8AC3E}">
+        <p14:creationId xmlns:p14="http://schemas.microsoft.com/office/powerpoint/2010/main" val="149715903"/>
+      </p:ext>
+    </p:extLst>
+  </p:cSld>
+  <p:clrMapOvr>
+    <a:masterClrMapping/>
+  </p:clrMapOvr>
+</p:sld>
+</file>
+
+<file path=ppt/slides/slide2.xml><?xml version="1.0" encoding="utf-8"?>
 <p:sld xmlns:a="http://schemas.openxmlformats.org/drawingml/2006/main" xmlns:r="http://schemas.openxmlformats.org/officeDocument/2006/relationships" xmlns:p="http://schemas.openxmlformats.org/presentationml/2006/main">
   <p:cSld>
     <p:spTree>
@@ -4154,7 +5863,7 @@
 </p:sld>
 </file>
 
-<file path=ppt/slides/slide2.xml><?xml version="1.0" encoding="utf-8"?>
+<file path=ppt/slides/slide3.xml><?xml version="1.0" encoding="utf-8"?>
 <p:sld xmlns:a="http://schemas.openxmlformats.org/drawingml/2006/main" xmlns:r="http://schemas.openxmlformats.org/officeDocument/2006/relationships" xmlns:p="http://schemas.openxmlformats.org/presentationml/2006/main">
   <p:cSld>
     <p:spTree>
@@ -5360,9 +7069,8 @@
             </a:avLst>
           </a:prstGeom>
           <a:solidFill>
-            <a:schemeClr val="tx1">
-              <a:lumMod val="75000"/>
-              <a:lumOff val="25000"/>
+            <a:schemeClr val="bg1">
+              <a:lumMod val="95000"/>
             </a:schemeClr>
           </a:solidFill>
         </p:spPr>
@@ -5387,35 +7095,71 @@
           <a:lstStyle/>
           <a:p>
             <a:r>
-              <a:rPr kumimoji="1" lang="ja-JP" altLang="en-US" b="1" dirty="0"/>
+              <a:rPr kumimoji="1" lang="ja-JP" altLang="en-US" b="1" dirty="0">
+                <a:solidFill>
+                  <a:schemeClr val="tx1"/>
+                </a:solidFill>
+              </a:rPr>
               <a:t>リモートリポジトリで管理している内容を</a:t>
             </a:r>
             <a:br>
-              <a:rPr kumimoji="1" lang="en-US" altLang="ja-JP" b="1" dirty="0"/>
+              <a:rPr kumimoji="1" lang="en-US" altLang="ja-JP" b="1" dirty="0">
+                <a:solidFill>
+                  <a:schemeClr val="tx1"/>
+                </a:solidFill>
+              </a:rPr>
             </a:br>
             <a:r>
-              <a:rPr kumimoji="1" lang="ja-JP" altLang="en-US" b="1" dirty="0"/>
+              <a:rPr kumimoji="1" lang="ja-JP" altLang="en-US" b="1" dirty="0">
+                <a:solidFill>
+                  <a:schemeClr val="tx1"/>
+                </a:solidFill>
+              </a:rPr>
               <a:t>ローカルリポジトリに複製することができる。</a:t>
             </a:r>
-            <a:endParaRPr kumimoji="1" lang="en-US" altLang="ja-JP" b="1" dirty="0"/>
-          </a:p>
-          <a:p>
-            <a:r>
-              <a:rPr kumimoji="1" lang="ja-JP" altLang="en-US" b="1" dirty="0"/>
+            <a:endParaRPr kumimoji="1" lang="en-US" altLang="ja-JP" b="1" dirty="0">
+              <a:solidFill>
+                <a:schemeClr val="tx1"/>
+              </a:solidFill>
+            </a:endParaRPr>
+          </a:p>
+          <a:p>
+            <a:r>
+              <a:rPr kumimoji="1" lang="ja-JP" altLang="en-US" b="1" dirty="0">
+                <a:solidFill>
+                  <a:schemeClr val="tx1"/>
+                </a:solidFill>
+              </a:rPr>
               <a:t>この際、ローカルリポジトリにリモートリポジトリで</a:t>
             </a:r>
             <a:br>
-              <a:rPr kumimoji="1" lang="en-US" altLang="ja-JP" b="1" dirty="0"/>
+              <a:rPr kumimoji="1" lang="en-US" altLang="ja-JP" b="1" dirty="0">
+                <a:solidFill>
+                  <a:schemeClr val="tx1"/>
+                </a:solidFill>
+              </a:rPr>
             </a:br>
             <a:r>
-              <a:rPr kumimoji="1" lang="ja-JP" altLang="en-US" b="1" dirty="0"/>
+              <a:rPr kumimoji="1" lang="ja-JP" altLang="en-US" b="1" dirty="0">
+                <a:solidFill>
+                  <a:schemeClr val="tx1"/>
+                </a:solidFill>
+              </a:rPr>
               <a:t>管理されていた変更履歴なども含めて複製される。</a:t>
             </a:r>
-            <a:endParaRPr kumimoji="1" lang="en-US" altLang="ja-JP" b="1" dirty="0"/>
-          </a:p>
-          <a:p>
-            <a:r>
-              <a:rPr kumimoji="1" lang="ja-JP" altLang="en-US" b="1" dirty="0"/>
+            <a:endParaRPr kumimoji="1" lang="en-US" altLang="ja-JP" b="1" dirty="0">
+              <a:solidFill>
+                <a:schemeClr val="tx1"/>
+              </a:solidFill>
+            </a:endParaRPr>
+          </a:p>
+          <a:p>
+            <a:r>
+              <a:rPr kumimoji="1" lang="ja-JP" altLang="en-US" b="1" dirty="0">
+                <a:solidFill>
+                  <a:schemeClr val="tx1"/>
+                </a:solidFill>
+              </a:rPr>
               <a:t>そのためリモートへの接続無しで過去の履歴を参照することも可能になります。</a:t>
             </a:r>
           </a:p>
@@ -5425,1903 +7169,6 @@
     <p:extLst>
       <p:ext uri="{BB962C8B-B14F-4D97-AF65-F5344CB8AC3E}">
         <p14:creationId xmlns:p14="http://schemas.microsoft.com/office/powerpoint/2010/main" val="1514893830"/>
-      </p:ext>
-    </p:extLst>
-  </p:cSld>
-  <p:clrMapOvr>
-    <a:masterClrMapping/>
-  </p:clrMapOvr>
-</p:sld>
-</file>
-
-<file path=ppt/slides/slide3.xml><?xml version="1.0" encoding="utf-8"?>
-<p:sld xmlns:a="http://schemas.openxmlformats.org/drawingml/2006/main" xmlns:r="http://schemas.openxmlformats.org/officeDocument/2006/relationships" xmlns:p="http://schemas.openxmlformats.org/presentationml/2006/main">
-  <p:cSld>
-    <p:spTree>
-      <p:nvGrpSpPr>
-        <p:cNvPr id="1" name=""/>
-        <p:cNvGrpSpPr/>
-        <p:nvPr/>
-      </p:nvGrpSpPr>
-      <p:grpSpPr>
-        <a:xfrm>
-          <a:off x="0" y="0"/>
-          <a:ext cx="0" cy="0"/>
-          <a:chOff x="0" y="0"/>
-          <a:chExt cx="0" cy="0"/>
-        </a:xfrm>
-      </p:grpSpPr>
-      <p:sp>
-        <p:nvSpPr>
-          <p:cNvPr id="35" name="四角形: 角を丸くする 34">
-            <a:extLst>
-              <a:ext uri="{FF2B5EF4-FFF2-40B4-BE49-F238E27FC236}">
-                <a16:creationId xmlns:a16="http://schemas.microsoft.com/office/drawing/2014/main" id="{882BE66D-A516-CE03-C5EB-FBDE1E951AC8}"/>
-              </a:ext>
-            </a:extLst>
-          </p:cNvPr>
-          <p:cNvSpPr/>
-          <p:nvPr/>
-        </p:nvSpPr>
-        <p:spPr>
-          <a:xfrm>
-            <a:off x="6369140" y="1788603"/>
-            <a:ext cx="5434933" cy="2086706"/>
-          </a:xfrm>
-          <a:prstGeom prst="roundRect">
-            <a:avLst>
-              <a:gd name="adj" fmla="val 4913"/>
-            </a:avLst>
-          </a:prstGeom>
-          <a:solidFill>
-            <a:schemeClr val="bg1">
-              <a:lumMod val="95000"/>
-            </a:schemeClr>
-          </a:solidFill>
-          <a:ln w="28575">
-            <a:solidFill>
-              <a:schemeClr val="tx1">
-                <a:lumMod val="65000"/>
-                <a:lumOff val="35000"/>
-              </a:schemeClr>
-            </a:solidFill>
-            <a:prstDash val="sysDot"/>
-          </a:ln>
-        </p:spPr>
-        <p:style>
-          <a:lnRef idx="2">
-            <a:schemeClr val="accent1">
-              <a:shade val="50000"/>
-            </a:schemeClr>
-          </a:lnRef>
-          <a:fillRef idx="1">
-            <a:schemeClr val="accent1"/>
-          </a:fillRef>
-          <a:effectRef idx="0">
-            <a:schemeClr val="accent1"/>
-          </a:effectRef>
-          <a:fontRef idx="minor">
-            <a:schemeClr val="lt1"/>
-          </a:fontRef>
-        </p:style>
-        <p:txBody>
-          <a:bodyPr rtlCol="0" anchor="ctr"/>
-          <a:lstStyle/>
-          <a:p>
-            <a:pPr algn="ctr"/>
-            <a:endParaRPr kumimoji="1" lang="ja-JP" altLang="en-US"/>
-          </a:p>
-        </p:txBody>
-      </p:sp>
-      <p:sp>
-        <p:nvSpPr>
-          <p:cNvPr id="33" name="四角形: 角を丸くする 32">
-            <a:extLst>
-              <a:ext uri="{FF2B5EF4-FFF2-40B4-BE49-F238E27FC236}">
-                <a16:creationId xmlns:a16="http://schemas.microsoft.com/office/drawing/2014/main" id="{B12129C8-B303-8AEB-CD36-93219D78ED30}"/>
-              </a:ext>
-            </a:extLst>
-          </p:cNvPr>
-          <p:cNvSpPr/>
-          <p:nvPr/>
-        </p:nvSpPr>
-        <p:spPr>
-          <a:xfrm>
-            <a:off x="480704" y="1801091"/>
-            <a:ext cx="4958327" cy="2097974"/>
-          </a:xfrm>
-          <a:prstGeom prst="roundRect">
-            <a:avLst>
-              <a:gd name="adj" fmla="val 4913"/>
-            </a:avLst>
-          </a:prstGeom>
-          <a:solidFill>
-            <a:schemeClr val="bg1">
-              <a:lumMod val="95000"/>
-            </a:schemeClr>
-          </a:solidFill>
-          <a:ln w="28575">
-            <a:solidFill>
-              <a:schemeClr val="tx1">
-                <a:lumMod val="65000"/>
-                <a:lumOff val="35000"/>
-              </a:schemeClr>
-            </a:solidFill>
-            <a:prstDash val="sysDot"/>
-          </a:ln>
-        </p:spPr>
-        <p:style>
-          <a:lnRef idx="2">
-            <a:schemeClr val="accent1">
-              <a:shade val="50000"/>
-            </a:schemeClr>
-          </a:lnRef>
-          <a:fillRef idx="1">
-            <a:schemeClr val="accent1"/>
-          </a:fillRef>
-          <a:effectRef idx="0">
-            <a:schemeClr val="accent1"/>
-          </a:effectRef>
-          <a:fontRef idx="minor">
-            <a:schemeClr val="lt1"/>
-          </a:fontRef>
-        </p:style>
-        <p:txBody>
-          <a:bodyPr rtlCol="0" anchor="ctr"/>
-          <a:lstStyle/>
-          <a:p>
-            <a:pPr algn="ctr"/>
-            <a:endParaRPr kumimoji="1" lang="ja-JP" altLang="en-US"/>
-          </a:p>
-        </p:txBody>
-      </p:sp>
-      <p:sp>
-        <p:nvSpPr>
-          <p:cNvPr id="2" name="タイトル 1">
-            <a:extLst>
-              <a:ext uri="{FF2B5EF4-FFF2-40B4-BE49-F238E27FC236}">
-                <a16:creationId xmlns:a16="http://schemas.microsoft.com/office/drawing/2014/main" id="{58D75F96-88C9-948D-DDBA-7B583F1789BB}"/>
-              </a:ext>
-            </a:extLst>
-          </p:cNvPr>
-          <p:cNvSpPr>
-            <a:spLocks noGrp="1"/>
-          </p:cNvSpPr>
-          <p:nvPr>
-            <p:ph type="title"/>
-          </p:nvPr>
-        </p:nvSpPr>
-        <p:spPr>
-          <a:xfrm>
-            <a:off x="0" y="0"/>
-            <a:ext cx="12192000" cy="681037"/>
-          </a:xfrm>
-          <a:solidFill>
-            <a:srgbClr val="3333FF"/>
-          </a:solidFill>
-        </p:spPr>
-        <p:txBody>
-          <a:bodyPr numCol="2">
-            <a:normAutofit fontScale="90000"/>
-          </a:bodyPr>
-          <a:lstStyle/>
-          <a:p>
-            <a:r>
-              <a:rPr lang="en-US" altLang="ja-JP" dirty="0" err="1">
-                <a:solidFill>
-                  <a:schemeClr val="bg1"/>
-                </a:solidFill>
-                <a:latin typeface="Meiryo UI" panose="020B0604030504040204" pitchFamily="50" charset="-128"/>
-                <a:ea typeface="Meiryo UI" panose="020B0604030504040204" pitchFamily="50" charset="-128"/>
-              </a:rPr>
-              <a:t>branch,</a:t>
-            </a:r>
-            <a:r>
-              <a:rPr kumimoji="1" lang="en-US" altLang="ja-JP" dirty="0" err="1">
-                <a:solidFill>
-                  <a:schemeClr val="bg1"/>
-                </a:solidFill>
-                <a:latin typeface="Meiryo UI" panose="020B0604030504040204" pitchFamily="50" charset="-128"/>
-                <a:ea typeface="Meiryo UI" panose="020B0604030504040204" pitchFamily="50" charset="-128"/>
-              </a:rPr>
-              <a:t>checkout</a:t>
-            </a:r>
-            <a:r>
-              <a:rPr kumimoji="1" lang="en-US" altLang="ja-JP" dirty="0">
-                <a:solidFill>
-                  <a:schemeClr val="bg1"/>
-                </a:solidFill>
-                <a:latin typeface="Meiryo UI" panose="020B0604030504040204" pitchFamily="50" charset="-128"/>
-                <a:ea typeface="Meiryo UI" panose="020B0604030504040204" pitchFamily="50" charset="-128"/>
-              </a:rPr>
-              <a:t> </a:t>
-            </a:r>
-            <a:r>
-              <a:rPr kumimoji="1" lang="ja-JP" altLang="en-US" dirty="0">
-                <a:solidFill>
-                  <a:schemeClr val="bg1"/>
-                </a:solidFill>
-                <a:latin typeface="Meiryo UI" panose="020B0604030504040204" pitchFamily="50" charset="-128"/>
-                <a:ea typeface="Meiryo UI" panose="020B0604030504040204" pitchFamily="50" charset="-128"/>
-              </a:rPr>
-              <a:t>とは</a:t>
-            </a:r>
-          </a:p>
-        </p:txBody>
-      </p:sp>
-      <p:sp>
-        <p:nvSpPr>
-          <p:cNvPr id="3" name="四角形: 角を丸くする 2">
-            <a:extLst>
-              <a:ext uri="{FF2B5EF4-FFF2-40B4-BE49-F238E27FC236}">
-                <a16:creationId xmlns:a16="http://schemas.microsoft.com/office/drawing/2014/main" id="{CBBD2796-356B-1EF8-3F96-1F0B4A192C5D}"/>
-              </a:ext>
-            </a:extLst>
-          </p:cNvPr>
-          <p:cNvSpPr/>
-          <p:nvPr/>
-        </p:nvSpPr>
-        <p:spPr>
-          <a:xfrm>
-            <a:off x="23747" y="749717"/>
-            <a:ext cx="5841085" cy="448183"/>
-          </a:xfrm>
-          <a:prstGeom prst="roundRect">
-            <a:avLst>
-              <a:gd name="adj" fmla="val 10356"/>
-            </a:avLst>
-          </a:prstGeom>
-          <a:solidFill>
-            <a:schemeClr val="tx1">
-              <a:lumMod val="75000"/>
-              <a:lumOff val="25000"/>
-            </a:schemeClr>
-          </a:solidFill>
-        </p:spPr>
-        <p:style>
-          <a:lnRef idx="2">
-            <a:schemeClr val="accent1">
-              <a:shade val="50000"/>
-            </a:schemeClr>
-          </a:lnRef>
-          <a:fillRef idx="1">
-            <a:schemeClr val="accent1"/>
-          </a:fillRef>
-          <a:effectRef idx="0">
-            <a:schemeClr val="accent1"/>
-          </a:effectRef>
-          <a:fontRef idx="minor">
-            <a:schemeClr val="lt1"/>
-          </a:fontRef>
-        </p:style>
-        <p:txBody>
-          <a:bodyPr rtlCol="0" anchor="ctr"/>
-          <a:lstStyle/>
-          <a:p>
-            <a:pPr algn="ctr"/>
-            <a:r>
-              <a:rPr lang="en-US" altLang="ja-JP" b="1" dirty="0"/>
-              <a:t>branch</a:t>
-            </a:r>
-          </a:p>
-        </p:txBody>
-      </p:sp>
-      <p:sp>
-        <p:nvSpPr>
-          <p:cNvPr id="4" name="フローチャート: 結合子 3">
-            <a:extLst>
-              <a:ext uri="{FF2B5EF4-FFF2-40B4-BE49-F238E27FC236}">
-                <a16:creationId xmlns:a16="http://schemas.microsoft.com/office/drawing/2014/main" id="{E15A4BBB-FFF0-5580-C06A-57C07924F71D}"/>
-              </a:ext>
-            </a:extLst>
-          </p:cNvPr>
-          <p:cNvSpPr/>
-          <p:nvPr/>
-        </p:nvSpPr>
-        <p:spPr>
-          <a:xfrm>
-            <a:off x="1982551" y="1927055"/>
-            <a:ext cx="277707" cy="286594"/>
-          </a:xfrm>
-          <a:prstGeom prst="flowChartConnector">
-            <a:avLst/>
-          </a:prstGeom>
-          <a:solidFill>
-            <a:srgbClr val="0000CC"/>
-          </a:solidFill>
-          <a:ln w="28575">
-            <a:solidFill>
-              <a:srgbClr val="3366FF"/>
-            </a:solidFill>
-          </a:ln>
-        </p:spPr>
-        <p:style>
-          <a:lnRef idx="2">
-            <a:schemeClr val="accent1">
-              <a:shade val="50000"/>
-            </a:schemeClr>
-          </a:lnRef>
-          <a:fillRef idx="1">
-            <a:schemeClr val="accent1"/>
-          </a:fillRef>
-          <a:effectRef idx="0">
-            <a:schemeClr val="accent1"/>
-          </a:effectRef>
-          <a:fontRef idx="minor">
-            <a:schemeClr val="lt1"/>
-          </a:fontRef>
-        </p:style>
-        <p:txBody>
-          <a:bodyPr rtlCol="0" anchor="ctr"/>
-          <a:lstStyle/>
-          <a:p>
-            <a:pPr algn="ctr"/>
-            <a:endParaRPr kumimoji="1" lang="ja-JP" altLang="en-US"/>
-          </a:p>
-        </p:txBody>
-      </p:sp>
-      <p:sp>
-        <p:nvSpPr>
-          <p:cNvPr id="9" name="フローチャート: 結合子 8">
-            <a:extLst>
-              <a:ext uri="{FF2B5EF4-FFF2-40B4-BE49-F238E27FC236}">
-                <a16:creationId xmlns:a16="http://schemas.microsoft.com/office/drawing/2014/main" id="{CDC9C0F5-3A06-173D-2C71-8604E3E4762E}"/>
-              </a:ext>
-            </a:extLst>
-          </p:cNvPr>
-          <p:cNvSpPr/>
-          <p:nvPr/>
-        </p:nvSpPr>
-        <p:spPr>
-          <a:xfrm>
-            <a:off x="3567482" y="1933733"/>
-            <a:ext cx="277707" cy="286594"/>
-          </a:xfrm>
-          <a:prstGeom prst="flowChartConnector">
-            <a:avLst/>
-          </a:prstGeom>
-          <a:solidFill>
-            <a:srgbClr val="0000CC"/>
-          </a:solidFill>
-          <a:ln w="28575">
-            <a:solidFill>
-              <a:srgbClr val="3366FF"/>
-            </a:solidFill>
-          </a:ln>
-        </p:spPr>
-        <p:style>
-          <a:lnRef idx="2">
-            <a:schemeClr val="accent1">
-              <a:shade val="50000"/>
-            </a:schemeClr>
-          </a:lnRef>
-          <a:fillRef idx="1">
-            <a:schemeClr val="accent1"/>
-          </a:fillRef>
-          <a:effectRef idx="0">
-            <a:schemeClr val="accent1"/>
-          </a:effectRef>
-          <a:fontRef idx="minor">
-            <a:schemeClr val="lt1"/>
-          </a:fontRef>
-        </p:style>
-        <p:txBody>
-          <a:bodyPr rtlCol="0" anchor="ctr"/>
-          <a:lstStyle/>
-          <a:p>
-            <a:pPr algn="ctr"/>
-            <a:endParaRPr kumimoji="1" lang="ja-JP" altLang="en-US"/>
-          </a:p>
-        </p:txBody>
-      </p:sp>
-      <p:sp>
-        <p:nvSpPr>
-          <p:cNvPr id="13" name="フローチャート: 結合子 12">
-            <a:extLst>
-              <a:ext uri="{FF2B5EF4-FFF2-40B4-BE49-F238E27FC236}">
-                <a16:creationId xmlns:a16="http://schemas.microsoft.com/office/drawing/2014/main" id="{6854EC5E-DFCC-92BD-53D4-198F0E025F66}"/>
-              </a:ext>
-            </a:extLst>
-          </p:cNvPr>
-          <p:cNvSpPr/>
-          <p:nvPr/>
-        </p:nvSpPr>
-        <p:spPr>
-          <a:xfrm>
-            <a:off x="3567481" y="2702602"/>
-            <a:ext cx="277707" cy="286594"/>
-          </a:xfrm>
-          <a:prstGeom prst="flowChartConnector">
-            <a:avLst/>
-          </a:prstGeom>
-          <a:solidFill>
-            <a:srgbClr val="FF5050"/>
-          </a:solidFill>
-          <a:ln w="28575">
-            <a:solidFill>
-              <a:srgbClr val="FF9999"/>
-            </a:solidFill>
-          </a:ln>
-        </p:spPr>
-        <p:style>
-          <a:lnRef idx="2">
-            <a:schemeClr val="accent1">
-              <a:shade val="50000"/>
-            </a:schemeClr>
-          </a:lnRef>
-          <a:fillRef idx="1">
-            <a:schemeClr val="accent1"/>
-          </a:fillRef>
-          <a:effectRef idx="0">
-            <a:schemeClr val="accent1"/>
-          </a:effectRef>
-          <a:fontRef idx="minor">
-            <a:schemeClr val="lt1"/>
-          </a:fontRef>
-        </p:style>
-        <p:txBody>
-          <a:bodyPr rtlCol="0" anchor="ctr"/>
-          <a:lstStyle/>
-          <a:p>
-            <a:pPr algn="ctr"/>
-            <a:endParaRPr kumimoji="1" lang="ja-JP" altLang="en-US"/>
-          </a:p>
-        </p:txBody>
-      </p:sp>
-      <p:sp>
-        <p:nvSpPr>
-          <p:cNvPr id="24" name="四角形: 角を丸くする 23">
-            <a:extLst>
-              <a:ext uri="{FF2B5EF4-FFF2-40B4-BE49-F238E27FC236}">
-                <a16:creationId xmlns:a16="http://schemas.microsoft.com/office/drawing/2014/main" id="{BCC090B4-5FDB-CB8C-C978-E75BF2EDD25F}"/>
-              </a:ext>
-            </a:extLst>
-          </p:cNvPr>
-          <p:cNvSpPr/>
-          <p:nvPr/>
-        </p:nvSpPr>
-        <p:spPr>
-          <a:xfrm>
-            <a:off x="945859" y="1936896"/>
-            <a:ext cx="849244" cy="283431"/>
-          </a:xfrm>
-          <a:prstGeom prst="roundRect">
-            <a:avLst>
-              <a:gd name="adj" fmla="val 10356"/>
-            </a:avLst>
-          </a:prstGeom>
-          <a:solidFill>
-            <a:srgbClr val="0000CC"/>
-          </a:solidFill>
-        </p:spPr>
-        <p:style>
-          <a:lnRef idx="2">
-            <a:schemeClr val="accent1">
-              <a:shade val="50000"/>
-            </a:schemeClr>
-          </a:lnRef>
-          <a:fillRef idx="1">
-            <a:schemeClr val="accent1"/>
-          </a:fillRef>
-          <a:effectRef idx="0">
-            <a:schemeClr val="accent1"/>
-          </a:effectRef>
-          <a:fontRef idx="minor">
-            <a:schemeClr val="lt1"/>
-          </a:fontRef>
-        </p:style>
-        <p:txBody>
-          <a:bodyPr rtlCol="0" anchor="ctr"/>
-          <a:lstStyle/>
-          <a:p>
-            <a:r>
-              <a:rPr lang="en-US" altLang="ja-JP" sz="1400" b="1" dirty="0"/>
-              <a:t>master</a:t>
-            </a:r>
-          </a:p>
-        </p:txBody>
-      </p:sp>
-      <p:sp>
-        <p:nvSpPr>
-          <p:cNvPr id="25" name="四角形: 角を丸くする 24">
-            <a:extLst>
-              <a:ext uri="{FF2B5EF4-FFF2-40B4-BE49-F238E27FC236}">
-                <a16:creationId xmlns:a16="http://schemas.microsoft.com/office/drawing/2014/main" id="{2102596F-2577-358F-EEC8-D07D0460170A}"/>
-              </a:ext>
-            </a:extLst>
-          </p:cNvPr>
-          <p:cNvSpPr/>
-          <p:nvPr/>
-        </p:nvSpPr>
-        <p:spPr>
-          <a:xfrm>
-            <a:off x="2001926" y="2704413"/>
-            <a:ext cx="911944" cy="286594"/>
-          </a:xfrm>
-          <a:prstGeom prst="roundRect">
-            <a:avLst>
-              <a:gd name="adj" fmla="val 10356"/>
-            </a:avLst>
-          </a:prstGeom>
-          <a:solidFill>
-            <a:srgbClr val="FF5050"/>
-          </a:solidFill>
-          <a:ln>
-            <a:solidFill>
-              <a:srgbClr val="FF9999"/>
-            </a:solidFill>
-          </a:ln>
-        </p:spPr>
-        <p:style>
-          <a:lnRef idx="2">
-            <a:schemeClr val="accent1">
-              <a:shade val="50000"/>
-            </a:schemeClr>
-          </a:lnRef>
-          <a:fillRef idx="1">
-            <a:schemeClr val="accent1"/>
-          </a:fillRef>
-          <a:effectRef idx="0">
-            <a:schemeClr val="accent1"/>
-          </a:effectRef>
-          <a:fontRef idx="minor">
-            <a:schemeClr val="lt1"/>
-          </a:fontRef>
-        </p:style>
-        <p:txBody>
-          <a:bodyPr rtlCol="0" anchor="ctr"/>
-          <a:lstStyle/>
-          <a:p>
-            <a:r>
-              <a:rPr lang="en-US" altLang="ja-JP" sz="1400" b="1" dirty="0"/>
-              <a:t>develop</a:t>
-            </a:r>
-          </a:p>
-        </p:txBody>
-      </p:sp>
-      <p:cxnSp>
-        <p:nvCxnSpPr>
-          <p:cNvPr id="6" name="直線矢印コネクタ 5">
-            <a:extLst>
-              <a:ext uri="{FF2B5EF4-FFF2-40B4-BE49-F238E27FC236}">
-                <a16:creationId xmlns:a16="http://schemas.microsoft.com/office/drawing/2014/main" id="{73E45737-6EB0-FCA6-D50B-3A5C8EA65153}"/>
-              </a:ext>
-            </a:extLst>
-          </p:cNvPr>
-          <p:cNvCxnSpPr>
-            <a:cxnSpLocks/>
-            <a:stCxn id="4" idx="6"/>
-            <a:endCxn id="13" idx="2"/>
-          </p:cNvCxnSpPr>
-          <p:nvPr/>
-        </p:nvCxnSpPr>
-        <p:spPr>
-          <a:xfrm>
-            <a:off x="2260258" y="2070352"/>
-            <a:ext cx="1307223" cy="775547"/>
-          </a:xfrm>
-          <a:prstGeom prst="straightConnector1">
-            <a:avLst/>
-          </a:prstGeom>
-          <a:ln w="38100">
-            <a:solidFill>
-              <a:srgbClr val="FF5050"/>
-            </a:solidFill>
-            <a:prstDash val="sysDot"/>
-            <a:tailEnd type="triangle"/>
-          </a:ln>
-        </p:spPr>
-        <p:style>
-          <a:lnRef idx="1">
-            <a:schemeClr val="accent1"/>
-          </a:lnRef>
-          <a:fillRef idx="0">
-            <a:schemeClr val="accent1"/>
-          </a:fillRef>
-          <a:effectRef idx="0">
-            <a:schemeClr val="accent1"/>
-          </a:effectRef>
-          <a:fontRef idx="minor">
-            <a:schemeClr val="tx1"/>
-          </a:fontRef>
-        </p:style>
-      </p:cxnSp>
-      <p:cxnSp>
-        <p:nvCxnSpPr>
-          <p:cNvPr id="10" name="直線矢印コネクタ 9">
-            <a:extLst>
-              <a:ext uri="{FF2B5EF4-FFF2-40B4-BE49-F238E27FC236}">
-                <a16:creationId xmlns:a16="http://schemas.microsoft.com/office/drawing/2014/main" id="{77759274-C681-9635-940C-35F4EF5F1F85}"/>
-              </a:ext>
-            </a:extLst>
-          </p:cNvPr>
-          <p:cNvCxnSpPr>
-            <a:cxnSpLocks/>
-            <a:stCxn id="4" idx="6"/>
-            <a:endCxn id="9" idx="2"/>
-          </p:cNvCxnSpPr>
-          <p:nvPr/>
-        </p:nvCxnSpPr>
-        <p:spPr>
-          <a:xfrm>
-            <a:off x="2260258" y="2070352"/>
-            <a:ext cx="1307224" cy="6678"/>
-          </a:xfrm>
-          <a:prstGeom prst="straightConnector1">
-            <a:avLst/>
-          </a:prstGeom>
-          <a:ln w="38100">
-            <a:solidFill>
-              <a:schemeClr val="tx1">
-                <a:lumMod val="65000"/>
-                <a:lumOff val="35000"/>
-              </a:schemeClr>
-            </a:solidFill>
-            <a:tailEnd type="triangle"/>
-          </a:ln>
-        </p:spPr>
-        <p:style>
-          <a:lnRef idx="1">
-            <a:schemeClr val="accent1"/>
-          </a:lnRef>
-          <a:fillRef idx="0">
-            <a:schemeClr val="accent1"/>
-          </a:fillRef>
-          <a:effectRef idx="0">
-            <a:schemeClr val="accent1"/>
-          </a:effectRef>
-          <a:fontRef idx="minor">
-            <a:schemeClr val="tx1"/>
-          </a:fontRef>
-        </p:style>
-      </p:cxnSp>
-      <p:sp>
-        <p:nvSpPr>
-          <p:cNvPr id="14" name="フローチャート: 結合子 13">
-            <a:extLst>
-              <a:ext uri="{FF2B5EF4-FFF2-40B4-BE49-F238E27FC236}">
-                <a16:creationId xmlns:a16="http://schemas.microsoft.com/office/drawing/2014/main" id="{C9A9BBC3-735D-067F-5972-AABC740A2EE9}"/>
-              </a:ext>
-            </a:extLst>
-          </p:cNvPr>
-          <p:cNvSpPr/>
-          <p:nvPr/>
-        </p:nvSpPr>
-        <p:spPr>
-          <a:xfrm>
-            <a:off x="7763861" y="1883507"/>
-            <a:ext cx="277707" cy="286594"/>
-          </a:xfrm>
-          <a:prstGeom prst="flowChartConnector">
-            <a:avLst/>
-          </a:prstGeom>
-          <a:solidFill>
-            <a:srgbClr val="0000CC"/>
-          </a:solidFill>
-          <a:ln w="28575">
-            <a:solidFill>
-              <a:srgbClr val="3366FF"/>
-            </a:solidFill>
-          </a:ln>
-        </p:spPr>
-        <p:style>
-          <a:lnRef idx="2">
-            <a:schemeClr val="accent1">
-              <a:shade val="50000"/>
-            </a:schemeClr>
-          </a:lnRef>
-          <a:fillRef idx="1">
-            <a:schemeClr val="accent1"/>
-          </a:fillRef>
-          <a:effectRef idx="0">
-            <a:schemeClr val="accent1"/>
-          </a:effectRef>
-          <a:fontRef idx="minor">
-            <a:schemeClr val="lt1"/>
-          </a:fontRef>
-        </p:style>
-        <p:txBody>
-          <a:bodyPr rtlCol="0" anchor="ctr"/>
-          <a:lstStyle/>
-          <a:p>
-            <a:pPr algn="ctr"/>
-            <a:endParaRPr kumimoji="1" lang="ja-JP" altLang="en-US"/>
-          </a:p>
-        </p:txBody>
-      </p:sp>
-      <p:sp>
-        <p:nvSpPr>
-          <p:cNvPr id="15" name="フローチャート: 結合子 14">
-            <a:extLst>
-              <a:ext uri="{FF2B5EF4-FFF2-40B4-BE49-F238E27FC236}">
-                <a16:creationId xmlns:a16="http://schemas.microsoft.com/office/drawing/2014/main" id="{02C3169B-1A19-1EA5-E620-222313E241F2}"/>
-              </a:ext>
-            </a:extLst>
-          </p:cNvPr>
-          <p:cNvSpPr/>
-          <p:nvPr/>
-        </p:nvSpPr>
-        <p:spPr>
-          <a:xfrm>
-            <a:off x="9348792" y="1890185"/>
-            <a:ext cx="277707" cy="286594"/>
-          </a:xfrm>
-          <a:prstGeom prst="flowChartConnector">
-            <a:avLst/>
-          </a:prstGeom>
-          <a:solidFill>
-            <a:srgbClr val="0000CC"/>
-          </a:solidFill>
-          <a:ln w="28575">
-            <a:solidFill>
-              <a:srgbClr val="3366FF"/>
-            </a:solidFill>
-          </a:ln>
-        </p:spPr>
-        <p:style>
-          <a:lnRef idx="2">
-            <a:schemeClr val="accent1">
-              <a:shade val="50000"/>
-            </a:schemeClr>
-          </a:lnRef>
-          <a:fillRef idx="1">
-            <a:schemeClr val="accent1"/>
-          </a:fillRef>
-          <a:effectRef idx="0">
-            <a:schemeClr val="accent1"/>
-          </a:effectRef>
-          <a:fontRef idx="minor">
-            <a:schemeClr val="lt1"/>
-          </a:fontRef>
-        </p:style>
-        <p:txBody>
-          <a:bodyPr rtlCol="0" anchor="ctr"/>
-          <a:lstStyle/>
-          <a:p>
-            <a:pPr algn="ctr"/>
-            <a:endParaRPr kumimoji="1" lang="ja-JP" altLang="en-US"/>
-          </a:p>
-        </p:txBody>
-      </p:sp>
-      <p:sp>
-        <p:nvSpPr>
-          <p:cNvPr id="16" name="フローチャート: 結合子 15">
-            <a:extLst>
-              <a:ext uri="{FF2B5EF4-FFF2-40B4-BE49-F238E27FC236}">
-                <a16:creationId xmlns:a16="http://schemas.microsoft.com/office/drawing/2014/main" id="{25FB137B-3B28-2EE0-176F-F306D374666B}"/>
-              </a:ext>
-            </a:extLst>
-          </p:cNvPr>
-          <p:cNvSpPr/>
-          <p:nvPr/>
-        </p:nvSpPr>
-        <p:spPr>
-          <a:xfrm>
-            <a:off x="9348791" y="2659054"/>
-            <a:ext cx="277707" cy="286594"/>
-          </a:xfrm>
-          <a:prstGeom prst="flowChartConnector">
-            <a:avLst/>
-          </a:prstGeom>
-          <a:solidFill>
-            <a:srgbClr val="FF5050"/>
-          </a:solidFill>
-          <a:ln w="28575">
-            <a:solidFill>
-              <a:srgbClr val="FF9999"/>
-            </a:solidFill>
-          </a:ln>
-        </p:spPr>
-        <p:style>
-          <a:lnRef idx="2">
-            <a:schemeClr val="accent1">
-              <a:shade val="50000"/>
-            </a:schemeClr>
-          </a:lnRef>
-          <a:fillRef idx="1">
-            <a:schemeClr val="accent1"/>
-          </a:fillRef>
-          <a:effectRef idx="0">
-            <a:schemeClr val="accent1"/>
-          </a:effectRef>
-          <a:fontRef idx="minor">
-            <a:schemeClr val="lt1"/>
-          </a:fontRef>
-        </p:style>
-        <p:txBody>
-          <a:bodyPr rtlCol="0" anchor="ctr"/>
-          <a:lstStyle/>
-          <a:p>
-            <a:pPr algn="ctr"/>
-            <a:endParaRPr kumimoji="1" lang="ja-JP" altLang="en-US"/>
-          </a:p>
-        </p:txBody>
-      </p:sp>
-      <p:sp>
-        <p:nvSpPr>
-          <p:cNvPr id="17" name="四角形: 角を丸くする 16">
-            <a:extLst>
-              <a:ext uri="{FF2B5EF4-FFF2-40B4-BE49-F238E27FC236}">
-                <a16:creationId xmlns:a16="http://schemas.microsoft.com/office/drawing/2014/main" id="{90C487E3-A74D-AA92-145B-BE8433FC549A}"/>
-              </a:ext>
-            </a:extLst>
-          </p:cNvPr>
-          <p:cNvSpPr/>
-          <p:nvPr/>
-        </p:nvSpPr>
-        <p:spPr>
-          <a:xfrm>
-            <a:off x="6725556" y="1887278"/>
-            <a:ext cx="860324" cy="279051"/>
-          </a:xfrm>
-          <a:prstGeom prst="roundRect">
-            <a:avLst>
-              <a:gd name="adj" fmla="val 10356"/>
-            </a:avLst>
-          </a:prstGeom>
-          <a:solidFill>
-            <a:srgbClr val="0000CC"/>
-          </a:solidFill>
-        </p:spPr>
-        <p:style>
-          <a:lnRef idx="2">
-            <a:schemeClr val="accent1">
-              <a:shade val="50000"/>
-            </a:schemeClr>
-          </a:lnRef>
-          <a:fillRef idx="1">
-            <a:schemeClr val="accent1"/>
-          </a:fillRef>
-          <a:effectRef idx="0">
-            <a:schemeClr val="accent1"/>
-          </a:effectRef>
-          <a:fontRef idx="minor">
-            <a:schemeClr val="lt1"/>
-          </a:fontRef>
-        </p:style>
-        <p:txBody>
-          <a:bodyPr rtlCol="0" anchor="ctr"/>
-          <a:lstStyle/>
-          <a:p>
-            <a:r>
-              <a:rPr lang="en-US" altLang="ja-JP" sz="1400" b="1" dirty="0"/>
-              <a:t>master</a:t>
-            </a:r>
-          </a:p>
-        </p:txBody>
-      </p:sp>
-      <p:sp>
-        <p:nvSpPr>
-          <p:cNvPr id="19" name="四角形: 角を丸くする 18">
-            <a:extLst>
-              <a:ext uri="{FF2B5EF4-FFF2-40B4-BE49-F238E27FC236}">
-                <a16:creationId xmlns:a16="http://schemas.microsoft.com/office/drawing/2014/main" id="{F6BFB5F6-735B-55F8-27D3-58782E3A2E0E}"/>
-              </a:ext>
-            </a:extLst>
-          </p:cNvPr>
-          <p:cNvSpPr/>
-          <p:nvPr/>
-        </p:nvSpPr>
-        <p:spPr>
-          <a:xfrm>
-            <a:off x="7954822" y="2696266"/>
-            <a:ext cx="894125" cy="249382"/>
-          </a:xfrm>
-          <a:prstGeom prst="roundRect">
-            <a:avLst>
-              <a:gd name="adj" fmla="val 10356"/>
-            </a:avLst>
-          </a:prstGeom>
-          <a:solidFill>
-            <a:srgbClr val="FF5050"/>
-          </a:solidFill>
-          <a:ln>
-            <a:solidFill>
-              <a:srgbClr val="FF9999"/>
-            </a:solidFill>
-          </a:ln>
-        </p:spPr>
-        <p:style>
-          <a:lnRef idx="2">
-            <a:schemeClr val="accent1">
-              <a:shade val="50000"/>
-            </a:schemeClr>
-          </a:lnRef>
-          <a:fillRef idx="1">
-            <a:schemeClr val="accent1"/>
-          </a:fillRef>
-          <a:effectRef idx="0">
-            <a:schemeClr val="accent1"/>
-          </a:effectRef>
-          <a:fontRef idx="minor">
-            <a:schemeClr val="lt1"/>
-          </a:fontRef>
-        </p:style>
-        <p:txBody>
-          <a:bodyPr rtlCol="0" anchor="ctr"/>
-          <a:lstStyle/>
-          <a:p>
-            <a:r>
-              <a:rPr lang="en-US" altLang="ja-JP" sz="1400" b="1" dirty="0"/>
-              <a:t>develop</a:t>
-            </a:r>
-          </a:p>
-        </p:txBody>
-      </p:sp>
-      <p:cxnSp>
-        <p:nvCxnSpPr>
-          <p:cNvPr id="20" name="直線矢印コネクタ 19">
-            <a:extLst>
-              <a:ext uri="{FF2B5EF4-FFF2-40B4-BE49-F238E27FC236}">
-                <a16:creationId xmlns:a16="http://schemas.microsoft.com/office/drawing/2014/main" id="{A9E3088E-5474-0876-C0A9-BB706CFCD0FF}"/>
-              </a:ext>
-            </a:extLst>
-          </p:cNvPr>
-          <p:cNvCxnSpPr>
-            <a:cxnSpLocks/>
-            <a:stCxn id="14" idx="6"/>
-            <a:endCxn id="16" idx="2"/>
-          </p:cNvCxnSpPr>
-          <p:nvPr/>
-        </p:nvCxnSpPr>
-        <p:spPr>
-          <a:xfrm>
-            <a:off x="8041568" y="2026804"/>
-            <a:ext cx="1307223" cy="775547"/>
-          </a:xfrm>
-          <a:prstGeom prst="straightConnector1">
-            <a:avLst/>
-          </a:prstGeom>
-          <a:ln w="38100">
-            <a:solidFill>
-              <a:schemeClr val="tx1">
-                <a:lumMod val="65000"/>
-                <a:lumOff val="35000"/>
-              </a:schemeClr>
-            </a:solidFill>
-            <a:tailEnd type="triangle"/>
-          </a:ln>
-        </p:spPr>
-        <p:style>
-          <a:lnRef idx="1">
-            <a:schemeClr val="accent1"/>
-          </a:lnRef>
-          <a:fillRef idx="0">
-            <a:schemeClr val="accent1"/>
-          </a:fillRef>
-          <a:effectRef idx="0">
-            <a:schemeClr val="accent1"/>
-          </a:effectRef>
-          <a:fontRef idx="minor">
-            <a:schemeClr val="tx1"/>
-          </a:fontRef>
-        </p:style>
-      </p:cxnSp>
-      <p:cxnSp>
-        <p:nvCxnSpPr>
-          <p:cNvPr id="22" name="直線矢印コネクタ 21">
-            <a:extLst>
-              <a:ext uri="{FF2B5EF4-FFF2-40B4-BE49-F238E27FC236}">
-                <a16:creationId xmlns:a16="http://schemas.microsoft.com/office/drawing/2014/main" id="{DEA12BCF-6A64-8D47-CC10-5ECCD15D1451}"/>
-              </a:ext>
-            </a:extLst>
-          </p:cNvPr>
-          <p:cNvCxnSpPr>
-            <a:cxnSpLocks/>
-            <a:stCxn id="14" idx="6"/>
-            <a:endCxn id="15" idx="2"/>
-          </p:cNvCxnSpPr>
-          <p:nvPr/>
-        </p:nvCxnSpPr>
-        <p:spPr>
-          <a:xfrm>
-            <a:off x="8041568" y="2026804"/>
-            <a:ext cx="1307224" cy="6678"/>
-          </a:xfrm>
-          <a:prstGeom prst="straightConnector1">
-            <a:avLst/>
-          </a:prstGeom>
-          <a:ln w="38100">
-            <a:solidFill>
-              <a:schemeClr val="tx1">
-                <a:lumMod val="65000"/>
-                <a:lumOff val="35000"/>
-              </a:schemeClr>
-            </a:solidFill>
-            <a:tailEnd type="triangle"/>
-          </a:ln>
-        </p:spPr>
-        <p:style>
-          <a:lnRef idx="1">
-            <a:schemeClr val="accent1"/>
-          </a:lnRef>
-          <a:fillRef idx="0">
-            <a:schemeClr val="accent1"/>
-          </a:fillRef>
-          <a:effectRef idx="0">
-            <a:schemeClr val="accent1"/>
-          </a:effectRef>
-          <a:fontRef idx="minor">
-            <a:schemeClr val="tx1"/>
-          </a:fontRef>
-        </p:style>
-      </p:cxnSp>
-      <p:sp>
-        <p:nvSpPr>
-          <p:cNvPr id="23" name="四角形: 角を丸くする 22">
-            <a:extLst>
-              <a:ext uri="{FF2B5EF4-FFF2-40B4-BE49-F238E27FC236}">
-                <a16:creationId xmlns:a16="http://schemas.microsoft.com/office/drawing/2014/main" id="{1FE5C31A-0B71-36C4-1E13-9852D2C95735}"/>
-              </a:ext>
-            </a:extLst>
-          </p:cNvPr>
-          <p:cNvSpPr/>
-          <p:nvPr/>
-        </p:nvSpPr>
-        <p:spPr>
-          <a:xfrm>
-            <a:off x="1884218" y="2627885"/>
-            <a:ext cx="2113808" cy="448183"/>
-          </a:xfrm>
-          <a:prstGeom prst="roundRect">
-            <a:avLst/>
-          </a:prstGeom>
-          <a:noFill/>
-          <a:ln w="28575">
-            <a:solidFill>
-              <a:srgbClr val="FF5050"/>
-            </a:solidFill>
-            <a:prstDash val="sysDot"/>
-          </a:ln>
-        </p:spPr>
-        <p:style>
-          <a:lnRef idx="2">
-            <a:schemeClr val="accent1">
-              <a:shade val="50000"/>
-            </a:schemeClr>
-          </a:lnRef>
-          <a:fillRef idx="1">
-            <a:schemeClr val="accent1"/>
-          </a:fillRef>
-          <a:effectRef idx="0">
-            <a:schemeClr val="accent1"/>
-          </a:effectRef>
-          <a:fontRef idx="minor">
-            <a:schemeClr val="lt1"/>
-          </a:fontRef>
-        </p:style>
-        <p:txBody>
-          <a:bodyPr rtlCol="0" anchor="ctr"/>
-          <a:lstStyle/>
-          <a:p>
-            <a:pPr algn="ctr"/>
-            <a:endParaRPr kumimoji="1" lang="ja-JP" altLang="en-US"/>
-          </a:p>
-        </p:txBody>
-      </p:sp>
-      <p:sp>
-        <p:nvSpPr>
-          <p:cNvPr id="26" name="四角形: 角を丸くする 25">
-            <a:extLst>
-              <a:ext uri="{FF2B5EF4-FFF2-40B4-BE49-F238E27FC236}">
-                <a16:creationId xmlns:a16="http://schemas.microsoft.com/office/drawing/2014/main" id="{A190A451-970A-4D27-5BBB-27F0575394CD}"/>
-              </a:ext>
-            </a:extLst>
-          </p:cNvPr>
-          <p:cNvSpPr/>
-          <p:nvPr/>
-        </p:nvSpPr>
-        <p:spPr>
-          <a:xfrm>
-            <a:off x="2997219" y="3273144"/>
-            <a:ext cx="2033991" cy="510088"/>
-          </a:xfrm>
-          <a:prstGeom prst="roundRect">
-            <a:avLst>
-              <a:gd name="adj" fmla="val 11561"/>
-            </a:avLst>
-          </a:prstGeom>
-          <a:solidFill>
-            <a:srgbClr val="FF5050"/>
-          </a:solidFill>
-          <a:ln w="28575">
-            <a:solidFill>
-              <a:srgbClr val="FF9999"/>
-            </a:solidFill>
-          </a:ln>
-        </p:spPr>
-        <p:style>
-          <a:lnRef idx="2">
-            <a:schemeClr val="accent1">
-              <a:shade val="50000"/>
-            </a:schemeClr>
-          </a:lnRef>
-          <a:fillRef idx="1">
-            <a:schemeClr val="accent1"/>
-          </a:fillRef>
-          <a:effectRef idx="0">
-            <a:schemeClr val="accent1"/>
-          </a:effectRef>
-          <a:fontRef idx="minor">
-            <a:schemeClr val="lt1"/>
-          </a:fontRef>
-        </p:style>
-        <p:txBody>
-          <a:bodyPr rtlCol="0" anchor="ctr"/>
-          <a:lstStyle/>
-          <a:p>
-            <a:r>
-              <a:rPr lang="en-US" altLang="ja-JP" sz="1200" b="1" dirty="0"/>
-              <a:t>develop</a:t>
-            </a:r>
-            <a:r>
-              <a:rPr lang="ja-JP" altLang="en-US" sz="1200" b="1" dirty="0"/>
-              <a:t>ブランチを</a:t>
-            </a:r>
-            <a:endParaRPr lang="en-US" altLang="ja-JP" sz="1200" b="1" dirty="0"/>
-          </a:p>
-          <a:p>
-            <a:r>
-              <a:rPr lang="en-US" altLang="ja-JP" sz="1200" b="1" dirty="0"/>
-              <a:t>master</a:t>
-            </a:r>
-            <a:r>
-              <a:rPr lang="ja-JP" altLang="en-US" sz="1200" b="1" dirty="0"/>
-              <a:t>ブランチから作成</a:t>
-            </a:r>
-            <a:endParaRPr lang="en-US" altLang="ja-JP" sz="1200" b="1" dirty="0"/>
-          </a:p>
-        </p:txBody>
-      </p:sp>
-      <p:sp>
-        <p:nvSpPr>
-          <p:cNvPr id="27" name="四角形: 角を丸くする 26">
-            <a:extLst>
-              <a:ext uri="{FF2B5EF4-FFF2-40B4-BE49-F238E27FC236}">
-                <a16:creationId xmlns:a16="http://schemas.microsoft.com/office/drawing/2014/main" id="{4D54C875-0E1E-643B-F344-4C52F7200DB9}"/>
-              </a:ext>
-            </a:extLst>
-          </p:cNvPr>
-          <p:cNvSpPr/>
-          <p:nvPr/>
-        </p:nvSpPr>
-        <p:spPr>
-          <a:xfrm>
-            <a:off x="8849744" y="3229596"/>
-            <a:ext cx="2685155" cy="510088"/>
-          </a:xfrm>
-          <a:prstGeom prst="roundRect">
-            <a:avLst>
-              <a:gd name="adj" fmla="val 11561"/>
-            </a:avLst>
-          </a:prstGeom>
-          <a:solidFill>
-            <a:srgbClr val="FF5050"/>
-          </a:solidFill>
-          <a:ln w="28575">
-            <a:solidFill>
-              <a:srgbClr val="FF9999"/>
-            </a:solidFill>
-          </a:ln>
-        </p:spPr>
-        <p:style>
-          <a:lnRef idx="2">
-            <a:schemeClr val="accent1">
-              <a:shade val="50000"/>
-            </a:schemeClr>
-          </a:lnRef>
-          <a:fillRef idx="1">
-            <a:schemeClr val="accent1"/>
-          </a:fillRef>
-          <a:effectRef idx="0">
-            <a:schemeClr val="accent1"/>
-          </a:effectRef>
-          <a:fontRef idx="minor">
-            <a:schemeClr val="lt1"/>
-          </a:fontRef>
-        </p:style>
-        <p:txBody>
-          <a:bodyPr rtlCol="0" anchor="ctr"/>
-          <a:lstStyle/>
-          <a:p>
-            <a:r>
-              <a:rPr lang="en-US" altLang="ja-JP" sz="1200" b="1" dirty="0"/>
-              <a:t>master</a:t>
-            </a:r>
-            <a:r>
-              <a:rPr lang="ja-JP" altLang="en-US" sz="1200" b="1" dirty="0"/>
-              <a:t>ブランチから</a:t>
-            </a:r>
-            <a:endParaRPr lang="en-US" altLang="ja-JP" sz="1200" b="1" dirty="0"/>
-          </a:p>
-          <a:p>
-            <a:r>
-              <a:rPr lang="en-US" altLang="ja-JP" sz="1200" b="1" dirty="0"/>
-              <a:t>develop</a:t>
-            </a:r>
-            <a:r>
-              <a:rPr lang="ja-JP" altLang="en-US" sz="1200" b="1" dirty="0"/>
-              <a:t>ブランチをチェックアウト</a:t>
-            </a:r>
-            <a:endParaRPr lang="en-US" altLang="ja-JP" sz="1200" b="1" dirty="0"/>
-          </a:p>
-        </p:txBody>
-      </p:sp>
-      <p:cxnSp>
-        <p:nvCxnSpPr>
-          <p:cNvPr id="29" name="直線コネクタ 28">
-            <a:extLst>
-              <a:ext uri="{FF2B5EF4-FFF2-40B4-BE49-F238E27FC236}">
-                <a16:creationId xmlns:a16="http://schemas.microsoft.com/office/drawing/2014/main" id="{75FE9978-DA52-B023-3BF1-BBA0DB2A1CDC}"/>
-              </a:ext>
-            </a:extLst>
-          </p:cNvPr>
-          <p:cNvCxnSpPr>
-            <a:cxnSpLocks/>
-          </p:cNvCxnSpPr>
-          <p:nvPr/>
-        </p:nvCxnSpPr>
-        <p:spPr>
-          <a:xfrm>
-            <a:off x="5893331" y="688953"/>
-            <a:ext cx="48289" cy="6139358"/>
-          </a:xfrm>
-          <a:prstGeom prst="line">
-            <a:avLst/>
-          </a:prstGeom>
-          <a:ln w="28575">
-            <a:solidFill>
-              <a:schemeClr val="tx1">
-                <a:lumMod val="65000"/>
-                <a:lumOff val="35000"/>
-              </a:schemeClr>
-            </a:solidFill>
-            <a:prstDash val="sysDot"/>
-          </a:ln>
-        </p:spPr>
-        <p:style>
-          <a:lnRef idx="1">
-            <a:schemeClr val="accent1"/>
-          </a:lnRef>
-          <a:fillRef idx="0">
-            <a:schemeClr val="accent1"/>
-          </a:fillRef>
-          <a:effectRef idx="0">
-            <a:schemeClr val="accent1"/>
-          </a:effectRef>
-          <a:fontRef idx="minor">
-            <a:schemeClr val="tx1"/>
-          </a:fontRef>
-        </p:style>
-      </p:cxnSp>
-      <p:sp>
-        <p:nvSpPr>
-          <p:cNvPr id="31" name="四角形: 角を丸くする 30">
-            <a:extLst>
-              <a:ext uri="{FF2B5EF4-FFF2-40B4-BE49-F238E27FC236}">
-                <a16:creationId xmlns:a16="http://schemas.microsoft.com/office/drawing/2014/main" id="{3F6A4779-9B59-8F92-3403-5FCB0B74D657}"/>
-              </a:ext>
-            </a:extLst>
-          </p:cNvPr>
-          <p:cNvSpPr/>
-          <p:nvPr/>
-        </p:nvSpPr>
-        <p:spPr>
-          <a:xfrm>
-            <a:off x="5924994" y="746954"/>
-            <a:ext cx="6243259" cy="448183"/>
-          </a:xfrm>
-          <a:prstGeom prst="roundRect">
-            <a:avLst>
-              <a:gd name="adj" fmla="val 10356"/>
-            </a:avLst>
-          </a:prstGeom>
-          <a:solidFill>
-            <a:schemeClr val="tx1">
-              <a:lumMod val="75000"/>
-              <a:lumOff val="25000"/>
-            </a:schemeClr>
-          </a:solidFill>
-        </p:spPr>
-        <p:style>
-          <a:lnRef idx="2">
-            <a:schemeClr val="accent1">
-              <a:shade val="50000"/>
-            </a:schemeClr>
-          </a:lnRef>
-          <a:fillRef idx="1">
-            <a:schemeClr val="accent1"/>
-          </a:fillRef>
-          <a:effectRef idx="0">
-            <a:schemeClr val="accent1"/>
-          </a:effectRef>
-          <a:fontRef idx="minor">
-            <a:schemeClr val="lt1"/>
-          </a:fontRef>
-        </p:style>
-        <p:txBody>
-          <a:bodyPr rtlCol="0" anchor="ctr"/>
-          <a:lstStyle/>
-          <a:p>
-            <a:pPr algn="ctr"/>
-            <a:r>
-              <a:rPr lang="en-US" altLang="ja-JP" b="1" dirty="0"/>
-              <a:t>checkout</a:t>
-            </a:r>
-          </a:p>
-        </p:txBody>
-      </p:sp>
-      <p:sp>
-        <p:nvSpPr>
-          <p:cNvPr id="32" name="四角形: 角を丸くする 31">
-            <a:extLst>
-              <a:ext uri="{FF2B5EF4-FFF2-40B4-BE49-F238E27FC236}">
-                <a16:creationId xmlns:a16="http://schemas.microsoft.com/office/drawing/2014/main" id="{C5344C72-13F6-7431-0E00-BA57A40F2886}"/>
-              </a:ext>
-            </a:extLst>
-          </p:cNvPr>
-          <p:cNvSpPr/>
-          <p:nvPr/>
-        </p:nvSpPr>
-        <p:spPr>
-          <a:xfrm>
-            <a:off x="7873340" y="2597667"/>
-            <a:ext cx="1844634" cy="448183"/>
-          </a:xfrm>
-          <a:prstGeom prst="roundRect">
-            <a:avLst/>
-          </a:prstGeom>
-          <a:noFill/>
-          <a:ln w="28575">
-            <a:solidFill>
-              <a:srgbClr val="FF5050"/>
-            </a:solidFill>
-            <a:prstDash val="sysDot"/>
-          </a:ln>
-        </p:spPr>
-        <p:style>
-          <a:lnRef idx="2">
-            <a:schemeClr val="accent1">
-              <a:shade val="50000"/>
-            </a:schemeClr>
-          </a:lnRef>
-          <a:fillRef idx="1">
-            <a:schemeClr val="accent1"/>
-          </a:fillRef>
-          <a:effectRef idx="0">
-            <a:schemeClr val="accent1"/>
-          </a:effectRef>
-          <a:fontRef idx="minor">
-            <a:schemeClr val="lt1"/>
-          </a:fontRef>
-        </p:style>
-        <p:txBody>
-          <a:bodyPr rtlCol="0" anchor="ctr"/>
-          <a:lstStyle/>
-          <a:p>
-            <a:pPr algn="ctr"/>
-            <a:endParaRPr kumimoji="1" lang="ja-JP" altLang="en-US"/>
-          </a:p>
-        </p:txBody>
-      </p:sp>
-      <p:sp>
-        <p:nvSpPr>
-          <p:cNvPr id="34" name="四角形: 角を丸くする 33">
-            <a:extLst>
-              <a:ext uri="{FF2B5EF4-FFF2-40B4-BE49-F238E27FC236}">
-                <a16:creationId xmlns:a16="http://schemas.microsoft.com/office/drawing/2014/main" id="{E07B2D9C-20F0-88EA-6006-464586354CC9}"/>
-              </a:ext>
-            </a:extLst>
-          </p:cNvPr>
-          <p:cNvSpPr/>
-          <p:nvPr/>
-        </p:nvSpPr>
-        <p:spPr>
-          <a:xfrm>
-            <a:off x="377871" y="1576869"/>
-            <a:ext cx="1122378" cy="283431"/>
-          </a:xfrm>
-          <a:prstGeom prst="roundRect">
-            <a:avLst>
-              <a:gd name="adj" fmla="val 10356"/>
-            </a:avLst>
-          </a:prstGeom>
-          <a:solidFill>
-            <a:schemeClr val="tx1">
-              <a:lumMod val="75000"/>
-              <a:lumOff val="25000"/>
-            </a:schemeClr>
-          </a:solidFill>
-        </p:spPr>
-        <p:style>
-          <a:lnRef idx="2">
-            <a:schemeClr val="accent1">
-              <a:shade val="50000"/>
-            </a:schemeClr>
-          </a:lnRef>
-          <a:fillRef idx="1">
-            <a:schemeClr val="accent1"/>
-          </a:fillRef>
-          <a:effectRef idx="0">
-            <a:schemeClr val="accent1"/>
-          </a:effectRef>
-          <a:fontRef idx="minor">
-            <a:schemeClr val="lt1"/>
-          </a:fontRef>
-        </p:style>
-        <p:txBody>
-          <a:bodyPr rtlCol="0" anchor="ctr"/>
-          <a:lstStyle/>
-          <a:p>
-            <a:r>
-              <a:rPr lang="ja-JP" altLang="en-US" sz="1400" b="1" dirty="0"/>
-              <a:t>リポジトリ</a:t>
-            </a:r>
-            <a:endParaRPr lang="en-US" altLang="ja-JP" sz="1400" b="1" dirty="0"/>
-          </a:p>
-        </p:txBody>
-      </p:sp>
-      <p:sp>
-        <p:nvSpPr>
-          <p:cNvPr id="36" name="四角形: 角を丸くする 35">
-            <a:extLst>
-              <a:ext uri="{FF2B5EF4-FFF2-40B4-BE49-F238E27FC236}">
-                <a16:creationId xmlns:a16="http://schemas.microsoft.com/office/drawing/2014/main" id="{664A14B1-DE4E-A934-FF63-39E3D82B77B3}"/>
-              </a:ext>
-            </a:extLst>
-          </p:cNvPr>
-          <p:cNvSpPr/>
-          <p:nvPr/>
-        </p:nvSpPr>
-        <p:spPr>
-          <a:xfrm>
-            <a:off x="6096000" y="1576869"/>
-            <a:ext cx="1122378" cy="283431"/>
-          </a:xfrm>
-          <a:prstGeom prst="roundRect">
-            <a:avLst>
-              <a:gd name="adj" fmla="val 10356"/>
-            </a:avLst>
-          </a:prstGeom>
-          <a:solidFill>
-            <a:schemeClr val="tx1">
-              <a:lumMod val="75000"/>
-              <a:lumOff val="25000"/>
-            </a:schemeClr>
-          </a:solidFill>
-        </p:spPr>
-        <p:style>
-          <a:lnRef idx="2">
-            <a:schemeClr val="accent1">
-              <a:shade val="50000"/>
-            </a:schemeClr>
-          </a:lnRef>
-          <a:fillRef idx="1">
-            <a:schemeClr val="accent1"/>
-          </a:fillRef>
-          <a:effectRef idx="0">
-            <a:schemeClr val="accent1"/>
-          </a:effectRef>
-          <a:fontRef idx="minor">
-            <a:schemeClr val="lt1"/>
-          </a:fontRef>
-        </p:style>
-        <p:txBody>
-          <a:bodyPr rtlCol="0" anchor="ctr"/>
-          <a:lstStyle/>
-          <a:p>
-            <a:r>
-              <a:rPr lang="ja-JP" altLang="en-US" sz="1400" b="1" dirty="0"/>
-              <a:t>リポジトリ</a:t>
-            </a:r>
-            <a:endParaRPr lang="en-US" altLang="ja-JP" sz="1400" b="1" dirty="0"/>
-          </a:p>
-        </p:txBody>
-      </p:sp>
-      <p:sp>
-        <p:nvSpPr>
-          <p:cNvPr id="5" name="四角形: 角を丸くする 4">
-            <a:extLst>
-              <a:ext uri="{FF2B5EF4-FFF2-40B4-BE49-F238E27FC236}">
-                <a16:creationId xmlns:a16="http://schemas.microsoft.com/office/drawing/2014/main" id="{F92BABBD-BD9B-33A5-618A-F2F9E4C94E69}"/>
-              </a:ext>
-            </a:extLst>
-          </p:cNvPr>
-          <p:cNvSpPr/>
-          <p:nvPr/>
-        </p:nvSpPr>
-        <p:spPr>
-          <a:xfrm>
-            <a:off x="443047" y="4187272"/>
-            <a:ext cx="5022763" cy="919118"/>
-          </a:xfrm>
-          <a:prstGeom prst="roundRect">
-            <a:avLst>
-              <a:gd name="adj" fmla="val 2951"/>
-            </a:avLst>
-          </a:prstGeom>
-          <a:solidFill>
-            <a:schemeClr val="bg1"/>
-          </a:solidFill>
-          <a:ln>
-            <a:solidFill>
-              <a:schemeClr val="tx1">
-                <a:lumMod val="75000"/>
-                <a:lumOff val="25000"/>
-              </a:schemeClr>
-            </a:solidFill>
-          </a:ln>
-        </p:spPr>
-        <p:style>
-          <a:lnRef idx="2">
-            <a:schemeClr val="accent1">
-              <a:shade val="50000"/>
-            </a:schemeClr>
-          </a:lnRef>
-          <a:fillRef idx="1">
-            <a:schemeClr val="accent1"/>
-          </a:fillRef>
-          <a:effectRef idx="0">
-            <a:schemeClr val="accent1"/>
-          </a:effectRef>
-          <a:fontRef idx="minor">
-            <a:schemeClr val="lt1"/>
-          </a:fontRef>
-        </p:style>
-        <p:txBody>
-          <a:bodyPr rtlCol="0" anchor="ctr"/>
-          <a:lstStyle/>
-          <a:p>
-            <a:r>
-              <a:rPr lang="en-US" altLang="ja-JP" sz="1400" b="1" dirty="0">
-                <a:solidFill>
-                  <a:schemeClr val="tx1">
-                    <a:lumMod val="75000"/>
-                    <a:lumOff val="25000"/>
-                  </a:schemeClr>
-                </a:solidFill>
-              </a:rPr>
-              <a:t>master</a:t>
-            </a:r>
-            <a:r>
-              <a:rPr lang="ja-JP" altLang="en-US" sz="1400" b="1" dirty="0">
-                <a:solidFill>
-                  <a:schemeClr val="tx1">
-                    <a:lumMod val="75000"/>
-                    <a:lumOff val="25000"/>
-                  </a:schemeClr>
-                </a:solidFill>
-              </a:rPr>
-              <a:t>ブランチから</a:t>
-            </a:r>
-            <a:r>
-              <a:rPr lang="en-US" altLang="ja-JP" sz="1400" b="1" dirty="0">
-                <a:solidFill>
-                  <a:schemeClr val="tx1">
-                    <a:lumMod val="75000"/>
-                    <a:lumOff val="25000"/>
-                  </a:schemeClr>
-                </a:solidFill>
-              </a:rPr>
-              <a:t>develop</a:t>
-            </a:r>
-            <a:r>
-              <a:rPr lang="ja-JP" altLang="en-US" sz="1400" b="1" dirty="0">
-                <a:solidFill>
-                  <a:schemeClr val="tx1">
-                    <a:lumMod val="75000"/>
-                    <a:lumOff val="25000"/>
-                  </a:schemeClr>
-                </a:solidFill>
-              </a:rPr>
-              <a:t>ブランチを作成することで</a:t>
-            </a:r>
-            <a:endParaRPr lang="en-US" altLang="ja-JP" sz="1400" b="1" dirty="0">
-              <a:solidFill>
-                <a:schemeClr val="tx1">
-                  <a:lumMod val="75000"/>
-                  <a:lumOff val="25000"/>
-                </a:schemeClr>
-              </a:solidFill>
-            </a:endParaRPr>
-          </a:p>
-          <a:p>
-            <a:r>
-              <a:rPr lang="ja-JP" altLang="en-US" sz="1400" b="1" dirty="0">
-                <a:solidFill>
-                  <a:schemeClr val="tx1">
-                    <a:lumMod val="75000"/>
-                    <a:lumOff val="25000"/>
-                  </a:schemeClr>
-                </a:solidFill>
-              </a:rPr>
-              <a:t>分岐元をいじらず開発を進めることができる。</a:t>
-            </a:r>
-            <a:endParaRPr lang="en-US" altLang="ja-JP" sz="1400" b="1" dirty="0">
-              <a:solidFill>
-                <a:schemeClr val="tx1">
-                  <a:lumMod val="75000"/>
-                  <a:lumOff val="25000"/>
-                </a:schemeClr>
-              </a:solidFill>
-            </a:endParaRPr>
-          </a:p>
-          <a:p>
-            <a:r>
-              <a:rPr lang="ja-JP" altLang="en-US" sz="1400" b="1" dirty="0">
-                <a:solidFill>
-                  <a:schemeClr val="tx1">
-                    <a:lumMod val="75000"/>
-                    <a:lumOff val="25000"/>
-                  </a:schemeClr>
-                </a:solidFill>
-              </a:rPr>
-              <a:t>このコマンドだけでは作業ブランチが</a:t>
-            </a:r>
-            <a:r>
-              <a:rPr lang="en-US" altLang="ja-JP" sz="1400" b="1" dirty="0">
-                <a:solidFill>
-                  <a:schemeClr val="tx1">
-                    <a:lumMod val="75000"/>
-                    <a:lumOff val="25000"/>
-                  </a:schemeClr>
-                </a:solidFill>
-              </a:rPr>
-              <a:t>master</a:t>
-            </a:r>
-            <a:r>
-              <a:rPr lang="ja-JP" altLang="en-US" sz="1400" b="1" dirty="0">
-                <a:solidFill>
-                  <a:schemeClr val="tx1">
-                    <a:lumMod val="75000"/>
-                    <a:lumOff val="25000"/>
-                  </a:schemeClr>
-                </a:solidFill>
-              </a:rPr>
-              <a:t>ブランチから</a:t>
-            </a:r>
-            <a:br>
-              <a:rPr lang="en-US" altLang="ja-JP" sz="1400" b="1" dirty="0">
-                <a:solidFill>
-                  <a:schemeClr val="tx1">
-                    <a:lumMod val="75000"/>
-                    <a:lumOff val="25000"/>
-                  </a:schemeClr>
-                </a:solidFill>
-              </a:rPr>
-            </a:br>
-            <a:r>
-              <a:rPr lang="en-US" altLang="ja-JP" sz="1400" b="1" dirty="0">
-                <a:solidFill>
-                  <a:schemeClr val="tx1">
-                    <a:lumMod val="75000"/>
-                    <a:lumOff val="25000"/>
-                  </a:schemeClr>
-                </a:solidFill>
-              </a:rPr>
-              <a:t>develop</a:t>
-            </a:r>
-            <a:r>
-              <a:rPr lang="ja-JP" altLang="en-US" sz="1400" b="1" dirty="0">
-                <a:solidFill>
-                  <a:schemeClr val="tx1">
-                    <a:lumMod val="75000"/>
-                    <a:lumOff val="25000"/>
-                  </a:schemeClr>
-                </a:solidFill>
-              </a:rPr>
-              <a:t>ブランチには切り替わりません。</a:t>
-            </a:r>
-            <a:endParaRPr lang="en-US" altLang="ja-JP" sz="1400" b="1" dirty="0">
-              <a:solidFill>
-                <a:schemeClr val="tx1">
-                  <a:lumMod val="75000"/>
-                  <a:lumOff val="25000"/>
-                </a:schemeClr>
-              </a:solidFill>
-            </a:endParaRPr>
-          </a:p>
-        </p:txBody>
-      </p:sp>
-      <p:sp>
-        <p:nvSpPr>
-          <p:cNvPr id="7" name="四角形: 角を丸くする 6">
-            <a:extLst>
-              <a:ext uri="{FF2B5EF4-FFF2-40B4-BE49-F238E27FC236}">
-                <a16:creationId xmlns:a16="http://schemas.microsoft.com/office/drawing/2014/main" id="{2212545F-BFDC-4E3D-4992-31546278EAC3}"/>
-              </a:ext>
-            </a:extLst>
-          </p:cNvPr>
-          <p:cNvSpPr/>
-          <p:nvPr/>
-        </p:nvSpPr>
-        <p:spPr>
-          <a:xfrm>
-            <a:off x="6624102" y="4189257"/>
-            <a:ext cx="5022763" cy="1261517"/>
-          </a:xfrm>
-          <a:prstGeom prst="roundRect">
-            <a:avLst>
-              <a:gd name="adj" fmla="val 2951"/>
-            </a:avLst>
-          </a:prstGeom>
-          <a:solidFill>
-            <a:schemeClr val="bg1"/>
-          </a:solidFill>
-          <a:ln>
-            <a:solidFill>
-              <a:schemeClr val="tx1">
-                <a:lumMod val="75000"/>
-                <a:lumOff val="25000"/>
-              </a:schemeClr>
-            </a:solidFill>
-          </a:ln>
-        </p:spPr>
-        <p:style>
-          <a:lnRef idx="2">
-            <a:schemeClr val="accent1">
-              <a:shade val="50000"/>
-            </a:schemeClr>
-          </a:lnRef>
-          <a:fillRef idx="1">
-            <a:schemeClr val="accent1"/>
-          </a:fillRef>
-          <a:effectRef idx="0">
-            <a:schemeClr val="accent1"/>
-          </a:effectRef>
-          <a:fontRef idx="minor">
-            <a:schemeClr val="lt1"/>
-          </a:fontRef>
-        </p:style>
-        <p:txBody>
-          <a:bodyPr rtlCol="0" anchor="ctr"/>
-          <a:lstStyle/>
-          <a:p>
-            <a:r>
-              <a:rPr lang="ja-JP" altLang="en-US" sz="1400" b="1" dirty="0">
-                <a:solidFill>
-                  <a:schemeClr val="tx1">
-                    <a:lumMod val="75000"/>
-                    <a:lumOff val="25000"/>
-                  </a:schemeClr>
-                </a:solidFill>
-              </a:rPr>
-              <a:t>左側でブランチを作成するだけでは</a:t>
-            </a:r>
-            <a:r>
-              <a:rPr lang="en-US" altLang="ja-JP" sz="1400" b="1" dirty="0">
-                <a:solidFill>
-                  <a:schemeClr val="tx1">
-                    <a:lumMod val="75000"/>
-                    <a:lumOff val="25000"/>
-                  </a:schemeClr>
-                </a:solidFill>
-              </a:rPr>
-              <a:t>master</a:t>
-            </a:r>
-            <a:r>
-              <a:rPr lang="ja-JP" altLang="en-US" sz="1400" b="1" dirty="0">
-                <a:solidFill>
-                  <a:schemeClr val="tx1">
-                    <a:lumMod val="75000"/>
-                    <a:lumOff val="25000"/>
-                  </a:schemeClr>
-                </a:solidFill>
-              </a:rPr>
-              <a:t>ブランチが作業対象となったままとなる。</a:t>
-            </a:r>
-            <a:endParaRPr lang="en-US" altLang="ja-JP" sz="1400" b="1" dirty="0">
-              <a:solidFill>
-                <a:schemeClr val="tx1">
-                  <a:lumMod val="75000"/>
-                  <a:lumOff val="25000"/>
-                </a:schemeClr>
-              </a:solidFill>
-            </a:endParaRPr>
-          </a:p>
-          <a:p>
-            <a:r>
-              <a:rPr lang="en-US" altLang="ja-JP" sz="1400" b="1" dirty="0">
-                <a:solidFill>
-                  <a:schemeClr val="tx1">
-                    <a:lumMod val="75000"/>
-                    <a:lumOff val="25000"/>
-                  </a:schemeClr>
-                </a:solidFill>
-              </a:rPr>
-              <a:t>develop</a:t>
-            </a:r>
-            <a:r>
-              <a:rPr lang="ja-JP" altLang="en-US" sz="1400" b="1" dirty="0">
-                <a:solidFill>
-                  <a:schemeClr val="tx1">
-                    <a:lumMod val="75000"/>
-                    <a:lumOff val="25000"/>
-                  </a:schemeClr>
-                </a:solidFill>
-              </a:rPr>
-              <a:t>ブランチで作業したい場合は</a:t>
-            </a:r>
-            <a:r>
-              <a:rPr lang="en-US" altLang="ja-JP" sz="1400" b="1" dirty="0">
-                <a:solidFill>
-                  <a:schemeClr val="tx1">
-                    <a:lumMod val="75000"/>
-                    <a:lumOff val="25000"/>
-                  </a:schemeClr>
-                </a:solidFill>
-              </a:rPr>
-              <a:t>master</a:t>
-            </a:r>
-            <a:r>
-              <a:rPr lang="ja-JP" altLang="en-US" sz="1400" b="1" dirty="0">
-                <a:solidFill>
-                  <a:schemeClr val="tx1">
-                    <a:lumMod val="75000"/>
-                    <a:lumOff val="25000"/>
-                  </a:schemeClr>
-                </a:solidFill>
-              </a:rPr>
-              <a:t>ブランチから</a:t>
-            </a:r>
-            <a:r>
-              <a:rPr lang="en-US" altLang="ja-JP" sz="1400" b="1" dirty="0">
-                <a:solidFill>
-                  <a:schemeClr val="tx1">
-                    <a:lumMod val="75000"/>
-                    <a:lumOff val="25000"/>
-                  </a:schemeClr>
-                </a:solidFill>
-              </a:rPr>
-              <a:t>develop</a:t>
-            </a:r>
-            <a:r>
-              <a:rPr lang="ja-JP" altLang="en-US" sz="1400" b="1" dirty="0">
-                <a:solidFill>
-                  <a:schemeClr val="tx1">
-                    <a:lumMod val="75000"/>
-                    <a:lumOff val="25000"/>
-                  </a:schemeClr>
-                </a:solidFill>
-              </a:rPr>
-              <a:t>ブランチにチェックアウトすることで作業対象を</a:t>
-            </a:r>
-            <a:br>
-              <a:rPr lang="en-US" altLang="ja-JP" sz="1400" b="1" dirty="0">
-                <a:solidFill>
-                  <a:schemeClr val="tx1">
-                    <a:lumMod val="75000"/>
-                    <a:lumOff val="25000"/>
-                  </a:schemeClr>
-                </a:solidFill>
-              </a:rPr>
-            </a:br>
-            <a:r>
-              <a:rPr lang="ja-JP" altLang="en-US" sz="1400" b="1" dirty="0">
-                <a:solidFill>
-                  <a:schemeClr val="tx1">
-                    <a:lumMod val="75000"/>
-                    <a:lumOff val="25000"/>
-                  </a:schemeClr>
-                </a:solidFill>
-              </a:rPr>
-              <a:t>切り替えることができる。</a:t>
-            </a:r>
-            <a:endParaRPr lang="en-US" altLang="ja-JP" sz="1400" b="1" dirty="0">
-              <a:solidFill>
-                <a:schemeClr val="tx1">
-                  <a:lumMod val="75000"/>
-                  <a:lumOff val="25000"/>
-                </a:schemeClr>
-              </a:solidFill>
-            </a:endParaRPr>
-          </a:p>
-        </p:txBody>
-      </p:sp>
-    </p:spTree>
-    <p:extLst>
-      <p:ext uri="{BB962C8B-B14F-4D97-AF65-F5344CB8AC3E}">
-        <p14:creationId xmlns:p14="http://schemas.microsoft.com/office/powerpoint/2010/main" val="149715903"/>
       </p:ext>
     </p:extLst>
   </p:cSld>
@@ -7350,6 +7197,130 @@
       </p:grpSpPr>
       <p:sp>
         <p:nvSpPr>
+          <p:cNvPr id="35" name="四角形: 角を丸くする 34">
+            <a:extLst>
+              <a:ext uri="{FF2B5EF4-FFF2-40B4-BE49-F238E27FC236}">
+                <a16:creationId xmlns:a16="http://schemas.microsoft.com/office/drawing/2014/main" id="{882BE66D-A516-CE03-C5EB-FBDE1E951AC8}"/>
+              </a:ext>
+            </a:extLst>
+          </p:cNvPr>
+          <p:cNvSpPr/>
+          <p:nvPr/>
+        </p:nvSpPr>
+        <p:spPr>
+          <a:xfrm>
+            <a:off x="6369140" y="1788603"/>
+            <a:ext cx="5434933" cy="2086706"/>
+          </a:xfrm>
+          <a:prstGeom prst="roundRect">
+            <a:avLst>
+              <a:gd name="adj" fmla="val 4913"/>
+            </a:avLst>
+          </a:prstGeom>
+          <a:solidFill>
+            <a:schemeClr val="bg1">
+              <a:lumMod val="95000"/>
+            </a:schemeClr>
+          </a:solidFill>
+          <a:ln w="28575">
+            <a:solidFill>
+              <a:schemeClr val="tx1">
+                <a:lumMod val="65000"/>
+                <a:lumOff val="35000"/>
+              </a:schemeClr>
+            </a:solidFill>
+            <a:prstDash val="sysDot"/>
+          </a:ln>
+        </p:spPr>
+        <p:style>
+          <a:lnRef idx="2">
+            <a:schemeClr val="accent1">
+              <a:shade val="50000"/>
+            </a:schemeClr>
+          </a:lnRef>
+          <a:fillRef idx="1">
+            <a:schemeClr val="accent1"/>
+          </a:fillRef>
+          <a:effectRef idx="0">
+            <a:schemeClr val="accent1"/>
+          </a:effectRef>
+          <a:fontRef idx="minor">
+            <a:schemeClr val="lt1"/>
+          </a:fontRef>
+        </p:style>
+        <p:txBody>
+          <a:bodyPr rtlCol="0" anchor="ctr"/>
+          <a:lstStyle/>
+          <a:p>
+            <a:pPr algn="ctr"/>
+            <a:endParaRPr kumimoji="1" lang="ja-JP" altLang="en-US"/>
+          </a:p>
+        </p:txBody>
+      </p:sp>
+      <p:sp>
+        <p:nvSpPr>
+          <p:cNvPr id="33" name="四角形: 角を丸くする 32">
+            <a:extLst>
+              <a:ext uri="{FF2B5EF4-FFF2-40B4-BE49-F238E27FC236}">
+                <a16:creationId xmlns:a16="http://schemas.microsoft.com/office/drawing/2014/main" id="{B12129C8-B303-8AEB-CD36-93219D78ED30}"/>
+              </a:ext>
+            </a:extLst>
+          </p:cNvPr>
+          <p:cNvSpPr/>
+          <p:nvPr/>
+        </p:nvSpPr>
+        <p:spPr>
+          <a:xfrm>
+            <a:off x="480704" y="1801091"/>
+            <a:ext cx="4958327" cy="2097974"/>
+          </a:xfrm>
+          <a:prstGeom prst="roundRect">
+            <a:avLst>
+              <a:gd name="adj" fmla="val 4913"/>
+            </a:avLst>
+          </a:prstGeom>
+          <a:solidFill>
+            <a:schemeClr val="bg1">
+              <a:lumMod val="95000"/>
+            </a:schemeClr>
+          </a:solidFill>
+          <a:ln w="28575">
+            <a:solidFill>
+              <a:schemeClr val="tx1">
+                <a:lumMod val="65000"/>
+                <a:lumOff val="35000"/>
+              </a:schemeClr>
+            </a:solidFill>
+            <a:prstDash val="sysDot"/>
+          </a:ln>
+        </p:spPr>
+        <p:style>
+          <a:lnRef idx="2">
+            <a:schemeClr val="accent1">
+              <a:shade val="50000"/>
+            </a:schemeClr>
+          </a:lnRef>
+          <a:fillRef idx="1">
+            <a:schemeClr val="accent1"/>
+          </a:fillRef>
+          <a:effectRef idx="0">
+            <a:schemeClr val="accent1"/>
+          </a:effectRef>
+          <a:fontRef idx="minor">
+            <a:schemeClr val="lt1"/>
+          </a:fontRef>
+        </p:style>
+        <p:txBody>
+          <a:bodyPr rtlCol="0" anchor="ctr"/>
+          <a:lstStyle/>
+          <a:p>
+            <a:pPr algn="ctr"/>
+            <a:endParaRPr kumimoji="1" lang="ja-JP" altLang="en-US"/>
+          </a:p>
+        </p:txBody>
+      </p:sp>
+      <p:sp>
+        <p:nvSpPr>
           <p:cNvPr id="2" name="タイトル 1">
             <a:extLst>
               <a:ext uri="{FF2B5EF4-FFF2-40B4-BE49-F238E27FC236}">
@@ -7387,7 +7358,7 @@
                 <a:latin typeface="Meiryo UI" panose="020B0604030504040204" pitchFamily="50" charset="-128"/>
                 <a:ea typeface="Meiryo UI" panose="020B0604030504040204" pitchFamily="50" charset="-128"/>
               </a:rPr>
-              <a:t>add,</a:t>
+              <a:t>branch,</a:t>
             </a:r>
             <a:r>
               <a:rPr kumimoji="1" lang="en-US" altLang="ja-JP" dirty="0" err="1">
@@ -7397,7 +7368,7 @@
                 <a:latin typeface="Meiryo UI" panose="020B0604030504040204" pitchFamily="50" charset="-128"/>
                 <a:ea typeface="Meiryo UI" panose="020B0604030504040204" pitchFamily="50" charset="-128"/>
               </a:rPr>
-              <a:t>commit</a:t>
+              <a:t>checkout</a:t>
             </a:r>
             <a:r>
               <a:rPr kumimoji="1" lang="en-US" altLang="ja-JP" dirty="0">
@@ -7778,10 +7749,7 @@
           </a:prstGeom>
           <a:ln w="38100">
             <a:solidFill>
-              <a:schemeClr val="tx1">
-                <a:lumMod val="65000"/>
-                <a:lumOff val="35000"/>
-              </a:schemeClr>
+              <a:srgbClr val="FF5050"/>
             </a:solidFill>
             <a:prstDash val="sysDot"/>
             <a:tailEnd type="triangle"/>
@@ -8236,7 +8204,7 @@
         </p:nvSpPr>
         <p:spPr>
           <a:xfrm>
-            <a:off x="1884218" y="2655591"/>
+            <a:off x="1884218" y="2627885"/>
             <a:ext cx="2113808" cy="448183"/>
           </a:xfrm>
           <a:prstGeom prst="roundRect">
@@ -8541,7 +8509,7 @@
         </p:nvSpPr>
         <p:spPr>
           <a:xfrm>
-            <a:off x="7873340" y="2613499"/>
+            <a:off x="7873340" y="2597667"/>
             <a:ext cx="1844634" cy="448183"/>
           </a:xfrm>
           <a:prstGeom prst="roundRect">
@@ -8582,64 +8550,6 @@
       </p:sp>
       <p:sp>
         <p:nvSpPr>
-          <p:cNvPr id="33" name="四角形: 角を丸くする 32">
-            <a:extLst>
-              <a:ext uri="{FF2B5EF4-FFF2-40B4-BE49-F238E27FC236}">
-                <a16:creationId xmlns:a16="http://schemas.microsoft.com/office/drawing/2014/main" id="{B12129C8-B303-8AEB-CD36-93219D78ED30}"/>
-              </a:ext>
-            </a:extLst>
-          </p:cNvPr>
-          <p:cNvSpPr/>
-          <p:nvPr/>
-        </p:nvSpPr>
-        <p:spPr>
-          <a:xfrm>
-            <a:off x="480704" y="1801091"/>
-            <a:ext cx="4958327" cy="2097974"/>
-          </a:xfrm>
-          <a:prstGeom prst="roundRect">
-            <a:avLst>
-              <a:gd name="adj" fmla="val 4913"/>
-            </a:avLst>
-          </a:prstGeom>
-          <a:noFill/>
-          <a:ln w="28575">
-            <a:solidFill>
-              <a:schemeClr val="tx1">
-                <a:lumMod val="65000"/>
-                <a:lumOff val="35000"/>
-              </a:schemeClr>
-            </a:solidFill>
-            <a:prstDash val="sysDot"/>
-          </a:ln>
-        </p:spPr>
-        <p:style>
-          <a:lnRef idx="2">
-            <a:schemeClr val="accent1">
-              <a:shade val="50000"/>
-            </a:schemeClr>
-          </a:lnRef>
-          <a:fillRef idx="1">
-            <a:schemeClr val="accent1"/>
-          </a:fillRef>
-          <a:effectRef idx="0">
-            <a:schemeClr val="accent1"/>
-          </a:effectRef>
-          <a:fontRef idx="minor">
-            <a:schemeClr val="lt1"/>
-          </a:fontRef>
-        </p:style>
-        <p:txBody>
-          <a:bodyPr rtlCol="0" anchor="ctr"/>
-          <a:lstStyle/>
-          <a:p>
-            <a:pPr algn="ctr"/>
-            <a:endParaRPr kumimoji="1" lang="ja-JP" altLang="en-US"/>
-          </a:p>
-        </p:txBody>
-      </p:sp>
-      <p:sp>
-        <p:nvSpPr>
           <p:cNvPr id="34" name="四角形: 角を丸くする 33">
             <a:extLst>
               <a:ext uri="{FF2B5EF4-FFF2-40B4-BE49-F238E27FC236}">
@@ -8697,64 +8607,6 @@
       </p:sp>
       <p:sp>
         <p:nvSpPr>
-          <p:cNvPr id="35" name="四角形: 角を丸くする 34">
-            <a:extLst>
-              <a:ext uri="{FF2B5EF4-FFF2-40B4-BE49-F238E27FC236}">
-                <a16:creationId xmlns:a16="http://schemas.microsoft.com/office/drawing/2014/main" id="{882BE66D-A516-CE03-C5EB-FBDE1E951AC8}"/>
-              </a:ext>
-            </a:extLst>
-          </p:cNvPr>
-          <p:cNvSpPr/>
-          <p:nvPr/>
-        </p:nvSpPr>
-        <p:spPr>
-          <a:xfrm>
-            <a:off x="6369140" y="1788603"/>
-            <a:ext cx="5434933" cy="2086706"/>
-          </a:xfrm>
-          <a:prstGeom prst="roundRect">
-            <a:avLst>
-              <a:gd name="adj" fmla="val 4913"/>
-            </a:avLst>
-          </a:prstGeom>
-          <a:noFill/>
-          <a:ln w="28575">
-            <a:solidFill>
-              <a:schemeClr val="tx1">
-                <a:lumMod val="65000"/>
-                <a:lumOff val="35000"/>
-              </a:schemeClr>
-            </a:solidFill>
-            <a:prstDash val="sysDot"/>
-          </a:ln>
-        </p:spPr>
-        <p:style>
-          <a:lnRef idx="2">
-            <a:schemeClr val="accent1">
-              <a:shade val="50000"/>
-            </a:schemeClr>
-          </a:lnRef>
-          <a:fillRef idx="1">
-            <a:schemeClr val="accent1"/>
-          </a:fillRef>
-          <a:effectRef idx="0">
-            <a:schemeClr val="accent1"/>
-          </a:effectRef>
-          <a:fontRef idx="minor">
-            <a:schemeClr val="lt1"/>
-          </a:fontRef>
-        </p:style>
-        <p:txBody>
-          <a:bodyPr rtlCol="0" anchor="ctr"/>
-          <a:lstStyle/>
-          <a:p>
-            <a:pPr algn="ctr"/>
-            <a:endParaRPr kumimoji="1" lang="ja-JP" altLang="en-US"/>
-          </a:p>
-        </p:txBody>
-      </p:sp>
-      <p:sp>
-        <p:nvSpPr>
           <p:cNvPr id="36" name="四角形: 角を丸くする 35">
             <a:extLst>
               <a:ext uri="{FF2B5EF4-FFF2-40B4-BE49-F238E27FC236}">
@@ -8810,10 +8662,410 @@
           </a:p>
         </p:txBody>
       </p:sp>
+      <p:sp>
+        <p:nvSpPr>
+          <p:cNvPr id="5" name="四角形: 角を丸くする 4">
+            <a:extLst>
+              <a:ext uri="{FF2B5EF4-FFF2-40B4-BE49-F238E27FC236}">
+                <a16:creationId xmlns:a16="http://schemas.microsoft.com/office/drawing/2014/main" id="{F92BABBD-BD9B-33A5-618A-F2F9E4C94E69}"/>
+              </a:ext>
+            </a:extLst>
+          </p:cNvPr>
+          <p:cNvSpPr/>
+          <p:nvPr/>
+        </p:nvSpPr>
+        <p:spPr>
+          <a:xfrm>
+            <a:off x="443047" y="4187272"/>
+            <a:ext cx="5022763" cy="919118"/>
+          </a:xfrm>
+          <a:prstGeom prst="roundRect">
+            <a:avLst>
+              <a:gd name="adj" fmla="val 2951"/>
+            </a:avLst>
+          </a:prstGeom>
+          <a:solidFill>
+            <a:schemeClr val="bg1"/>
+          </a:solidFill>
+          <a:ln>
+            <a:solidFill>
+              <a:schemeClr val="tx1">
+                <a:lumMod val="75000"/>
+                <a:lumOff val="25000"/>
+              </a:schemeClr>
+            </a:solidFill>
+          </a:ln>
+        </p:spPr>
+        <p:style>
+          <a:lnRef idx="2">
+            <a:schemeClr val="accent1">
+              <a:shade val="50000"/>
+            </a:schemeClr>
+          </a:lnRef>
+          <a:fillRef idx="1">
+            <a:schemeClr val="accent1"/>
+          </a:fillRef>
+          <a:effectRef idx="0">
+            <a:schemeClr val="accent1"/>
+          </a:effectRef>
+          <a:fontRef idx="minor">
+            <a:schemeClr val="lt1"/>
+          </a:fontRef>
+        </p:style>
+        <p:txBody>
+          <a:bodyPr rtlCol="0" anchor="ctr"/>
+          <a:lstStyle/>
+          <a:p>
+            <a:r>
+              <a:rPr lang="en-US" altLang="ja-JP" sz="1400" b="1" dirty="0">
+                <a:solidFill>
+                  <a:schemeClr val="tx1">
+                    <a:lumMod val="75000"/>
+                    <a:lumOff val="25000"/>
+                  </a:schemeClr>
+                </a:solidFill>
+              </a:rPr>
+              <a:t>master</a:t>
+            </a:r>
+            <a:r>
+              <a:rPr lang="ja-JP" altLang="en-US" sz="1400" b="1" dirty="0">
+                <a:solidFill>
+                  <a:schemeClr val="tx1">
+                    <a:lumMod val="75000"/>
+                    <a:lumOff val="25000"/>
+                  </a:schemeClr>
+                </a:solidFill>
+              </a:rPr>
+              <a:t>ブランチから</a:t>
+            </a:r>
+            <a:r>
+              <a:rPr lang="en-US" altLang="ja-JP" sz="1400" b="1" dirty="0">
+                <a:solidFill>
+                  <a:schemeClr val="tx1">
+                    <a:lumMod val="75000"/>
+                    <a:lumOff val="25000"/>
+                  </a:schemeClr>
+                </a:solidFill>
+              </a:rPr>
+              <a:t>develop</a:t>
+            </a:r>
+            <a:r>
+              <a:rPr lang="ja-JP" altLang="en-US" sz="1400" b="1" dirty="0">
+                <a:solidFill>
+                  <a:schemeClr val="tx1">
+                    <a:lumMod val="75000"/>
+                    <a:lumOff val="25000"/>
+                  </a:schemeClr>
+                </a:solidFill>
+              </a:rPr>
+              <a:t>ブランチを作成することで</a:t>
+            </a:r>
+            <a:endParaRPr lang="en-US" altLang="ja-JP" sz="1400" b="1" dirty="0">
+              <a:solidFill>
+                <a:schemeClr val="tx1">
+                  <a:lumMod val="75000"/>
+                  <a:lumOff val="25000"/>
+                </a:schemeClr>
+              </a:solidFill>
+            </a:endParaRPr>
+          </a:p>
+          <a:p>
+            <a:r>
+              <a:rPr lang="ja-JP" altLang="en-US" sz="1400" b="1" dirty="0">
+                <a:solidFill>
+                  <a:schemeClr val="tx1">
+                    <a:lumMod val="75000"/>
+                    <a:lumOff val="25000"/>
+                  </a:schemeClr>
+                </a:solidFill>
+              </a:rPr>
+              <a:t>分岐元をいじらず開発を進めることができる。</a:t>
+            </a:r>
+            <a:endParaRPr lang="en-US" altLang="ja-JP" sz="1400" b="1" dirty="0">
+              <a:solidFill>
+                <a:schemeClr val="tx1">
+                  <a:lumMod val="75000"/>
+                  <a:lumOff val="25000"/>
+                </a:schemeClr>
+              </a:solidFill>
+            </a:endParaRPr>
+          </a:p>
+          <a:p>
+            <a:r>
+              <a:rPr lang="ja-JP" altLang="en-US" sz="1400" b="1" dirty="0">
+                <a:solidFill>
+                  <a:schemeClr val="tx1">
+                    <a:lumMod val="75000"/>
+                    <a:lumOff val="25000"/>
+                  </a:schemeClr>
+                </a:solidFill>
+              </a:rPr>
+              <a:t>このコマンドだけでは作業ブランチが</a:t>
+            </a:r>
+            <a:r>
+              <a:rPr lang="en-US" altLang="ja-JP" sz="1400" b="1" dirty="0">
+                <a:solidFill>
+                  <a:schemeClr val="tx1">
+                    <a:lumMod val="75000"/>
+                    <a:lumOff val="25000"/>
+                  </a:schemeClr>
+                </a:solidFill>
+              </a:rPr>
+              <a:t>master</a:t>
+            </a:r>
+            <a:r>
+              <a:rPr lang="ja-JP" altLang="en-US" sz="1400" b="1" dirty="0">
+                <a:solidFill>
+                  <a:schemeClr val="tx1">
+                    <a:lumMod val="75000"/>
+                    <a:lumOff val="25000"/>
+                  </a:schemeClr>
+                </a:solidFill>
+              </a:rPr>
+              <a:t>ブランチから</a:t>
+            </a:r>
+            <a:br>
+              <a:rPr lang="en-US" altLang="ja-JP" sz="1400" b="1" dirty="0">
+                <a:solidFill>
+                  <a:schemeClr val="tx1">
+                    <a:lumMod val="75000"/>
+                    <a:lumOff val="25000"/>
+                  </a:schemeClr>
+                </a:solidFill>
+              </a:rPr>
+            </a:br>
+            <a:r>
+              <a:rPr lang="en-US" altLang="ja-JP" sz="1400" b="1" dirty="0">
+                <a:solidFill>
+                  <a:schemeClr val="tx1">
+                    <a:lumMod val="75000"/>
+                    <a:lumOff val="25000"/>
+                  </a:schemeClr>
+                </a:solidFill>
+              </a:rPr>
+              <a:t>develop</a:t>
+            </a:r>
+            <a:r>
+              <a:rPr lang="ja-JP" altLang="en-US" sz="1400" b="1" dirty="0">
+                <a:solidFill>
+                  <a:schemeClr val="tx1">
+                    <a:lumMod val="75000"/>
+                    <a:lumOff val="25000"/>
+                  </a:schemeClr>
+                </a:solidFill>
+              </a:rPr>
+              <a:t>ブランチには切り替わりません。</a:t>
+            </a:r>
+            <a:endParaRPr lang="en-US" altLang="ja-JP" sz="1400" b="1" dirty="0">
+              <a:solidFill>
+                <a:schemeClr val="tx1">
+                  <a:lumMod val="75000"/>
+                  <a:lumOff val="25000"/>
+                </a:schemeClr>
+              </a:solidFill>
+            </a:endParaRPr>
+          </a:p>
+        </p:txBody>
+      </p:sp>
+      <p:sp>
+        <p:nvSpPr>
+          <p:cNvPr id="7" name="四角形: 角を丸くする 6">
+            <a:extLst>
+              <a:ext uri="{FF2B5EF4-FFF2-40B4-BE49-F238E27FC236}">
+                <a16:creationId xmlns:a16="http://schemas.microsoft.com/office/drawing/2014/main" id="{2212545F-BFDC-4E3D-4992-31546278EAC3}"/>
+              </a:ext>
+            </a:extLst>
+          </p:cNvPr>
+          <p:cNvSpPr/>
+          <p:nvPr/>
+        </p:nvSpPr>
+        <p:spPr>
+          <a:xfrm>
+            <a:off x="6624102" y="4189257"/>
+            <a:ext cx="5022763" cy="1261517"/>
+          </a:xfrm>
+          <a:prstGeom prst="roundRect">
+            <a:avLst>
+              <a:gd name="adj" fmla="val 2951"/>
+            </a:avLst>
+          </a:prstGeom>
+          <a:solidFill>
+            <a:schemeClr val="bg1"/>
+          </a:solidFill>
+          <a:ln>
+            <a:solidFill>
+              <a:schemeClr val="tx1">
+                <a:lumMod val="75000"/>
+                <a:lumOff val="25000"/>
+              </a:schemeClr>
+            </a:solidFill>
+          </a:ln>
+        </p:spPr>
+        <p:style>
+          <a:lnRef idx="2">
+            <a:schemeClr val="accent1">
+              <a:shade val="50000"/>
+            </a:schemeClr>
+          </a:lnRef>
+          <a:fillRef idx="1">
+            <a:schemeClr val="accent1"/>
+          </a:fillRef>
+          <a:effectRef idx="0">
+            <a:schemeClr val="accent1"/>
+          </a:effectRef>
+          <a:fontRef idx="minor">
+            <a:schemeClr val="lt1"/>
+          </a:fontRef>
+        </p:style>
+        <p:txBody>
+          <a:bodyPr rtlCol="0" anchor="ctr"/>
+          <a:lstStyle/>
+          <a:p>
+            <a:r>
+              <a:rPr lang="ja-JP" altLang="en-US" sz="1400" b="1" dirty="0">
+                <a:solidFill>
+                  <a:schemeClr val="tx1">
+                    <a:lumMod val="75000"/>
+                    <a:lumOff val="25000"/>
+                  </a:schemeClr>
+                </a:solidFill>
+              </a:rPr>
+              <a:t>左側でブランチを作成するだけでは</a:t>
+            </a:r>
+            <a:r>
+              <a:rPr lang="en-US" altLang="ja-JP" sz="1400" b="1" dirty="0">
+                <a:solidFill>
+                  <a:schemeClr val="tx1">
+                    <a:lumMod val="75000"/>
+                    <a:lumOff val="25000"/>
+                  </a:schemeClr>
+                </a:solidFill>
+              </a:rPr>
+              <a:t>master</a:t>
+            </a:r>
+            <a:r>
+              <a:rPr lang="ja-JP" altLang="en-US" sz="1400" b="1" dirty="0">
+                <a:solidFill>
+                  <a:schemeClr val="tx1">
+                    <a:lumMod val="75000"/>
+                    <a:lumOff val="25000"/>
+                  </a:schemeClr>
+                </a:solidFill>
+              </a:rPr>
+              <a:t>ブランチが作業対象となったままとなる。</a:t>
+            </a:r>
+            <a:endParaRPr lang="en-US" altLang="ja-JP" sz="1400" b="1" dirty="0">
+              <a:solidFill>
+                <a:schemeClr val="tx1">
+                  <a:lumMod val="75000"/>
+                  <a:lumOff val="25000"/>
+                </a:schemeClr>
+              </a:solidFill>
+            </a:endParaRPr>
+          </a:p>
+          <a:p>
+            <a:r>
+              <a:rPr lang="en-US" altLang="ja-JP" sz="1400" b="1" dirty="0">
+                <a:solidFill>
+                  <a:schemeClr val="tx1">
+                    <a:lumMod val="75000"/>
+                    <a:lumOff val="25000"/>
+                  </a:schemeClr>
+                </a:solidFill>
+              </a:rPr>
+              <a:t>develop</a:t>
+            </a:r>
+            <a:r>
+              <a:rPr lang="ja-JP" altLang="en-US" sz="1400" b="1" dirty="0">
+                <a:solidFill>
+                  <a:schemeClr val="tx1">
+                    <a:lumMod val="75000"/>
+                    <a:lumOff val="25000"/>
+                  </a:schemeClr>
+                </a:solidFill>
+              </a:rPr>
+              <a:t>ブランチで作業したい場合は</a:t>
+            </a:r>
+            <a:r>
+              <a:rPr lang="en-US" altLang="ja-JP" sz="1400" b="1" dirty="0">
+                <a:solidFill>
+                  <a:schemeClr val="tx1">
+                    <a:lumMod val="75000"/>
+                    <a:lumOff val="25000"/>
+                  </a:schemeClr>
+                </a:solidFill>
+              </a:rPr>
+              <a:t>master</a:t>
+            </a:r>
+            <a:r>
+              <a:rPr lang="ja-JP" altLang="en-US" sz="1400" b="1" dirty="0">
+                <a:solidFill>
+                  <a:schemeClr val="tx1">
+                    <a:lumMod val="75000"/>
+                    <a:lumOff val="25000"/>
+                  </a:schemeClr>
+                </a:solidFill>
+              </a:rPr>
+              <a:t>ブランチから</a:t>
+            </a:r>
+            <a:r>
+              <a:rPr lang="en-US" altLang="ja-JP" sz="1400" b="1" dirty="0">
+                <a:solidFill>
+                  <a:schemeClr val="tx1">
+                    <a:lumMod val="75000"/>
+                    <a:lumOff val="25000"/>
+                  </a:schemeClr>
+                </a:solidFill>
+              </a:rPr>
+              <a:t>develop</a:t>
+            </a:r>
+            <a:r>
+              <a:rPr lang="ja-JP" altLang="en-US" sz="1400" b="1" dirty="0">
+                <a:solidFill>
+                  <a:schemeClr val="tx1">
+                    <a:lumMod val="75000"/>
+                    <a:lumOff val="25000"/>
+                  </a:schemeClr>
+                </a:solidFill>
+              </a:rPr>
+              <a:t>ブランチにチェックアウトすることで作業対象を</a:t>
+            </a:r>
+            <a:br>
+              <a:rPr lang="en-US" altLang="ja-JP" sz="1400" b="1" dirty="0">
+                <a:solidFill>
+                  <a:schemeClr val="tx1">
+                    <a:lumMod val="75000"/>
+                    <a:lumOff val="25000"/>
+                  </a:schemeClr>
+                </a:solidFill>
+              </a:rPr>
+            </a:br>
+            <a:r>
+              <a:rPr lang="ja-JP" altLang="en-US" sz="1400" b="1" dirty="0">
+                <a:solidFill>
+                  <a:schemeClr val="tx1">
+                    <a:lumMod val="75000"/>
+                    <a:lumOff val="25000"/>
+                  </a:schemeClr>
+                </a:solidFill>
+              </a:rPr>
+              <a:t>切り替えることができる。</a:t>
+            </a:r>
+            <a:endParaRPr lang="en-US" altLang="ja-JP" sz="1400" b="1" dirty="0">
+              <a:solidFill>
+                <a:schemeClr val="tx1">
+                  <a:lumMod val="75000"/>
+                  <a:lumOff val="25000"/>
+                </a:schemeClr>
+              </a:solidFill>
+            </a:endParaRPr>
+          </a:p>
+        </p:txBody>
+      </p:sp>
     </p:spTree>
     <p:extLst>
       <p:ext uri="{BB962C8B-B14F-4D97-AF65-F5344CB8AC3E}">
-        <p14:creationId xmlns:p14="http://schemas.microsoft.com/office/powerpoint/2010/main" val="3936767188"/>
+        <p14:creationId xmlns:p14="http://schemas.microsoft.com/office/powerpoint/2010/main" val="2256870122"/>
       </p:ext>
     </p:extLst>
   </p:cSld>
@@ -8879,7 +9131,17 @@
                 <a:latin typeface="Meiryo UI" panose="020B0604030504040204" pitchFamily="50" charset="-128"/>
                 <a:ea typeface="Meiryo UI" panose="020B0604030504040204" pitchFamily="50" charset="-128"/>
               </a:rPr>
-              <a:t>fetch,merge</a:t>
+              <a:t>add,</a:t>
+            </a:r>
+            <a:r>
+              <a:rPr kumimoji="1" lang="en-US" altLang="ja-JP" dirty="0" err="1">
+                <a:solidFill>
+                  <a:schemeClr val="bg1"/>
+                </a:solidFill>
+                <a:latin typeface="Meiryo UI" panose="020B0604030504040204" pitchFamily="50" charset="-128"/>
+                <a:ea typeface="Meiryo UI" panose="020B0604030504040204" pitchFamily="50" charset="-128"/>
+              </a:rPr>
+              <a:t>commit</a:t>
             </a:r>
             <a:r>
               <a:rPr kumimoji="1" lang="en-US" altLang="ja-JP" dirty="0">
@@ -10295,7 +10557,7 @@
     </p:spTree>
     <p:extLst>
       <p:ext uri="{BB962C8B-B14F-4D97-AF65-F5344CB8AC3E}">
-        <p14:creationId xmlns:p14="http://schemas.microsoft.com/office/powerpoint/2010/main" val="2460468975"/>
+        <p14:creationId xmlns:p14="http://schemas.microsoft.com/office/powerpoint/2010/main" val="3936767188"/>
       </p:ext>
     </p:extLst>
   </p:cSld>
@@ -10354,14 +10616,14 @@
           <a:lstStyle/>
           <a:p>
             <a:r>
-              <a:rPr lang="en-US" altLang="ja-JP" dirty="0">
+              <a:rPr lang="en-US" altLang="ja-JP" dirty="0" err="1">
                 <a:solidFill>
                   <a:schemeClr val="bg1"/>
                 </a:solidFill>
                 <a:latin typeface="Meiryo UI" panose="020B0604030504040204" pitchFamily="50" charset="-128"/>
                 <a:ea typeface="Meiryo UI" panose="020B0604030504040204" pitchFamily="50" charset="-128"/>
               </a:rPr>
-              <a:t>p</a:t>
+              <a:t>fetch,merge</a:t>
             </a:r>
             <a:r>
               <a:rPr kumimoji="1" lang="en-US" altLang="ja-JP" dirty="0">
@@ -10371,7 +10633,7 @@
                 <a:latin typeface="Meiryo UI" panose="020B0604030504040204" pitchFamily="50" charset="-128"/>
                 <a:ea typeface="Meiryo UI" panose="020B0604030504040204" pitchFamily="50" charset="-128"/>
               </a:rPr>
-              <a:t>ull </a:t>
+              <a:t> </a:t>
             </a:r>
             <a:r>
               <a:rPr kumimoji="1" lang="ja-JP" altLang="en-US" dirty="0">
@@ -11777,7 +12039,7 @@
     </p:spTree>
     <p:extLst>
       <p:ext uri="{BB962C8B-B14F-4D97-AF65-F5344CB8AC3E}">
-        <p14:creationId xmlns:p14="http://schemas.microsoft.com/office/powerpoint/2010/main" val="2224771384"/>
+        <p14:creationId xmlns:p14="http://schemas.microsoft.com/office/powerpoint/2010/main" val="2460468975"/>
       </p:ext>
     </p:extLst>
   </p:cSld>
@@ -11853,6 +12115,1488 @@
                 <a:latin typeface="Meiryo UI" panose="020B0604030504040204" pitchFamily="50" charset="-128"/>
                 <a:ea typeface="Meiryo UI" panose="020B0604030504040204" pitchFamily="50" charset="-128"/>
               </a:rPr>
+              <a:t>ull </a:t>
+            </a:r>
+            <a:r>
+              <a:rPr kumimoji="1" lang="ja-JP" altLang="en-US" dirty="0">
+                <a:solidFill>
+                  <a:schemeClr val="bg1"/>
+                </a:solidFill>
+                <a:latin typeface="Meiryo UI" panose="020B0604030504040204" pitchFamily="50" charset="-128"/>
+                <a:ea typeface="Meiryo UI" panose="020B0604030504040204" pitchFamily="50" charset="-128"/>
+              </a:rPr>
+              <a:t>とは</a:t>
+            </a:r>
+          </a:p>
+        </p:txBody>
+      </p:sp>
+      <p:sp>
+        <p:nvSpPr>
+          <p:cNvPr id="3" name="四角形: 角を丸くする 2">
+            <a:extLst>
+              <a:ext uri="{FF2B5EF4-FFF2-40B4-BE49-F238E27FC236}">
+                <a16:creationId xmlns:a16="http://schemas.microsoft.com/office/drawing/2014/main" id="{CBBD2796-356B-1EF8-3F96-1F0B4A192C5D}"/>
+              </a:ext>
+            </a:extLst>
+          </p:cNvPr>
+          <p:cNvSpPr/>
+          <p:nvPr/>
+        </p:nvSpPr>
+        <p:spPr>
+          <a:xfrm>
+            <a:off x="23747" y="749717"/>
+            <a:ext cx="5841085" cy="448183"/>
+          </a:xfrm>
+          <a:prstGeom prst="roundRect">
+            <a:avLst>
+              <a:gd name="adj" fmla="val 10356"/>
+            </a:avLst>
+          </a:prstGeom>
+          <a:solidFill>
+            <a:schemeClr val="tx1">
+              <a:lumMod val="75000"/>
+              <a:lumOff val="25000"/>
+            </a:schemeClr>
+          </a:solidFill>
+        </p:spPr>
+        <p:style>
+          <a:lnRef idx="2">
+            <a:schemeClr val="accent1">
+              <a:shade val="50000"/>
+            </a:schemeClr>
+          </a:lnRef>
+          <a:fillRef idx="1">
+            <a:schemeClr val="accent1"/>
+          </a:fillRef>
+          <a:effectRef idx="0">
+            <a:schemeClr val="accent1"/>
+          </a:effectRef>
+          <a:fontRef idx="minor">
+            <a:schemeClr val="lt1"/>
+          </a:fontRef>
+        </p:style>
+        <p:txBody>
+          <a:bodyPr rtlCol="0" anchor="ctr"/>
+          <a:lstStyle/>
+          <a:p>
+            <a:pPr algn="ctr"/>
+            <a:r>
+              <a:rPr lang="en-US" altLang="ja-JP" b="1" dirty="0"/>
+              <a:t>branch</a:t>
+            </a:r>
+          </a:p>
+        </p:txBody>
+      </p:sp>
+      <p:sp>
+        <p:nvSpPr>
+          <p:cNvPr id="4" name="フローチャート: 結合子 3">
+            <a:extLst>
+              <a:ext uri="{FF2B5EF4-FFF2-40B4-BE49-F238E27FC236}">
+                <a16:creationId xmlns:a16="http://schemas.microsoft.com/office/drawing/2014/main" id="{E15A4BBB-FFF0-5580-C06A-57C07924F71D}"/>
+              </a:ext>
+            </a:extLst>
+          </p:cNvPr>
+          <p:cNvSpPr/>
+          <p:nvPr/>
+        </p:nvSpPr>
+        <p:spPr>
+          <a:xfrm>
+            <a:off x="1982551" y="1927055"/>
+            <a:ext cx="277707" cy="286594"/>
+          </a:xfrm>
+          <a:prstGeom prst="flowChartConnector">
+            <a:avLst/>
+          </a:prstGeom>
+          <a:solidFill>
+            <a:srgbClr val="0000CC"/>
+          </a:solidFill>
+          <a:ln w="28575">
+            <a:solidFill>
+              <a:srgbClr val="3366FF"/>
+            </a:solidFill>
+          </a:ln>
+        </p:spPr>
+        <p:style>
+          <a:lnRef idx="2">
+            <a:schemeClr val="accent1">
+              <a:shade val="50000"/>
+            </a:schemeClr>
+          </a:lnRef>
+          <a:fillRef idx="1">
+            <a:schemeClr val="accent1"/>
+          </a:fillRef>
+          <a:effectRef idx="0">
+            <a:schemeClr val="accent1"/>
+          </a:effectRef>
+          <a:fontRef idx="minor">
+            <a:schemeClr val="lt1"/>
+          </a:fontRef>
+        </p:style>
+        <p:txBody>
+          <a:bodyPr rtlCol="0" anchor="ctr"/>
+          <a:lstStyle/>
+          <a:p>
+            <a:pPr algn="ctr"/>
+            <a:endParaRPr kumimoji="1" lang="ja-JP" altLang="en-US"/>
+          </a:p>
+        </p:txBody>
+      </p:sp>
+      <p:sp>
+        <p:nvSpPr>
+          <p:cNvPr id="9" name="フローチャート: 結合子 8">
+            <a:extLst>
+              <a:ext uri="{FF2B5EF4-FFF2-40B4-BE49-F238E27FC236}">
+                <a16:creationId xmlns:a16="http://schemas.microsoft.com/office/drawing/2014/main" id="{CDC9C0F5-3A06-173D-2C71-8604E3E4762E}"/>
+              </a:ext>
+            </a:extLst>
+          </p:cNvPr>
+          <p:cNvSpPr/>
+          <p:nvPr/>
+        </p:nvSpPr>
+        <p:spPr>
+          <a:xfrm>
+            <a:off x="3567482" y="1933733"/>
+            <a:ext cx="277707" cy="286594"/>
+          </a:xfrm>
+          <a:prstGeom prst="flowChartConnector">
+            <a:avLst/>
+          </a:prstGeom>
+          <a:solidFill>
+            <a:srgbClr val="0000CC"/>
+          </a:solidFill>
+          <a:ln w="28575">
+            <a:solidFill>
+              <a:srgbClr val="3366FF"/>
+            </a:solidFill>
+          </a:ln>
+        </p:spPr>
+        <p:style>
+          <a:lnRef idx="2">
+            <a:schemeClr val="accent1">
+              <a:shade val="50000"/>
+            </a:schemeClr>
+          </a:lnRef>
+          <a:fillRef idx="1">
+            <a:schemeClr val="accent1"/>
+          </a:fillRef>
+          <a:effectRef idx="0">
+            <a:schemeClr val="accent1"/>
+          </a:effectRef>
+          <a:fontRef idx="minor">
+            <a:schemeClr val="lt1"/>
+          </a:fontRef>
+        </p:style>
+        <p:txBody>
+          <a:bodyPr rtlCol="0" anchor="ctr"/>
+          <a:lstStyle/>
+          <a:p>
+            <a:pPr algn="ctr"/>
+            <a:endParaRPr kumimoji="1" lang="ja-JP" altLang="en-US"/>
+          </a:p>
+        </p:txBody>
+      </p:sp>
+      <p:sp>
+        <p:nvSpPr>
+          <p:cNvPr id="13" name="フローチャート: 結合子 12">
+            <a:extLst>
+              <a:ext uri="{FF2B5EF4-FFF2-40B4-BE49-F238E27FC236}">
+                <a16:creationId xmlns:a16="http://schemas.microsoft.com/office/drawing/2014/main" id="{6854EC5E-DFCC-92BD-53D4-198F0E025F66}"/>
+              </a:ext>
+            </a:extLst>
+          </p:cNvPr>
+          <p:cNvSpPr/>
+          <p:nvPr/>
+        </p:nvSpPr>
+        <p:spPr>
+          <a:xfrm>
+            <a:off x="3567481" y="2702602"/>
+            <a:ext cx="277707" cy="286594"/>
+          </a:xfrm>
+          <a:prstGeom prst="flowChartConnector">
+            <a:avLst/>
+          </a:prstGeom>
+          <a:solidFill>
+            <a:srgbClr val="FF5050"/>
+          </a:solidFill>
+          <a:ln w="28575">
+            <a:solidFill>
+              <a:srgbClr val="FF9999"/>
+            </a:solidFill>
+          </a:ln>
+        </p:spPr>
+        <p:style>
+          <a:lnRef idx="2">
+            <a:schemeClr val="accent1">
+              <a:shade val="50000"/>
+            </a:schemeClr>
+          </a:lnRef>
+          <a:fillRef idx="1">
+            <a:schemeClr val="accent1"/>
+          </a:fillRef>
+          <a:effectRef idx="0">
+            <a:schemeClr val="accent1"/>
+          </a:effectRef>
+          <a:fontRef idx="minor">
+            <a:schemeClr val="lt1"/>
+          </a:fontRef>
+        </p:style>
+        <p:txBody>
+          <a:bodyPr rtlCol="0" anchor="ctr"/>
+          <a:lstStyle/>
+          <a:p>
+            <a:pPr algn="ctr"/>
+            <a:endParaRPr kumimoji="1" lang="ja-JP" altLang="en-US"/>
+          </a:p>
+        </p:txBody>
+      </p:sp>
+      <p:sp>
+        <p:nvSpPr>
+          <p:cNvPr id="24" name="四角形: 角を丸くする 23">
+            <a:extLst>
+              <a:ext uri="{FF2B5EF4-FFF2-40B4-BE49-F238E27FC236}">
+                <a16:creationId xmlns:a16="http://schemas.microsoft.com/office/drawing/2014/main" id="{BCC090B4-5FDB-CB8C-C978-E75BF2EDD25F}"/>
+              </a:ext>
+            </a:extLst>
+          </p:cNvPr>
+          <p:cNvSpPr/>
+          <p:nvPr/>
+        </p:nvSpPr>
+        <p:spPr>
+          <a:xfrm>
+            <a:off x="945859" y="1936896"/>
+            <a:ext cx="849244" cy="283431"/>
+          </a:xfrm>
+          <a:prstGeom prst="roundRect">
+            <a:avLst>
+              <a:gd name="adj" fmla="val 10356"/>
+            </a:avLst>
+          </a:prstGeom>
+          <a:solidFill>
+            <a:srgbClr val="0000CC"/>
+          </a:solidFill>
+        </p:spPr>
+        <p:style>
+          <a:lnRef idx="2">
+            <a:schemeClr val="accent1">
+              <a:shade val="50000"/>
+            </a:schemeClr>
+          </a:lnRef>
+          <a:fillRef idx="1">
+            <a:schemeClr val="accent1"/>
+          </a:fillRef>
+          <a:effectRef idx="0">
+            <a:schemeClr val="accent1"/>
+          </a:effectRef>
+          <a:fontRef idx="minor">
+            <a:schemeClr val="lt1"/>
+          </a:fontRef>
+        </p:style>
+        <p:txBody>
+          <a:bodyPr rtlCol="0" anchor="ctr"/>
+          <a:lstStyle/>
+          <a:p>
+            <a:r>
+              <a:rPr lang="en-US" altLang="ja-JP" sz="1400" b="1" dirty="0"/>
+              <a:t>master</a:t>
+            </a:r>
+          </a:p>
+        </p:txBody>
+      </p:sp>
+      <p:sp>
+        <p:nvSpPr>
+          <p:cNvPr id="25" name="四角形: 角を丸くする 24">
+            <a:extLst>
+              <a:ext uri="{FF2B5EF4-FFF2-40B4-BE49-F238E27FC236}">
+                <a16:creationId xmlns:a16="http://schemas.microsoft.com/office/drawing/2014/main" id="{2102596F-2577-358F-EEC8-D07D0460170A}"/>
+              </a:ext>
+            </a:extLst>
+          </p:cNvPr>
+          <p:cNvSpPr/>
+          <p:nvPr/>
+        </p:nvSpPr>
+        <p:spPr>
+          <a:xfrm>
+            <a:off x="2001926" y="2704413"/>
+            <a:ext cx="911944" cy="286594"/>
+          </a:xfrm>
+          <a:prstGeom prst="roundRect">
+            <a:avLst>
+              <a:gd name="adj" fmla="val 10356"/>
+            </a:avLst>
+          </a:prstGeom>
+          <a:solidFill>
+            <a:srgbClr val="FF5050"/>
+          </a:solidFill>
+          <a:ln>
+            <a:solidFill>
+              <a:srgbClr val="FF9999"/>
+            </a:solidFill>
+          </a:ln>
+        </p:spPr>
+        <p:style>
+          <a:lnRef idx="2">
+            <a:schemeClr val="accent1">
+              <a:shade val="50000"/>
+            </a:schemeClr>
+          </a:lnRef>
+          <a:fillRef idx="1">
+            <a:schemeClr val="accent1"/>
+          </a:fillRef>
+          <a:effectRef idx="0">
+            <a:schemeClr val="accent1"/>
+          </a:effectRef>
+          <a:fontRef idx="minor">
+            <a:schemeClr val="lt1"/>
+          </a:fontRef>
+        </p:style>
+        <p:txBody>
+          <a:bodyPr rtlCol="0" anchor="ctr"/>
+          <a:lstStyle/>
+          <a:p>
+            <a:r>
+              <a:rPr lang="en-US" altLang="ja-JP" sz="1400" b="1" dirty="0"/>
+              <a:t>develop</a:t>
+            </a:r>
+          </a:p>
+        </p:txBody>
+      </p:sp>
+      <p:cxnSp>
+        <p:nvCxnSpPr>
+          <p:cNvPr id="6" name="直線矢印コネクタ 5">
+            <a:extLst>
+              <a:ext uri="{FF2B5EF4-FFF2-40B4-BE49-F238E27FC236}">
+                <a16:creationId xmlns:a16="http://schemas.microsoft.com/office/drawing/2014/main" id="{73E45737-6EB0-FCA6-D50B-3A5C8EA65153}"/>
+              </a:ext>
+            </a:extLst>
+          </p:cNvPr>
+          <p:cNvCxnSpPr>
+            <a:cxnSpLocks/>
+            <a:stCxn id="4" idx="6"/>
+            <a:endCxn id="13" idx="2"/>
+          </p:cNvCxnSpPr>
+          <p:nvPr/>
+        </p:nvCxnSpPr>
+        <p:spPr>
+          <a:xfrm>
+            <a:off x="2260258" y="2070352"/>
+            <a:ext cx="1307223" cy="775547"/>
+          </a:xfrm>
+          <a:prstGeom prst="straightConnector1">
+            <a:avLst/>
+          </a:prstGeom>
+          <a:ln w="38100">
+            <a:solidFill>
+              <a:schemeClr val="tx1">
+                <a:lumMod val="65000"/>
+                <a:lumOff val="35000"/>
+              </a:schemeClr>
+            </a:solidFill>
+            <a:prstDash val="sysDot"/>
+            <a:tailEnd type="triangle"/>
+          </a:ln>
+        </p:spPr>
+        <p:style>
+          <a:lnRef idx="1">
+            <a:schemeClr val="accent1"/>
+          </a:lnRef>
+          <a:fillRef idx="0">
+            <a:schemeClr val="accent1"/>
+          </a:fillRef>
+          <a:effectRef idx="0">
+            <a:schemeClr val="accent1"/>
+          </a:effectRef>
+          <a:fontRef idx="minor">
+            <a:schemeClr val="tx1"/>
+          </a:fontRef>
+        </p:style>
+      </p:cxnSp>
+      <p:cxnSp>
+        <p:nvCxnSpPr>
+          <p:cNvPr id="10" name="直線矢印コネクタ 9">
+            <a:extLst>
+              <a:ext uri="{FF2B5EF4-FFF2-40B4-BE49-F238E27FC236}">
+                <a16:creationId xmlns:a16="http://schemas.microsoft.com/office/drawing/2014/main" id="{77759274-C681-9635-940C-35F4EF5F1F85}"/>
+              </a:ext>
+            </a:extLst>
+          </p:cNvPr>
+          <p:cNvCxnSpPr>
+            <a:cxnSpLocks/>
+            <a:stCxn id="4" idx="6"/>
+            <a:endCxn id="9" idx="2"/>
+          </p:cNvCxnSpPr>
+          <p:nvPr/>
+        </p:nvCxnSpPr>
+        <p:spPr>
+          <a:xfrm>
+            <a:off x="2260258" y="2070352"/>
+            <a:ext cx="1307224" cy="6678"/>
+          </a:xfrm>
+          <a:prstGeom prst="straightConnector1">
+            <a:avLst/>
+          </a:prstGeom>
+          <a:ln w="38100">
+            <a:solidFill>
+              <a:schemeClr val="tx1">
+                <a:lumMod val="65000"/>
+                <a:lumOff val="35000"/>
+              </a:schemeClr>
+            </a:solidFill>
+            <a:tailEnd type="triangle"/>
+          </a:ln>
+        </p:spPr>
+        <p:style>
+          <a:lnRef idx="1">
+            <a:schemeClr val="accent1"/>
+          </a:lnRef>
+          <a:fillRef idx="0">
+            <a:schemeClr val="accent1"/>
+          </a:fillRef>
+          <a:effectRef idx="0">
+            <a:schemeClr val="accent1"/>
+          </a:effectRef>
+          <a:fontRef idx="minor">
+            <a:schemeClr val="tx1"/>
+          </a:fontRef>
+        </p:style>
+      </p:cxnSp>
+      <p:sp>
+        <p:nvSpPr>
+          <p:cNvPr id="14" name="フローチャート: 結合子 13">
+            <a:extLst>
+              <a:ext uri="{FF2B5EF4-FFF2-40B4-BE49-F238E27FC236}">
+                <a16:creationId xmlns:a16="http://schemas.microsoft.com/office/drawing/2014/main" id="{C9A9BBC3-735D-067F-5972-AABC740A2EE9}"/>
+              </a:ext>
+            </a:extLst>
+          </p:cNvPr>
+          <p:cNvSpPr/>
+          <p:nvPr/>
+        </p:nvSpPr>
+        <p:spPr>
+          <a:xfrm>
+            <a:off x="7763861" y="1883507"/>
+            <a:ext cx="277707" cy="286594"/>
+          </a:xfrm>
+          <a:prstGeom prst="flowChartConnector">
+            <a:avLst/>
+          </a:prstGeom>
+          <a:solidFill>
+            <a:srgbClr val="0000CC"/>
+          </a:solidFill>
+          <a:ln w="28575">
+            <a:solidFill>
+              <a:srgbClr val="3366FF"/>
+            </a:solidFill>
+          </a:ln>
+        </p:spPr>
+        <p:style>
+          <a:lnRef idx="2">
+            <a:schemeClr val="accent1">
+              <a:shade val="50000"/>
+            </a:schemeClr>
+          </a:lnRef>
+          <a:fillRef idx="1">
+            <a:schemeClr val="accent1"/>
+          </a:fillRef>
+          <a:effectRef idx="0">
+            <a:schemeClr val="accent1"/>
+          </a:effectRef>
+          <a:fontRef idx="minor">
+            <a:schemeClr val="lt1"/>
+          </a:fontRef>
+        </p:style>
+        <p:txBody>
+          <a:bodyPr rtlCol="0" anchor="ctr"/>
+          <a:lstStyle/>
+          <a:p>
+            <a:pPr algn="ctr"/>
+            <a:endParaRPr kumimoji="1" lang="ja-JP" altLang="en-US"/>
+          </a:p>
+        </p:txBody>
+      </p:sp>
+      <p:sp>
+        <p:nvSpPr>
+          <p:cNvPr id="15" name="フローチャート: 結合子 14">
+            <a:extLst>
+              <a:ext uri="{FF2B5EF4-FFF2-40B4-BE49-F238E27FC236}">
+                <a16:creationId xmlns:a16="http://schemas.microsoft.com/office/drawing/2014/main" id="{02C3169B-1A19-1EA5-E620-222313E241F2}"/>
+              </a:ext>
+            </a:extLst>
+          </p:cNvPr>
+          <p:cNvSpPr/>
+          <p:nvPr/>
+        </p:nvSpPr>
+        <p:spPr>
+          <a:xfrm>
+            <a:off x="9348792" y="1890185"/>
+            <a:ext cx="277707" cy="286594"/>
+          </a:xfrm>
+          <a:prstGeom prst="flowChartConnector">
+            <a:avLst/>
+          </a:prstGeom>
+          <a:solidFill>
+            <a:srgbClr val="0000CC"/>
+          </a:solidFill>
+          <a:ln w="28575">
+            <a:solidFill>
+              <a:srgbClr val="3366FF"/>
+            </a:solidFill>
+          </a:ln>
+        </p:spPr>
+        <p:style>
+          <a:lnRef idx="2">
+            <a:schemeClr val="accent1">
+              <a:shade val="50000"/>
+            </a:schemeClr>
+          </a:lnRef>
+          <a:fillRef idx="1">
+            <a:schemeClr val="accent1"/>
+          </a:fillRef>
+          <a:effectRef idx="0">
+            <a:schemeClr val="accent1"/>
+          </a:effectRef>
+          <a:fontRef idx="minor">
+            <a:schemeClr val="lt1"/>
+          </a:fontRef>
+        </p:style>
+        <p:txBody>
+          <a:bodyPr rtlCol="0" anchor="ctr"/>
+          <a:lstStyle/>
+          <a:p>
+            <a:pPr algn="ctr"/>
+            <a:endParaRPr kumimoji="1" lang="ja-JP" altLang="en-US"/>
+          </a:p>
+        </p:txBody>
+      </p:sp>
+      <p:sp>
+        <p:nvSpPr>
+          <p:cNvPr id="16" name="フローチャート: 結合子 15">
+            <a:extLst>
+              <a:ext uri="{FF2B5EF4-FFF2-40B4-BE49-F238E27FC236}">
+                <a16:creationId xmlns:a16="http://schemas.microsoft.com/office/drawing/2014/main" id="{25FB137B-3B28-2EE0-176F-F306D374666B}"/>
+              </a:ext>
+            </a:extLst>
+          </p:cNvPr>
+          <p:cNvSpPr/>
+          <p:nvPr/>
+        </p:nvSpPr>
+        <p:spPr>
+          <a:xfrm>
+            <a:off x="9348791" y="2659054"/>
+            <a:ext cx="277707" cy="286594"/>
+          </a:xfrm>
+          <a:prstGeom prst="flowChartConnector">
+            <a:avLst/>
+          </a:prstGeom>
+          <a:solidFill>
+            <a:srgbClr val="FF5050"/>
+          </a:solidFill>
+          <a:ln w="28575">
+            <a:solidFill>
+              <a:srgbClr val="FF9999"/>
+            </a:solidFill>
+          </a:ln>
+        </p:spPr>
+        <p:style>
+          <a:lnRef idx="2">
+            <a:schemeClr val="accent1">
+              <a:shade val="50000"/>
+            </a:schemeClr>
+          </a:lnRef>
+          <a:fillRef idx="1">
+            <a:schemeClr val="accent1"/>
+          </a:fillRef>
+          <a:effectRef idx="0">
+            <a:schemeClr val="accent1"/>
+          </a:effectRef>
+          <a:fontRef idx="minor">
+            <a:schemeClr val="lt1"/>
+          </a:fontRef>
+        </p:style>
+        <p:txBody>
+          <a:bodyPr rtlCol="0" anchor="ctr"/>
+          <a:lstStyle/>
+          <a:p>
+            <a:pPr algn="ctr"/>
+            <a:endParaRPr kumimoji="1" lang="ja-JP" altLang="en-US"/>
+          </a:p>
+        </p:txBody>
+      </p:sp>
+      <p:sp>
+        <p:nvSpPr>
+          <p:cNvPr id="17" name="四角形: 角を丸くする 16">
+            <a:extLst>
+              <a:ext uri="{FF2B5EF4-FFF2-40B4-BE49-F238E27FC236}">
+                <a16:creationId xmlns:a16="http://schemas.microsoft.com/office/drawing/2014/main" id="{90C487E3-A74D-AA92-145B-BE8433FC549A}"/>
+              </a:ext>
+            </a:extLst>
+          </p:cNvPr>
+          <p:cNvSpPr/>
+          <p:nvPr/>
+        </p:nvSpPr>
+        <p:spPr>
+          <a:xfrm>
+            <a:off x="6725556" y="1887278"/>
+            <a:ext cx="860324" cy="279051"/>
+          </a:xfrm>
+          <a:prstGeom prst="roundRect">
+            <a:avLst>
+              <a:gd name="adj" fmla="val 10356"/>
+            </a:avLst>
+          </a:prstGeom>
+          <a:solidFill>
+            <a:srgbClr val="0000CC"/>
+          </a:solidFill>
+        </p:spPr>
+        <p:style>
+          <a:lnRef idx="2">
+            <a:schemeClr val="accent1">
+              <a:shade val="50000"/>
+            </a:schemeClr>
+          </a:lnRef>
+          <a:fillRef idx="1">
+            <a:schemeClr val="accent1"/>
+          </a:fillRef>
+          <a:effectRef idx="0">
+            <a:schemeClr val="accent1"/>
+          </a:effectRef>
+          <a:fontRef idx="minor">
+            <a:schemeClr val="lt1"/>
+          </a:fontRef>
+        </p:style>
+        <p:txBody>
+          <a:bodyPr rtlCol="0" anchor="ctr"/>
+          <a:lstStyle/>
+          <a:p>
+            <a:r>
+              <a:rPr lang="en-US" altLang="ja-JP" sz="1400" b="1" dirty="0"/>
+              <a:t>master</a:t>
+            </a:r>
+          </a:p>
+        </p:txBody>
+      </p:sp>
+      <p:sp>
+        <p:nvSpPr>
+          <p:cNvPr id="19" name="四角形: 角を丸くする 18">
+            <a:extLst>
+              <a:ext uri="{FF2B5EF4-FFF2-40B4-BE49-F238E27FC236}">
+                <a16:creationId xmlns:a16="http://schemas.microsoft.com/office/drawing/2014/main" id="{F6BFB5F6-735B-55F8-27D3-58782E3A2E0E}"/>
+              </a:ext>
+            </a:extLst>
+          </p:cNvPr>
+          <p:cNvSpPr/>
+          <p:nvPr/>
+        </p:nvSpPr>
+        <p:spPr>
+          <a:xfrm>
+            <a:off x="7954822" y="2696266"/>
+            <a:ext cx="894125" cy="249382"/>
+          </a:xfrm>
+          <a:prstGeom prst="roundRect">
+            <a:avLst>
+              <a:gd name="adj" fmla="val 10356"/>
+            </a:avLst>
+          </a:prstGeom>
+          <a:solidFill>
+            <a:srgbClr val="FF5050"/>
+          </a:solidFill>
+          <a:ln>
+            <a:solidFill>
+              <a:srgbClr val="FF9999"/>
+            </a:solidFill>
+          </a:ln>
+        </p:spPr>
+        <p:style>
+          <a:lnRef idx="2">
+            <a:schemeClr val="accent1">
+              <a:shade val="50000"/>
+            </a:schemeClr>
+          </a:lnRef>
+          <a:fillRef idx="1">
+            <a:schemeClr val="accent1"/>
+          </a:fillRef>
+          <a:effectRef idx="0">
+            <a:schemeClr val="accent1"/>
+          </a:effectRef>
+          <a:fontRef idx="minor">
+            <a:schemeClr val="lt1"/>
+          </a:fontRef>
+        </p:style>
+        <p:txBody>
+          <a:bodyPr rtlCol="0" anchor="ctr"/>
+          <a:lstStyle/>
+          <a:p>
+            <a:r>
+              <a:rPr lang="en-US" altLang="ja-JP" sz="1400" b="1" dirty="0"/>
+              <a:t>develop</a:t>
+            </a:r>
+          </a:p>
+        </p:txBody>
+      </p:sp>
+      <p:cxnSp>
+        <p:nvCxnSpPr>
+          <p:cNvPr id="20" name="直線矢印コネクタ 19">
+            <a:extLst>
+              <a:ext uri="{FF2B5EF4-FFF2-40B4-BE49-F238E27FC236}">
+                <a16:creationId xmlns:a16="http://schemas.microsoft.com/office/drawing/2014/main" id="{A9E3088E-5474-0876-C0A9-BB706CFCD0FF}"/>
+              </a:ext>
+            </a:extLst>
+          </p:cNvPr>
+          <p:cNvCxnSpPr>
+            <a:cxnSpLocks/>
+            <a:stCxn id="14" idx="6"/>
+            <a:endCxn id="16" idx="2"/>
+          </p:cNvCxnSpPr>
+          <p:nvPr/>
+        </p:nvCxnSpPr>
+        <p:spPr>
+          <a:xfrm>
+            <a:off x="8041568" y="2026804"/>
+            <a:ext cx="1307223" cy="775547"/>
+          </a:xfrm>
+          <a:prstGeom prst="straightConnector1">
+            <a:avLst/>
+          </a:prstGeom>
+          <a:ln w="38100">
+            <a:solidFill>
+              <a:schemeClr val="tx1">
+                <a:lumMod val="65000"/>
+                <a:lumOff val="35000"/>
+              </a:schemeClr>
+            </a:solidFill>
+            <a:tailEnd type="triangle"/>
+          </a:ln>
+        </p:spPr>
+        <p:style>
+          <a:lnRef idx="1">
+            <a:schemeClr val="accent1"/>
+          </a:lnRef>
+          <a:fillRef idx="0">
+            <a:schemeClr val="accent1"/>
+          </a:fillRef>
+          <a:effectRef idx="0">
+            <a:schemeClr val="accent1"/>
+          </a:effectRef>
+          <a:fontRef idx="minor">
+            <a:schemeClr val="tx1"/>
+          </a:fontRef>
+        </p:style>
+      </p:cxnSp>
+      <p:cxnSp>
+        <p:nvCxnSpPr>
+          <p:cNvPr id="22" name="直線矢印コネクタ 21">
+            <a:extLst>
+              <a:ext uri="{FF2B5EF4-FFF2-40B4-BE49-F238E27FC236}">
+                <a16:creationId xmlns:a16="http://schemas.microsoft.com/office/drawing/2014/main" id="{DEA12BCF-6A64-8D47-CC10-5ECCD15D1451}"/>
+              </a:ext>
+            </a:extLst>
+          </p:cNvPr>
+          <p:cNvCxnSpPr>
+            <a:cxnSpLocks/>
+            <a:stCxn id="14" idx="6"/>
+            <a:endCxn id="15" idx="2"/>
+          </p:cNvCxnSpPr>
+          <p:nvPr/>
+        </p:nvCxnSpPr>
+        <p:spPr>
+          <a:xfrm>
+            <a:off x="8041568" y="2026804"/>
+            <a:ext cx="1307224" cy="6678"/>
+          </a:xfrm>
+          <a:prstGeom prst="straightConnector1">
+            <a:avLst/>
+          </a:prstGeom>
+          <a:ln w="38100">
+            <a:solidFill>
+              <a:schemeClr val="tx1">
+                <a:lumMod val="65000"/>
+                <a:lumOff val="35000"/>
+              </a:schemeClr>
+            </a:solidFill>
+            <a:tailEnd type="triangle"/>
+          </a:ln>
+        </p:spPr>
+        <p:style>
+          <a:lnRef idx="1">
+            <a:schemeClr val="accent1"/>
+          </a:lnRef>
+          <a:fillRef idx="0">
+            <a:schemeClr val="accent1"/>
+          </a:fillRef>
+          <a:effectRef idx="0">
+            <a:schemeClr val="accent1"/>
+          </a:effectRef>
+          <a:fontRef idx="minor">
+            <a:schemeClr val="tx1"/>
+          </a:fontRef>
+        </p:style>
+      </p:cxnSp>
+      <p:sp>
+        <p:nvSpPr>
+          <p:cNvPr id="23" name="四角形: 角を丸くする 22">
+            <a:extLst>
+              <a:ext uri="{FF2B5EF4-FFF2-40B4-BE49-F238E27FC236}">
+                <a16:creationId xmlns:a16="http://schemas.microsoft.com/office/drawing/2014/main" id="{1FE5C31A-0B71-36C4-1E13-9852D2C95735}"/>
+              </a:ext>
+            </a:extLst>
+          </p:cNvPr>
+          <p:cNvSpPr/>
+          <p:nvPr/>
+        </p:nvSpPr>
+        <p:spPr>
+          <a:xfrm>
+            <a:off x="1884218" y="2655591"/>
+            <a:ext cx="2113808" cy="448183"/>
+          </a:xfrm>
+          <a:prstGeom prst="roundRect">
+            <a:avLst/>
+          </a:prstGeom>
+          <a:noFill/>
+          <a:ln w="28575">
+            <a:solidFill>
+              <a:srgbClr val="FF5050"/>
+            </a:solidFill>
+            <a:prstDash val="sysDot"/>
+          </a:ln>
+        </p:spPr>
+        <p:style>
+          <a:lnRef idx="2">
+            <a:schemeClr val="accent1">
+              <a:shade val="50000"/>
+            </a:schemeClr>
+          </a:lnRef>
+          <a:fillRef idx="1">
+            <a:schemeClr val="accent1"/>
+          </a:fillRef>
+          <a:effectRef idx="0">
+            <a:schemeClr val="accent1"/>
+          </a:effectRef>
+          <a:fontRef idx="minor">
+            <a:schemeClr val="lt1"/>
+          </a:fontRef>
+        </p:style>
+        <p:txBody>
+          <a:bodyPr rtlCol="0" anchor="ctr"/>
+          <a:lstStyle/>
+          <a:p>
+            <a:pPr algn="ctr"/>
+            <a:endParaRPr kumimoji="1" lang="ja-JP" altLang="en-US"/>
+          </a:p>
+        </p:txBody>
+      </p:sp>
+      <p:sp>
+        <p:nvSpPr>
+          <p:cNvPr id="26" name="四角形: 角を丸くする 25">
+            <a:extLst>
+              <a:ext uri="{FF2B5EF4-FFF2-40B4-BE49-F238E27FC236}">
+                <a16:creationId xmlns:a16="http://schemas.microsoft.com/office/drawing/2014/main" id="{A190A451-970A-4D27-5BBB-27F0575394CD}"/>
+              </a:ext>
+            </a:extLst>
+          </p:cNvPr>
+          <p:cNvSpPr/>
+          <p:nvPr/>
+        </p:nvSpPr>
+        <p:spPr>
+          <a:xfrm>
+            <a:off x="2997219" y="3273144"/>
+            <a:ext cx="2033991" cy="510088"/>
+          </a:xfrm>
+          <a:prstGeom prst="roundRect">
+            <a:avLst>
+              <a:gd name="adj" fmla="val 11561"/>
+            </a:avLst>
+          </a:prstGeom>
+          <a:solidFill>
+            <a:srgbClr val="FF5050"/>
+          </a:solidFill>
+          <a:ln w="28575">
+            <a:solidFill>
+              <a:srgbClr val="FF9999"/>
+            </a:solidFill>
+          </a:ln>
+        </p:spPr>
+        <p:style>
+          <a:lnRef idx="2">
+            <a:schemeClr val="accent1">
+              <a:shade val="50000"/>
+            </a:schemeClr>
+          </a:lnRef>
+          <a:fillRef idx="1">
+            <a:schemeClr val="accent1"/>
+          </a:fillRef>
+          <a:effectRef idx="0">
+            <a:schemeClr val="accent1"/>
+          </a:effectRef>
+          <a:fontRef idx="minor">
+            <a:schemeClr val="lt1"/>
+          </a:fontRef>
+        </p:style>
+        <p:txBody>
+          <a:bodyPr rtlCol="0" anchor="ctr"/>
+          <a:lstStyle/>
+          <a:p>
+            <a:r>
+              <a:rPr lang="en-US" altLang="ja-JP" sz="1200" b="1" dirty="0"/>
+              <a:t>develop</a:t>
+            </a:r>
+            <a:r>
+              <a:rPr lang="ja-JP" altLang="en-US" sz="1200" b="1" dirty="0"/>
+              <a:t>ブランチを</a:t>
+            </a:r>
+            <a:endParaRPr lang="en-US" altLang="ja-JP" sz="1200" b="1" dirty="0"/>
+          </a:p>
+          <a:p>
+            <a:r>
+              <a:rPr lang="en-US" altLang="ja-JP" sz="1200" b="1" dirty="0"/>
+              <a:t>master</a:t>
+            </a:r>
+            <a:r>
+              <a:rPr lang="ja-JP" altLang="en-US" sz="1200" b="1" dirty="0"/>
+              <a:t>ブランチから作成</a:t>
+            </a:r>
+            <a:endParaRPr lang="en-US" altLang="ja-JP" sz="1200" b="1" dirty="0"/>
+          </a:p>
+        </p:txBody>
+      </p:sp>
+      <p:sp>
+        <p:nvSpPr>
+          <p:cNvPr id="27" name="四角形: 角を丸くする 26">
+            <a:extLst>
+              <a:ext uri="{FF2B5EF4-FFF2-40B4-BE49-F238E27FC236}">
+                <a16:creationId xmlns:a16="http://schemas.microsoft.com/office/drawing/2014/main" id="{4D54C875-0E1E-643B-F344-4C52F7200DB9}"/>
+              </a:ext>
+            </a:extLst>
+          </p:cNvPr>
+          <p:cNvSpPr/>
+          <p:nvPr/>
+        </p:nvSpPr>
+        <p:spPr>
+          <a:xfrm>
+            <a:off x="8849744" y="3229596"/>
+            <a:ext cx="2685155" cy="510088"/>
+          </a:xfrm>
+          <a:prstGeom prst="roundRect">
+            <a:avLst>
+              <a:gd name="adj" fmla="val 11561"/>
+            </a:avLst>
+          </a:prstGeom>
+          <a:solidFill>
+            <a:srgbClr val="FF5050"/>
+          </a:solidFill>
+          <a:ln w="28575">
+            <a:solidFill>
+              <a:srgbClr val="FF9999"/>
+            </a:solidFill>
+          </a:ln>
+        </p:spPr>
+        <p:style>
+          <a:lnRef idx="2">
+            <a:schemeClr val="accent1">
+              <a:shade val="50000"/>
+            </a:schemeClr>
+          </a:lnRef>
+          <a:fillRef idx="1">
+            <a:schemeClr val="accent1"/>
+          </a:fillRef>
+          <a:effectRef idx="0">
+            <a:schemeClr val="accent1"/>
+          </a:effectRef>
+          <a:fontRef idx="minor">
+            <a:schemeClr val="lt1"/>
+          </a:fontRef>
+        </p:style>
+        <p:txBody>
+          <a:bodyPr rtlCol="0" anchor="ctr"/>
+          <a:lstStyle/>
+          <a:p>
+            <a:r>
+              <a:rPr lang="en-US" altLang="ja-JP" sz="1200" b="1" dirty="0"/>
+              <a:t>master</a:t>
+            </a:r>
+            <a:r>
+              <a:rPr lang="ja-JP" altLang="en-US" sz="1200" b="1" dirty="0"/>
+              <a:t>ブランチから</a:t>
+            </a:r>
+            <a:endParaRPr lang="en-US" altLang="ja-JP" sz="1200" b="1" dirty="0"/>
+          </a:p>
+          <a:p>
+            <a:r>
+              <a:rPr lang="en-US" altLang="ja-JP" sz="1200" b="1" dirty="0"/>
+              <a:t>develop</a:t>
+            </a:r>
+            <a:r>
+              <a:rPr lang="ja-JP" altLang="en-US" sz="1200" b="1" dirty="0"/>
+              <a:t>ブランチをチェックアウト</a:t>
+            </a:r>
+            <a:endParaRPr lang="en-US" altLang="ja-JP" sz="1200" b="1" dirty="0"/>
+          </a:p>
+        </p:txBody>
+      </p:sp>
+      <p:cxnSp>
+        <p:nvCxnSpPr>
+          <p:cNvPr id="29" name="直線コネクタ 28">
+            <a:extLst>
+              <a:ext uri="{FF2B5EF4-FFF2-40B4-BE49-F238E27FC236}">
+                <a16:creationId xmlns:a16="http://schemas.microsoft.com/office/drawing/2014/main" id="{75FE9978-DA52-B023-3BF1-BBA0DB2A1CDC}"/>
+              </a:ext>
+            </a:extLst>
+          </p:cNvPr>
+          <p:cNvCxnSpPr>
+            <a:cxnSpLocks/>
+          </p:cNvCxnSpPr>
+          <p:nvPr/>
+        </p:nvCxnSpPr>
+        <p:spPr>
+          <a:xfrm>
+            <a:off x="5893331" y="688953"/>
+            <a:ext cx="48289" cy="6139358"/>
+          </a:xfrm>
+          <a:prstGeom prst="line">
+            <a:avLst/>
+          </a:prstGeom>
+          <a:ln w="28575">
+            <a:solidFill>
+              <a:schemeClr val="tx1">
+                <a:lumMod val="65000"/>
+                <a:lumOff val="35000"/>
+              </a:schemeClr>
+            </a:solidFill>
+            <a:prstDash val="sysDot"/>
+          </a:ln>
+        </p:spPr>
+        <p:style>
+          <a:lnRef idx="1">
+            <a:schemeClr val="accent1"/>
+          </a:lnRef>
+          <a:fillRef idx="0">
+            <a:schemeClr val="accent1"/>
+          </a:fillRef>
+          <a:effectRef idx="0">
+            <a:schemeClr val="accent1"/>
+          </a:effectRef>
+          <a:fontRef idx="minor">
+            <a:schemeClr val="tx1"/>
+          </a:fontRef>
+        </p:style>
+      </p:cxnSp>
+      <p:sp>
+        <p:nvSpPr>
+          <p:cNvPr id="31" name="四角形: 角を丸くする 30">
+            <a:extLst>
+              <a:ext uri="{FF2B5EF4-FFF2-40B4-BE49-F238E27FC236}">
+                <a16:creationId xmlns:a16="http://schemas.microsoft.com/office/drawing/2014/main" id="{3F6A4779-9B59-8F92-3403-5FCB0B74D657}"/>
+              </a:ext>
+            </a:extLst>
+          </p:cNvPr>
+          <p:cNvSpPr/>
+          <p:nvPr/>
+        </p:nvSpPr>
+        <p:spPr>
+          <a:xfrm>
+            <a:off x="5924994" y="746954"/>
+            <a:ext cx="6243259" cy="448183"/>
+          </a:xfrm>
+          <a:prstGeom prst="roundRect">
+            <a:avLst>
+              <a:gd name="adj" fmla="val 10356"/>
+            </a:avLst>
+          </a:prstGeom>
+          <a:solidFill>
+            <a:schemeClr val="tx1">
+              <a:lumMod val="75000"/>
+              <a:lumOff val="25000"/>
+            </a:schemeClr>
+          </a:solidFill>
+        </p:spPr>
+        <p:style>
+          <a:lnRef idx="2">
+            <a:schemeClr val="accent1">
+              <a:shade val="50000"/>
+            </a:schemeClr>
+          </a:lnRef>
+          <a:fillRef idx="1">
+            <a:schemeClr val="accent1"/>
+          </a:fillRef>
+          <a:effectRef idx="0">
+            <a:schemeClr val="accent1"/>
+          </a:effectRef>
+          <a:fontRef idx="minor">
+            <a:schemeClr val="lt1"/>
+          </a:fontRef>
+        </p:style>
+        <p:txBody>
+          <a:bodyPr rtlCol="0" anchor="ctr"/>
+          <a:lstStyle/>
+          <a:p>
+            <a:pPr algn="ctr"/>
+            <a:r>
+              <a:rPr lang="en-US" altLang="ja-JP" b="1" dirty="0"/>
+              <a:t>checkout</a:t>
+            </a:r>
+          </a:p>
+        </p:txBody>
+      </p:sp>
+      <p:sp>
+        <p:nvSpPr>
+          <p:cNvPr id="32" name="四角形: 角を丸くする 31">
+            <a:extLst>
+              <a:ext uri="{FF2B5EF4-FFF2-40B4-BE49-F238E27FC236}">
+                <a16:creationId xmlns:a16="http://schemas.microsoft.com/office/drawing/2014/main" id="{C5344C72-13F6-7431-0E00-BA57A40F2886}"/>
+              </a:ext>
+            </a:extLst>
+          </p:cNvPr>
+          <p:cNvSpPr/>
+          <p:nvPr/>
+        </p:nvSpPr>
+        <p:spPr>
+          <a:xfrm>
+            <a:off x="7873340" y="2613499"/>
+            <a:ext cx="1844634" cy="448183"/>
+          </a:xfrm>
+          <a:prstGeom prst="roundRect">
+            <a:avLst/>
+          </a:prstGeom>
+          <a:noFill/>
+          <a:ln w="28575">
+            <a:solidFill>
+              <a:srgbClr val="FF5050"/>
+            </a:solidFill>
+            <a:prstDash val="sysDot"/>
+          </a:ln>
+        </p:spPr>
+        <p:style>
+          <a:lnRef idx="2">
+            <a:schemeClr val="accent1">
+              <a:shade val="50000"/>
+            </a:schemeClr>
+          </a:lnRef>
+          <a:fillRef idx="1">
+            <a:schemeClr val="accent1"/>
+          </a:fillRef>
+          <a:effectRef idx="0">
+            <a:schemeClr val="accent1"/>
+          </a:effectRef>
+          <a:fontRef idx="minor">
+            <a:schemeClr val="lt1"/>
+          </a:fontRef>
+        </p:style>
+        <p:txBody>
+          <a:bodyPr rtlCol="0" anchor="ctr"/>
+          <a:lstStyle/>
+          <a:p>
+            <a:pPr algn="ctr"/>
+            <a:endParaRPr kumimoji="1" lang="ja-JP" altLang="en-US"/>
+          </a:p>
+        </p:txBody>
+      </p:sp>
+      <p:sp>
+        <p:nvSpPr>
+          <p:cNvPr id="33" name="四角形: 角を丸くする 32">
+            <a:extLst>
+              <a:ext uri="{FF2B5EF4-FFF2-40B4-BE49-F238E27FC236}">
+                <a16:creationId xmlns:a16="http://schemas.microsoft.com/office/drawing/2014/main" id="{B12129C8-B303-8AEB-CD36-93219D78ED30}"/>
+              </a:ext>
+            </a:extLst>
+          </p:cNvPr>
+          <p:cNvSpPr/>
+          <p:nvPr/>
+        </p:nvSpPr>
+        <p:spPr>
+          <a:xfrm>
+            <a:off x="480704" y="1801091"/>
+            <a:ext cx="4958327" cy="2097974"/>
+          </a:xfrm>
+          <a:prstGeom prst="roundRect">
+            <a:avLst>
+              <a:gd name="adj" fmla="val 4913"/>
+            </a:avLst>
+          </a:prstGeom>
+          <a:noFill/>
+          <a:ln w="28575">
+            <a:solidFill>
+              <a:schemeClr val="tx1">
+                <a:lumMod val="65000"/>
+                <a:lumOff val="35000"/>
+              </a:schemeClr>
+            </a:solidFill>
+            <a:prstDash val="sysDot"/>
+          </a:ln>
+        </p:spPr>
+        <p:style>
+          <a:lnRef idx="2">
+            <a:schemeClr val="accent1">
+              <a:shade val="50000"/>
+            </a:schemeClr>
+          </a:lnRef>
+          <a:fillRef idx="1">
+            <a:schemeClr val="accent1"/>
+          </a:fillRef>
+          <a:effectRef idx="0">
+            <a:schemeClr val="accent1"/>
+          </a:effectRef>
+          <a:fontRef idx="minor">
+            <a:schemeClr val="lt1"/>
+          </a:fontRef>
+        </p:style>
+        <p:txBody>
+          <a:bodyPr rtlCol="0" anchor="ctr"/>
+          <a:lstStyle/>
+          <a:p>
+            <a:pPr algn="ctr"/>
+            <a:endParaRPr kumimoji="1" lang="ja-JP" altLang="en-US"/>
+          </a:p>
+        </p:txBody>
+      </p:sp>
+      <p:sp>
+        <p:nvSpPr>
+          <p:cNvPr id="34" name="四角形: 角を丸くする 33">
+            <a:extLst>
+              <a:ext uri="{FF2B5EF4-FFF2-40B4-BE49-F238E27FC236}">
+                <a16:creationId xmlns:a16="http://schemas.microsoft.com/office/drawing/2014/main" id="{E07B2D9C-20F0-88EA-6006-464586354CC9}"/>
+              </a:ext>
+            </a:extLst>
+          </p:cNvPr>
+          <p:cNvSpPr/>
+          <p:nvPr/>
+        </p:nvSpPr>
+        <p:spPr>
+          <a:xfrm>
+            <a:off x="377871" y="1576869"/>
+            <a:ext cx="1122378" cy="283431"/>
+          </a:xfrm>
+          <a:prstGeom prst="roundRect">
+            <a:avLst>
+              <a:gd name="adj" fmla="val 10356"/>
+            </a:avLst>
+          </a:prstGeom>
+          <a:solidFill>
+            <a:schemeClr val="tx1">
+              <a:lumMod val="75000"/>
+              <a:lumOff val="25000"/>
+            </a:schemeClr>
+          </a:solidFill>
+        </p:spPr>
+        <p:style>
+          <a:lnRef idx="2">
+            <a:schemeClr val="accent1">
+              <a:shade val="50000"/>
+            </a:schemeClr>
+          </a:lnRef>
+          <a:fillRef idx="1">
+            <a:schemeClr val="accent1"/>
+          </a:fillRef>
+          <a:effectRef idx="0">
+            <a:schemeClr val="accent1"/>
+          </a:effectRef>
+          <a:fontRef idx="minor">
+            <a:schemeClr val="lt1"/>
+          </a:fontRef>
+        </p:style>
+        <p:txBody>
+          <a:bodyPr rtlCol="0" anchor="ctr"/>
+          <a:lstStyle/>
+          <a:p>
+            <a:r>
+              <a:rPr lang="ja-JP" altLang="en-US" sz="1400" b="1" dirty="0"/>
+              <a:t>リポジトリ</a:t>
+            </a:r>
+            <a:endParaRPr lang="en-US" altLang="ja-JP" sz="1400" b="1" dirty="0"/>
+          </a:p>
+        </p:txBody>
+      </p:sp>
+      <p:sp>
+        <p:nvSpPr>
+          <p:cNvPr id="35" name="四角形: 角を丸くする 34">
+            <a:extLst>
+              <a:ext uri="{FF2B5EF4-FFF2-40B4-BE49-F238E27FC236}">
+                <a16:creationId xmlns:a16="http://schemas.microsoft.com/office/drawing/2014/main" id="{882BE66D-A516-CE03-C5EB-FBDE1E951AC8}"/>
+              </a:ext>
+            </a:extLst>
+          </p:cNvPr>
+          <p:cNvSpPr/>
+          <p:nvPr/>
+        </p:nvSpPr>
+        <p:spPr>
+          <a:xfrm>
+            <a:off x="6369140" y="1788603"/>
+            <a:ext cx="5434933" cy="2086706"/>
+          </a:xfrm>
+          <a:prstGeom prst="roundRect">
+            <a:avLst>
+              <a:gd name="adj" fmla="val 4913"/>
+            </a:avLst>
+          </a:prstGeom>
+          <a:noFill/>
+          <a:ln w="28575">
+            <a:solidFill>
+              <a:schemeClr val="tx1">
+                <a:lumMod val="65000"/>
+                <a:lumOff val="35000"/>
+              </a:schemeClr>
+            </a:solidFill>
+            <a:prstDash val="sysDot"/>
+          </a:ln>
+        </p:spPr>
+        <p:style>
+          <a:lnRef idx="2">
+            <a:schemeClr val="accent1">
+              <a:shade val="50000"/>
+            </a:schemeClr>
+          </a:lnRef>
+          <a:fillRef idx="1">
+            <a:schemeClr val="accent1"/>
+          </a:fillRef>
+          <a:effectRef idx="0">
+            <a:schemeClr val="accent1"/>
+          </a:effectRef>
+          <a:fontRef idx="minor">
+            <a:schemeClr val="lt1"/>
+          </a:fontRef>
+        </p:style>
+        <p:txBody>
+          <a:bodyPr rtlCol="0" anchor="ctr"/>
+          <a:lstStyle/>
+          <a:p>
+            <a:pPr algn="ctr"/>
+            <a:endParaRPr kumimoji="1" lang="ja-JP" altLang="en-US"/>
+          </a:p>
+        </p:txBody>
+      </p:sp>
+      <p:sp>
+        <p:nvSpPr>
+          <p:cNvPr id="36" name="四角形: 角を丸くする 35">
+            <a:extLst>
+              <a:ext uri="{FF2B5EF4-FFF2-40B4-BE49-F238E27FC236}">
+                <a16:creationId xmlns:a16="http://schemas.microsoft.com/office/drawing/2014/main" id="{664A14B1-DE4E-A934-FF63-39E3D82B77B3}"/>
+              </a:ext>
+            </a:extLst>
+          </p:cNvPr>
+          <p:cNvSpPr/>
+          <p:nvPr/>
+        </p:nvSpPr>
+        <p:spPr>
+          <a:xfrm>
+            <a:off x="6096000" y="1576869"/>
+            <a:ext cx="1122378" cy="283431"/>
+          </a:xfrm>
+          <a:prstGeom prst="roundRect">
+            <a:avLst>
+              <a:gd name="adj" fmla="val 10356"/>
+            </a:avLst>
+          </a:prstGeom>
+          <a:solidFill>
+            <a:schemeClr val="tx1">
+              <a:lumMod val="75000"/>
+              <a:lumOff val="25000"/>
+            </a:schemeClr>
+          </a:solidFill>
+        </p:spPr>
+        <p:style>
+          <a:lnRef idx="2">
+            <a:schemeClr val="accent1">
+              <a:shade val="50000"/>
+            </a:schemeClr>
+          </a:lnRef>
+          <a:fillRef idx="1">
+            <a:schemeClr val="accent1"/>
+          </a:fillRef>
+          <a:effectRef idx="0">
+            <a:schemeClr val="accent1"/>
+          </a:effectRef>
+          <a:fontRef idx="minor">
+            <a:schemeClr val="lt1"/>
+          </a:fontRef>
+        </p:style>
+        <p:txBody>
+          <a:bodyPr rtlCol="0" anchor="ctr"/>
+          <a:lstStyle/>
+          <a:p>
+            <a:r>
+              <a:rPr lang="ja-JP" altLang="en-US" sz="1400" b="1" dirty="0"/>
+              <a:t>リポジトリ</a:t>
+            </a:r>
+            <a:endParaRPr lang="en-US" altLang="ja-JP" sz="1400" b="1" dirty="0"/>
+          </a:p>
+        </p:txBody>
+      </p:sp>
+    </p:spTree>
+    <p:extLst>
+      <p:ext uri="{BB962C8B-B14F-4D97-AF65-F5344CB8AC3E}">
+        <p14:creationId xmlns:p14="http://schemas.microsoft.com/office/powerpoint/2010/main" val="2224771384"/>
+      </p:ext>
+    </p:extLst>
+  </p:cSld>
+  <p:clrMapOvr>
+    <a:masterClrMapping/>
+  </p:clrMapOvr>
+</p:sld>
+</file>
+
+<file path=ppt/slides/slide8.xml><?xml version="1.0" encoding="utf-8"?>
+<p:sld xmlns:a="http://schemas.openxmlformats.org/drawingml/2006/main" xmlns:r="http://schemas.openxmlformats.org/officeDocument/2006/relationships" xmlns:p="http://schemas.openxmlformats.org/presentationml/2006/main">
+  <p:cSld>
+    <p:spTree>
+      <p:nvGrpSpPr>
+        <p:cNvPr id="1" name=""/>
+        <p:cNvGrpSpPr/>
+        <p:nvPr/>
+      </p:nvGrpSpPr>
+      <p:grpSpPr>
+        <a:xfrm>
+          <a:off x="0" y="0"/>
+          <a:ext cx="0" cy="0"/>
+          <a:chOff x="0" y="0"/>
+          <a:chExt cx="0" cy="0"/>
+        </a:xfrm>
+      </p:grpSpPr>
+      <p:sp>
+        <p:nvSpPr>
+          <p:cNvPr id="2" name="タイトル 1">
+            <a:extLst>
+              <a:ext uri="{FF2B5EF4-FFF2-40B4-BE49-F238E27FC236}">
+                <a16:creationId xmlns:a16="http://schemas.microsoft.com/office/drawing/2014/main" id="{58D75F96-88C9-948D-DDBA-7B583F1789BB}"/>
+              </a:ext>
+            </a:extLst>
+          </p:cNvPr>
+          <p:cNvSpPr>
+            <a:spLocks noGrp="1"/>
+          </p:cNvSpPr>
+          <p:nvPr>
+            <p:ph type="title"/>
+          </p:nvPr>
+        </p:nvSpPr>
+        <p:spPr>
+          <a:xfrm>
+            <a:off x="0" y="0"/>
+            <a:ext cx="12192000" cy="681037"/>
+          </a:xfrm>
+          <a:solidFill>
+            <a:srgbClr val="3333FF"/>
+          </a:solidFill>
+        </p:spPr>
+        <p:txBody>
+          <a:bodyPr numCol="2">
+            <a:normAutofit fontScale="90000"/>
+          </a:bodyPr>
+          <a:lstStyle/>
+          <a:p>
+            <a:r>
+              <a:rPr lang="en-US" altLang="ja-JP" dirty="0">
+                <a:solidFill>
+                  <a:schemeClr val="bg1"/>
+                </a:solidFill>
+                <a:latin typeface="Meiryo UI" panose="020B0604030504040204" pitchFamily="50" charset="-128"/>
+                <a:ea typeface="Meiryo UI" panose="020B0604030504040204" pitchFamily="50" charset="-128"/>
+              </a:rPr>
+              <a:t>p</a:t>
+            </a:r>
+            <a:r>
+              <a:rPr kumimoji="1" lang="en-US" altLang="ja-JP" dirty="0">
+                <a:solidFill>
+                  <a:schemeClr val="bg1"/>
+                </a:solidFill>
+                <a:latin typeface="Meiryo UI" panose="020B0604030504040204" pitchFamily="50" charset="-128"/>
+                <a:ea typeface="Meiryo UI" panose="020B0604030504040204" pitchFamily="50" charset="-128"/>
+              </a:rPr>
               <a:t>ush </a:t>
             </a:r>
             <a:r>
@@ -13269,7 +15013,7 @@
 </p:sld>
 </file>
 
-<file path=ppt/slides/slide8.xml><?xml version="1.0" encoding="utf-8"?>
+<file path=ppt/slides/slide9.xml><?xml version="1.0" encoding="utf-8"?>
 <p:sld xmlns:a="http://schemas.openxmlformats.org/drawingml/2006/main" xmlns:r="http://schemas.openxmlformats.org/officeDocument/2006/relationships" xmlns:p="http://schemas.openxmlformats.org/presentationml/2006/main">
   <p:cSld>
     <p:spTree>

--- a/Git基本操作一覧.pptx
+++ b/Git基本操作一覧.pptx
@@ -9218,7 +9218,7 @@
             <a:pPr algn="ctr"/>
             <a:r>
               <a:rPr lang="en-US" altLang="ja-JP" b="1" dirty="0"/>
-              <a:t>branch</a:t>
+              <a:t>add</a:t>
             </a:r>
           </a:p>
         </p:txBody>
@@ -10266,7 +10266,7 @@
             <a:pPr algn="ctr"/>
             <a:r>
               <a:rPr lang="en-US" altLang="ja-JP" b="1" dirty="0"/>
-              <a:t>checkout</a:t>
+              <a:t>commit</a:t>
             </a:r>
           </a:p>
         </p:txBody>
